--- a/2024-2025 Information Session Slides.pptx
+++ b/2024-2025 Information Session Slides.pptx
@@ -15,33 +15,39 @@
     <p:sldId id="263" r:id="rId13"/>
     <p:sldId id="264" r:id="rId14"/>
     <p:sldId id="265" r:id="rId15"/>
+    <p:sldId id="266" r:id="rId16"/>
+    <p:sldId id="267" r:id="rId17"/>
+    <p:sldId id="268" r:id="rId18"/>
+    <p:sldId id="269" r:id="rId19"/>
+    <p:sldId id="270" r:id="rId20"/>
+    <p:sldId id="271" r:id="rId21"/>
   </p:sldIdLst>
   <p:sldSz cx="18288000" cy="10287000"/>
   <p:notesSz cx="6858000" cy="9144000"/>
   <p:embeddedFontLst>
     <p:embeddedFont>
-      <p:font typeface="Eastman Grotesque Bold" charset="1" panose="00000800000000000000"/>
-      <p:regular r:id="rId16"/>
-    </p:embeddedFont>
-    <p:embeddedFont>
       <p:font typeface="Canva Sans Bold" charset="1" panose="020B0803030501040103"/>
-      <p:regular r:id="rId17"/>
+      <p:regular r:id="rId22"/>
     </p:embeddedFont>
     <p:embeddedFont>
       <p:font typeface="Schoolbell" charset="1" panose="02000000000000000000"/>
-      <p:regular r:id="rId18"/>
+      <p:regular r:id="rId23"/>
+    </p:embeddedFont>
+    <p:embeddedFont>
+      <p:font typeface="Eastman Grotesque Bold" charset="1" panose="00000800000000000000"/>
+      <p:regular r:id="rId24"/>
     </p:embeddedFont>
     <p:embeddedFont>
       <p:font typeface="Eastman Grotesque" charset="1" panose="00000500000000000000"/>
-      <p:regular r:id="rId19"/>
+      <p:regular r:id="rId25"/>
     </p:embeddedFont>
     <p:embeddedFont>
       <p:font typeface="Montserrat Bold" charset="1" panose="00000800000000000000"/>
-      <p:regular r:id="rId20"/>
+      <p:regular r:id="rId26"/>
     </p:embeddedFont>
     <p:embeddedFont>
       <p:font typeface="Montserrat" charset="1" panose="00000500000000000000"/>
-      <p:regular r:id="rId21"/>
+      <p:regular r:id="rId27"/>
     </p:embeddedFont>
   </p:embeddedFontLst>
   <p:defaultTextStyle>
@@ -3103,48 +3109,272 @@
       </p:grpSpPr>
       <p:sp>
         <p:nvSpPr>
-          <p:cNvPr name="TextBox 2" id="2"/>
-          <p:cNvSpPr txBox="true"/>
-          <p:nvPr/>
-        </p:nvSpPr>
-        <p:spPr>
-          <a:xfrm rot="0">
-            <a:off x="491300" y="3271202"/>
-            <a:ext cx="4814837" cy="2933700"/>
-          </a:xfrm>
-          <a:prstGeom prst="rect">
-            <a:avLst/>
-          </a:prstGeom>
-        </p:spPr>
-        <p:txBody>
-          <a:bodyPr anchor="t" rtlCol="false" tIns="0" lIns="0" bIns="0" rIns="0">
-            <a:spAutoFit/>
-          </a:bodyPr>
-          <a:lstStyle/>
-          <a:p>
-            <a:pPr algn="l">
-              <a:lnSpc>
-                <a:spcPts val="11519"/>
-              </a:lnSpc>
-            </a:pPr>
-            <a:r>
-              <a:rPr lang="en-US" sz="9599">
-                <a:solidFill>
-                  <a:srgbClr val="000000"/>
-                </a:solidFill>
-                <a:latin typeface="Eastman Grotesque Bold"/>
-                <a:ea typeface="Eastman Grotesque Bold"/>
-                <a:cs typeface="Eastman Grotesque Bold"/>
-                <a:sym typeface="Eastman Grotesque Bold"/>
-              </a:rPr>
-              <a:t>Panther Press</a:t>
-            </a:r>
-          </a:p>
-        </p:txBody>
-      </p:sp>
-      <p:sp>
-        <p:nvSpPr>
-          <p:cNvPr name="TextBox 3" id="3"/>
+          <p:cNvPr name="Freeform 2" id="2"/>
+          <p:cNvSpPr/>
+          <p:nvPr/>
+        </p:nvSpPr>
+        <p:spPr>
+          <a:xfrm flipH="false" flipV="false" rot="5400000">
+            <a:off x="3027245" y="6409740"/>
+            <a:ext cx="2390390" cy="2682065"/>
+          </a:xfrm>
+          <a:custGeom>
+            <a:avLst/>
+            <a:gdLst/>
+            <a:ahLst/>
+            <a:cxnLst/>
+            <a:rect r="r" b="b" t="t" l="l"/>
+            <a:pathLst>
+              <a:path h="2682065" w="2390390">
+                <a:moveTo>
+                  <a:pt x="0" y="0"/>
+                </a:moveTo>
+                <a:lnTo>
+                  <a:pt x="2390390" y="0"/>
+                </a:lnTo>
+                <a:lnTo>
+                  <a:pt x="2390390" y="2682065"/>
+                </a:lnTo>
+                <a:lnTo>
+                  <a:pt x="0" y="2682065"/>
+                </a:lnTo>
+                <a:lnTo>
+                  <a:pt x="0" y="0"/>
+                </a:lnTo>
+                <a:close/>
+              </a:path>
+            </a:pathLst>
+          </a:custGeom>
+          <a:blipFill>
+            <a:blip r:embed="rId2">
+              <a:alphaModFix amt="43000"/>
+              <a:extLst>
+                <a:ext uri="{96DAC541-7B7A-43D3-8B79-37D633B846F1}">
+                  <asvg:svgBlip xmlns:asvg="http://schemas.microsoft.com/office/drawing/2016/SVG/main" r:embed="rId3"/>
+                </a:ext>
+              </a:extLst>
+            </a:blip>
+            <a:stretch>
+              <a:fillRect l="0" t="0" r="0" b="0"/>
+            </a:stretch>
+          </a:blipFill>
+        </p:spPr>
+      </p:sp>
+      <p:sp>
+        <p:nvSpPr>
+          <p:cNvPr name="Freeform 3" id="3"/>
+          <p:cNvSpPr/>
+          <p:nvPr/>
+        </p:nvSpPr>
+        <p:spPr>
+          <a:xfrm flipH="false" flipV="false" rot="0">
+            <a:off x="2536758" y="8945968"/>
+            <a:ext cx="2390390" cy="2682065"/>
+          </a:xfrm>
+          <a:custGeom>
+            <a:avLst/>
+            <a:gdLst/>
+            <a:ahLst/>
+            <a:cxnLst/>
+            <a:rect r="r" b="b" t="t" l="l"/>
+            <a:pathLst>
+              <a:path h="2682065" w="2390390">
+                <a:moveTo>
+                  <a:pt x="0" y="0"/>
+                </a:moveTo>
+                <a:lnTo>
+                  <a:pt x="2390390" y="0"/>
+                </a:lnTo>
+                <a:lnTo>
+                  <a:pt x="2390390" y="2682064"/>
+                </a:lnTo>
+                <a:lnTo>
+                  <a:pt x="0" y="2682064"/>
+                </a:lnTo>
+                <a:lnTo>
+                  <a:pt x="0" y="0"/>
+                </a:lnTo>
+                <a:close/>
+              </a:path>
+            </a:pathLst>
+          </a:custGeom>
+          <a:blipFill>
+            <a:blip r:embed="rId2">
+              <a:alphaModFix amt="43000"/>
+              <a:extLst>
+                <a:ext uri="{96DAC541-7B7A-43D3-8B79-37D633B846F1}">
+                  <asvg:svgBlip xmlns:asvg="http://schemas.microsoft.com/office/drawing/2016/SVG/main" r:embed="rId3"/>
+                </a:ext>
+              </a:extLst>
+            </a:blip>
+            <a:stretch>
+              <a:fillRect l="0" t="0" r="0" b="0"/>
+            </a:stretch>
+          </a:blipFill>
+        </p:spPr>
+      </p:sp>
+      <p:sp>
+        <p:nvSpPr>
+          <p:cNvPr name="Freeform 4" id="4"/>
+          <p:cNvSpPr/>
+          <p:nvPr/>
+        </p:nvSpPr>
+        <p:spPr>
+          <a:xfrm flipH="false" flipV="false" rot="0">
+            <a:off x="-804958" y="7304226"/>
+            <a:ext cx="3667316" cy="4114800"/>
+          </a:xfrm>
+          <a:custGeom>
+            <a:avLst/>
+            <a:gdLst/>
+            <a:ahLst/>
+            <a:cxnLst/>
+            <a:rect r="r" b="b" t="t" l="l"/>
+            <a:pathLst>
+              <a:path h="4114800" w="3667316">
+                <a:moveTo>
+                  <a:pt x="0" y="0"/>
+                </a:moveTo>
+                <a:lnTo>
+                  <a:pt x="3667316" y="0"/>
+                </a:lnTo>
+                <a:lnTo>
+                  <a:pt x="3667316" y="4114800"/>
+                </a:lnTo>
+                <a:lnTo>
+                  <a:pt x="0" y="4114800"/>
+                </a:lnTo>
+                <a:lnTo>
+                  <a:pt x="0" y="0"/>
+                </a:lnTo>
+                <a:close/>
+              </a:path>
+            </a:pathLst>
+          </a:custGeom>
+          <a:blipFill>
+            <a:blip r:embed="rId2">
+              <a:alphaModFix amt="43000"/>
+              <a:extLst>
+                <a:ext uri="{96DAC541-7B7A-43D3-8B79-37D633B846F1}">
+                  <asvg:svgBlip xmlns:asvg="http://schemas.microsoft.com/office/drawing/2016/SVG/main" r:embed="rId3"/>
+                </a:ext>
+              </a:extLst>
+            </a:blip>
+            <a:stretch>
+              <a:fillRect l="0" t="0" r="0" b="0"/>
+            </a:stretch>
+          </a:blipFill>
+        </p:spPr>
+      </p:sp>
+      <p:sp>
+        <p:nvSpPr>
+          <p:cNvPr name="Freeform 5" id="5"/>
+          <p:cNvSpPr/>
+          <p:nvPr/>
+        </p:nvSpPr>
+        <p:spPr>
+          <a:xfrm flipH="false" flipV="false" rot="0">
+            <a:off x="-678670" y="4779594"/>
+            <a:ext cx="2339940" cy="2625458"/>
+          </a:xfrm>
+          <a:custGeom>
+            <a:avLst/>
+            <a:gdLst/>
+            <a:ahLst/>
+            <a:cxnLst/>
+            <a:rect r="r" b="b" t="t" l="l"/>
+            <a:pathLst>
+              <a:path h="2625458" w="2339940">
+                <a:moveTo>
+                  <a:pt x="0" y="0"/>
+                </a:moveTo>
+                <a:lnTo>
+                  <a:pt x="2339940" y="0"/>
+                </a:lnTo>
+                <a:lnTo>
+                  <a:pt x="2339940" y="2625458"/>
+                </a:lnTo>
+                <a:lnTo>
+                  <a:pt x="0" y="2625458"/>
+                </a:lnTo>
+                <a:lnTo>
+                  <a:pt x="0" y="0"/>
+                </a:lnTo>
+                <a:close/>
+              </a:path>
+            </a:pathLst>
+          </a:custGeom>
+          <a:blipFill>
+            <a:blip r:embed="rId2">
+              <a:alphaModFix amt="43000"/>
+              <a:extLst>
+                <a:ext uri="{96DAC541-7B7A-43D3-8B79-37D633B846F1}">
+                  <asvg:svgBlip xmlns:asvg="http://schemas.microsoft.com/office/drawing/2016/SVG/main" r:embed="rId3"/>
+                </a:ext>
+              </a:extLst>
+            </a:blip>
+            <a:stretch>
+              <a:fillRect l="0" t="0" r="0" b="0"/>
+            </a:stretch>
+          </a:blipFill>
+        </p:spPr>
+      </p:sp>
+      <p:sp>
+        <p:nvSpPr>
+          <p:cNvPr name="Freeform 6" id="6"/>
+          <p:cNvSpPr/>
+          <p:nvPr/>
+        </p:nvSpPr>
+        <p:spPr>
+          <a:xfrm flipH="false" flipV="false" rot="0">
+            <a:off x="491300" y="3290252"/>
+            <a:ext cx="3667316" cy="4114800"/>
+          </a:xfrm>
+          <a:custGeom>
+            <a:avLst/>
+            <a:gdLst/>
+            <a:ahLst/>
+            <a:cxnLst/>
+            <a:rect r="r" b="b" t="t" l="l"/>
+            <a:pathLst>
+              <a:path h="4114800" w="3667316">
+                <a:moveTo>
+                  <a:pt x="0" y="0"/>
+                </a:moveTo>
+                <a:lnTo>
+                  <a:pt x="3667315" y="0"/>
+                </a:lnTo>
+                <a:lnTo>
+                  <a:pt x="3667315" y="4114800"/>
+                </a:lnTo>
+                <a:lnTo>
+                  <a:pt x="0" y="4114800"/>
+                </a:lnTo>
+                <a:lnTo>
+                  <a:pt x="0" y="0"/>
+                </a:lnTo>
+                <a:close/>
+              </a:path>
+            </a:pathLst>
+          </a:custGeom>
+          <a:blipFill>
+            <a:blip r:embed="rId2">
+              <a:alphaModFix amt="43000"/>
+              <a:extLst>
+                <a:ext uri="{96DAC541-7B7A-43D3-8B79-37D633B846F1}">
+                  <asvg:svgBlip xmlns:asvg="http://schemas.microsoft.com/office/drawing/2016/SVG/main" r:embed="rId3"/>
+                </a:ext>
+              </a:extLst>
+            </a:blip>
+            <a:stretch>
+              <a:fillRect l="0" t="0" r="0" b="0"/>
+            </a:stretch>
+          </a:blipFill>
+        </p:spPr>
+      </p:sp>
+      <p:sp>
+        <p:nvSpPr>
+          <p:cNvPr name="TextBox 7" id="7"/>
           <p:cNvSpPr txBox="true"/>
           <p:nvPr/>
         </p:nvSpPr>
@@ -3185,7 +3415,7 @@
       </p:sp>
       <p:grpSp>
         <p:nvGrpSpPr>
-          <p:cNvPr name="Group 4" id="4"/>
+          <p:cNvPr name="Group 8" id="8"/>
           <p:cNvGrpSpPr/>
           <p:nvPr/>
         </p:nvGrpSpPr>
@@ -3199,7 +3429,7 @@
         </p:grpSpPr>
         <p:sp>
           <p:nvSpPr>
-            <p:cNvPr name="Freeform 5" id="5"/>
+            <p:cNvPr name="Freeform 9" id="9"/>
             <p:cNvSpPr/>
             <p:nvPr/>
           </p:nvSpPr>
@@ -3236,10 +3466,10 @@
               </a:pathLst>
             </a:custGeom>
             <a:blipFill>
-              <a:blip r:embed="rId2">
+              <a:blip r:embed="rId4">
                 <a:extLst>
                   <a:ext uri="{96DAC541-7B7A-43D3-8B79-37D633B846F1}">
-                    <asvg:svgBlip xmlns:asvg="http://schemas.microsoft.com/office/drawing/2016/SVG/main" r:embed="rId3"/>
+                    <asvg:svgBlip xmlns:asvg="http://schemas.microsoft.com/office/drawing/2016/SVG/main" r:embed="rId5"/>
                   </a:ext>
                 </a:extLst>
               </a:blip>
@@ -3251,7 +3481,7 @@
         </p:sp>
         <p:sp>
           <p:nvSpPr>
-            <p:cNvPr name="Freeform 6" id="6"/>
+            <p:cNvPr name="Freeform 10" id="10"/>
             <p:cNvSpPr/>
             <p:nvPr/>
           </p:nvSpPr>
@@ -3288,11 +3518,11 @@
               </a:pathLst>
             </a:custGeom>
             <a:blipFill>
-              <a:blip r:embed="rId4">
+              <a:blip r:embed="rId6">
                 <a:alphaModFix amt="74000"/>
                 <a:extLst>
                   <a:ext uri="{96DAC541-7B7A-43D3-8B79-37D633B846F1}">
-                    <asvg:svgBlip xmlns:asvg="http://schemas.microsoft.com/office/drawing/2016/SVG/main" r:embed="rId5"/>
+                    <asvg:svgBlip xmlns:asvg="http://schemas.microsoft.com/office/drawing/2016/SVG/main" r:embed="rId7"/>
                   </a:ext>
                 </a:extLst>
               </a:blip>
@@ -3304,7 +3534,7 @@
         </p:sp>
         <p:sp>
           <p:nvSpPr>
-            <p:cNvPr name="TextBox 7" id="7"/>
+            <p:cNvPr name="TextBox 11" id="11"/>
             <p:cNvSpPr txBox="true"/>
             <p:nvPr/>
           </p:nvSpPr>
@@ -3345,7 +3575,7 @@
         </p:sp>
         <p:sp>
           <p:nvSpPr>
-            <p:cNvPr name="Freeform 8" id="8"/>
+            <p:cNvPr name="Freeform 12" id="12"/>
             <p:cNvSpPr/>
             <p:nvPr/>
           </p:nvSpPr>
@@ -3382,11 +3612,11 @@
               </a:pathLst>
             </a:custGeom>
             <a:blipFill>
-              <a:blip r:embed="rId4">
+              <a:blip r:embed="rId6">
                 <a:alphaModFix amt="74000"/>
                 <a:extLst>
                   <a:ext uri="{96DAC541-7B7A-43D3-8B79-37D633B846F1}">
-                    <asvg:svgBlip xmlns:asvg="http://schemas.microsoft.com/office/drawing/2016/SVG/main" r:embed="rId5"/>
+                    <asvg:svgBlip xmlns:asvg="http://schemas.microsoft.com/office/drawing/2016/SVG/main" r:embed="rId7"/>
                   </a:ext>
                 </a:extLst>
               </a:blip>
@@ -3398,7 +3628,7 @@
         </p:sp>
         <p:sp>
           <p:nvSpPr>
-            <p:cNvPr name="Freeform 9" id="9"/>
+            <p:cNvPr name="Freeform 13" id="13"/>
             <p:cNvSpPr/>
             <p:nvPr/>
           </p:nvSpPr>
@@ -3435,11 +3665,11 @@
               </a:pathLst>
             </a:custGeom>
             <a:blipFill>
-              <a:blip r:embed="rId4">
+              <a:blip r:embed="rId6">
                 <a:alphaModFix amt="74000"/>
                 <a:extLst>
                   <a:ext uri="{96DAC541-7B7A-43D3-8B79-37D633B846F1}">
-                    <asvg:svgBlip xmlns:asvg="http://schemas.microsoft.com/office/drawing/2016/SVG/main" r:embed="rId5"/>
+                    <asvg:svgBlip xmlns:asvg="http://schemas.microsoft.com/office/drawing/2016/SVG/main" r:embed="rId7"/>
                   </a:ext>
                 </a:extLst>
               </a:blip>
@@ -3451,7 +3681,7 @@
         </p:sp>
         <p:sp>
           <p:nvSpPr>
-            <p:cNvPr name="Freeform 10" id="10"/>
+            <p:cNvPr name="Freeform 14" id="14"/>
             <p:cNvSpPr/>
             <p:nvPr/>
           </p:nvSpPr>
@@ -3488,11 +3718,11 @@
               </a:pathLst>
             </a:custGeom>
             <a:blipFill>
-              <a:blip r:embed="rId4">
+              <a:blip r:embed="rId6">
                 <a:alphaModFix amt="74000"/>
                 <a:extLst>
                   <a:ext uri="{96DAC541-7B7A-43D3-8B79-37D633B846F1}">
-                    <asvg:svgBlip xmlns:asvg="http://schemas.microsoft.com/office/drawing/2016/SVG/main" r:embed="rId5"/>
+                    <asvg:svgBlip xmlns:asvg="http://schemas.microsoft.com/office/drawing/2016/SVG/main" r:embed="rId7"/>
                   </a:ext>
                 </a:extLst>
               </a:blip>
@@ -3504,7 +3734,7 @@
         </p:sp>
         <p:sp>
           <p:nvSpPr>
-            <p:cNvPr name="Freeform 11" id="11"/>
+            <p:cNvPr name="Freeform 15" id="15"/>
             <p:cNvSpPr/>
             <p:nvPr/>
           </p:nvSpPr>
@@ -3541,11 +3771,11 @@
               </a:pathLst>
             </a:custGeom>
             <a:blipFill>
-              <a:blip r:embed="rId4">
+              <a:blip r:embed="rId6">
                 <a:alphaModFix amt="74000"/>
                 <a:extLst>
                   <a:ext uri="{96DAC541-7B7A-43D3-8B79-37D633B846F1}">
-                    <asvg:svgBlip xmlns:asvg="http://schemas.microsoft.com/office/drawing/2016/SVG/main" r:embed="rId5"/>
+                    <asvg:svgBlip xmlns:asvg="http://schemas.microsoft.com/office/drawing/2016/SVG/main" r:embed="rId7"/>
                   </a:ext>
                 </a:extLst>
               </a:blip>
@@ -3557,7 +3787,7 @@
         </p:sp>
         <p:sp>
           <p:nvSpPr>
-            <p:cNvPr name="Freeform 12" id="12"/>
+            <p:cNvPr name="Freeform 16" id="16"/>
             <p:cNvSpPr/>
             <p:nvPr/>
           </p:nvSpPr>
@@ -3594,11 +3824,11 @@
               </a:pathLst>
             </a:custGeom>
             <a:blipFill>
-              <a:blip r:embed="rId4">
+              <a:blip r:embed="rId6">
                 <a:alphaModFix amt="74000"/>
                 <a:extLst>
                   <a:ext uri="{96DAC541-7B7A-43D3-8B79-37D633B846F1}">
-                    <asvg:svgBlip xmlns:asvg="http://schemas.microsoft.com/office/drawing/2016/SVG/main" r:embed="rId5"/>
+                    <asvg:svgBlip xmlns:asvg="http://schemas.microsoft.com/office/drawing/2016/SVG/main" r:embed="rId7"/>
                   </a:ext>
                 </a:extLst>
               </a:blip>
@@ -3609,6 +3839,206 @@
           </p:spPr>
         </p:sp>
       </p:grpSp>
+      <p:sp>
+        <p:nvSpPr>
+          <p:cNvPr name="Freeform 17" id="17"/>
+          <p:cNvSpPr/>
+          <p:nvPr/>
+        </p:nvSpPr>
+        <p:spPr>
+          <a:xfrm flipH="false" flipV="false" rot="-10800000">
+            <a:off x="3731953" y="5347652"/>
+            <a:ext cx="1003879" cy="1051896"/>
+          </a:xfrm>
+          <a:custGeom>
+            <a:avLst/>
+            <a:gdLst/>
+            <a:ahLst/>
+            <a:cxnLst/>
+            <a:rect r="r" b="b" t="t" l="l"/>
+            <a:pathLst>
+              <a:path h="1051896" w="1003879">
+                <a:moveTo>
+                  <a:pt x="0" y="0"/>
+                </a:moveTo>
+                <a:lnTo>
+                  <a:pt x="1003880" y="0"/>
+                </a:lnTo>
+                <a:lnTo>
+                  <a:pt x="1003880" y="1051897"/>
+                </a:lnTo>
+                <a:lnTo>
+                  <a:pt x="0" y="1051897"/>
+                </a:lnTo>
+                <a:lnTo>
+                  <a:pt x="0" y="0"/>
+                </a:lnTo>
+                <a:close/>
+              </a:path>
+            </a:pathLst>
+          </a:custGeom>
+          <a:blipFill>
+            <a:blip r:embed="rId2">
+              <a:alphaModFix amt="43000"/>
+              <a:extLst>
+                <a:ext uri="{96DAC541-7B7A-43D3-8B79-37D633B846F1}">
+                  <asvg:svgBlip xmlns:asvg="http://schemas.microsoft.com/office/drawing/2016/SVG/main" r:embed="rId3"/>
+                </a:ext>
+              </a:extLst>
+            </a:blip>
+            <a:stretch>
+              <a:fillRect l="-103441" t="0" r="0" b="-117845"/>
+            </a:stretch>
+          </a:blipFill>
+        </p:spPr>
+      </p:sp>
+      <p:sp>
+        <p:nvSpPr>
+          <p:cNvPr name="TextBox 18" id="18"/>
+          <p:cNvSpPr txBox="true"/>
+          <p:nvPr/>
+        </p:nvSpPr>
+        <p:spPr>
+          <a:xfrm rot="0">
+            <a:off x="491300" y="3271202"/>
+            <a:ext cx="4814837" cy="2933700"/>
+          </a:xfrm>
+          <a:prstGeom prst="rect">
+            <a:avLst/>
+          </a:prstGeom>
+        </p:spPr>
+        <p:txBody>
+          <a:bodyPr anchor="t" rtlCol="false" tIns="0" lIns="0" bIns="0" rIns="0">
+            <a:spAutoFit/>
+          </a:bodyPr>
+          <a:lstStyle/>
+          <a:p>
+            <a:pPr algn="l">
+              <a:lnSpc>
+                <a:spcPts val="11519"/>
+              </a:lnSpc>
+            </a:pPr>
+            <a:r>
+              <a:rPr lang="en-US" sz="9599">
+                <a:solidFill>
+                  <a:srgbClr val="000000"/>
+                </a:solidFill>
+                <a:latin typeface="Eastman Grotesque Bold"/>
+                <a:ea typeface="Eastman Grotesque Bold"/>
+                <a:cs typeface="Eastman Grotesque Bold"/>
+                <a:sym typeface="Eastman Grotesque Bold"/>
+              </a:rPr>
+              <a:t>Panther Press</a:t>
+            </a:r>
+          </a:p>
+        </p:txBody>
+      </p:sp>
+      <p:sp>
+        <p:nvSpPr>
+          <p:cNvPr name="Freeform 19" id="19"/>
+          <p:cNvSpPr/>
+          <p:nvPr/>
+        </p:nvSpPr>
+        <p:spPr>
+          <a:xfrm flipH="false" flipV="false" rot="-10800000">
+            <a:off x="-1551005" y="2851994"/>
+            <a:ext cx="2042305" cy="2291506"/>
+          </a:xfrm>
+          <a:custGeom>
+            <a:avLst/>
+            <a:gdLst/>
+            <a:ahLst/>
+            <a:cxnLst/>
+            <a:rect r="r" b="b" t="t" l="l"/>
+            <a:pathLst>
+              <a:path h="2291506" w="2042305">
+                <a:moveTo>
+                  <a:pt x="0" y="0"/>
+                </a:moveTo>
+                <a:lnTo>
+                  <a:pt x="2042305" y="0"/>
+                </a:lnTo>
+                <a:lnTo>
+                  <a:pt x="2042305" y="2291506"/>
+                </a:lnTo>
+                <a:lnTo>
+                  <a:pt x="0" y="2291506"/>
+                </a:lnTo>
+                <a:lnTo>
+                  <a:pt x="0" y="0"/>
+                </a:lnTo>
+                <a:close/>
+              </a:path>
+            </a:pathLst>
+          </a:custGeom>
+          <a:blipFill>
+            <a:blip r:embed="rId2">
+              <a:alphaModFix amt="43000"/>
+              <a:extLst>
+                <a:ext uri="{96DAC541-7B7A-43D3-8B79-37D633B846F1}">
+                  <asvg:svgBlip xmlns:asvg="http://schemas.microsoft.com/office/drawing/2016/SVG/main" r:embed="rId3"/>
+                </a:ext>
+              </a:extLst>
+            </a:blip>
+            <a:stretch>
+              <a:fillRect l="0" t="0" r="0" b="0"/>
+            </a:stretch>
+          </a:blipFill>
+        </p:spPr>
+      </p:sp>
+      <p:sp>
+        <p:nvSpPr>
+          <p:cNvPr name="Freeform 20" id="20"/>
+          <p:cNvSpPr/>
+          <p:nvPr/>
+        </p:nvSpPr>
+        <p:spPr>
+          <a:xfrm flipH="false" flipV="false" rot="-10800000">
+            <a:off x="4927148" y="8945968"/>
+            <a:ext cx="2042305" cy="2291506"/>
+          </a:xfrm>
+          <a:custGeom>
+            <a:avLst/>
+            <a:gdLst/>
+            <a:ahLst/>
+            <a:cxnLst/>
+            <a:rect r="r" b="b" t="t" l="l"/>
+            <a:pathLst>
+              <a:path h="2291506" w="2042305">
+                <a:moveTo>
+                  <a:pt x="0" y="0"/>
+                </a:moveTo>
+                <a:lnTo>
+                  <a:pt x="2042305" y="0"/>
+                </a:lnTo>
+                <a:lnTo>
+                  <a:pt x="2042305" y="2291506"/>
+                </a:lnTo>
+                <a:lnTo>
+                  <a:pt x="0" y="2291506"/>
+                </a:lnTo>
+                <a:lnTo>
+                  <a:pt x="0" y="0"/>
+                </a:lnTo>
+                <a:close/>
+              </a:path>
+            </a:pathLst>
+          </a:custGeom>
+          <a:blipFill>
+            <a:blip r:embed="rId2">
+              <a:alphaModFix amt="43000"/>
+              <a:extLst>
+                <a:ext uri="{96DAC541-7B7A-43D3-8B79-37D633B846F1}">
+                  <asvg:svgBlip xmlns:asvg="http://schemas.microsoft.com/office/drawing/2016/SVG/main" r:embed="rId3"/>
+                </a:ext>
+              </a:extLst>
+            </a:blip>
+            <a:stretch>
+              <a:fillRect l="0" t="0" r="0" b="0"/>
+            </a:stretch>
+          </a:blipFill>
+        </p:spPr>
+      </p:sp>
     </p:spTree>
   </p:cSld>
   <p:clrMapOvr>
@@ -3618,8 +4048,15 @@
 </file>
 
 <file path=ppt/slides/slide10.xml><?xml version="1.0" encoding="utf-8"?>
-<p:sld xmlns:p="http://schemas.openxmlformats.org/presentationml/2006/main" xmlns:a="http://schemas.openxmlformats.org/drawingml/2006/main">
+<p:sld xmlns:p="http://schemas.openxmlformats.org/presentationml/2006/main" xmlns:a="http://schemas.openxmlformats.org/drawingml/2006/main" xmlns:r="http://schemas.openxmlformats.org/officeDocument/2006/relationships">
   <p:cSld>
+    <p:bg>
+      <p:bgPr>
+        <a:solidFill>
+          <a:srgbClr val="FFFDF8"/>
+        </a:solidFill>
+      </p:bgPr>
+    </p:bg>
     <p:spTree>
       <p:nvGrpSpPr>
         <p:cNvPr id="1" name=""/>
@@ -3636,207 +4073,14 @@
       </p:grpSpPr>
       <p:sp>
         <p:nvSpPr>
-          <p:cNvPr name="TextBox 2" id="2"/>
-          <p:cNvSpPr txBox="true"/>
-          <p:nvPr/>
-        </p:nvSpPr>
-        <p:spPr>
-          <a:xfrm rot="0">
-            <a:off x="264146" y="290513"/>
-            <a:ext cx="15242649" cy="1409700"/>
-          </a:xfrm>
-          <a:prstGeom prst="rect">
-            <a:avLst/>
-          </a:prstGeom>
-        </p:spPr>
-        <p:txBody>
-          <a:bodyPr anchor="t" rtlCol="false" tIns="0" lIns="0" bIns="0" rIns="0">
-            <a:spAutoFit/>
-          </a:bodyPr>
-          <a:lstStyle/>
-          <a:p>
-            <a:pPr algn="l">
-              <a:lnSpc>
-                <a:spcPts val="11040"/>
-              </a:lnSpc>
-            </a:pPr>
-            <a:r>
-              <a:rPr lang="en-US" sz="9200">
-                <a:solidFill>
-                  <a:srgbClr val="000000"/>
-                </a:solidFill>
-                <a:latin typeface="Eastman Grotesque Bold"/>
-                <a:ea typeface="Eastman Grotesque Bold"/>
-                <a:cs typeface="Eastman Grotesque Bold"/>
-                <a:sym typeface="Eastman Grotesque Bold"/>
-              </a:rPr>
-              <a:t>Print Development Board</a:t>
-            </a:r>
-          </a:p>
-        </p:txBody>
-      </p:sp>
-      <p:sp>
-        <p:nvSpPr>
-          <p:cNvPr name="TextBox 3" id="3"/>
-          <p:cNvSpPr txBox="true"/>
-          <p:nvPr/>
-        </p:nvSpPr>
-        <p:spPr>
-          <a:xfrm rot="0">
-            <a:off x="264146" y="1786991"/>
-            <a:ext cx="17326273" cy="2980690"/>
-          </a:xfrm>
-          <a:prstGeom prst="rect">
-            <a:avLst/>
-          </a:prstGeom>
-        </p:spPr>
-        <p:txBody>
-          <a:bodyPr anchor="t" rtlCol="false" tIns="0" lIns="0" bIns="0" rIns="0">
-            <a:spAutoFit/>
-          </a:bodyPr>
-          <a:lstStyle/>
-          <a:p>
-            <a:pPr algn="l" marL="734059" indent="-367030" lvl="1">
-              <a:lnSpc>
-                <a:spcPts val="4759"/>
-              </a:lnSpc>
-              <a:buFont typeface="Arial"/>
-              <a:buChar char="•"/>
-            </a:pPr>
-            <a:r>
-              <a:rPr lang="en-US" sz="3399">
-                <a:solidFill>
-                  <a:srgbClr val="000000"/>
-                </a:solidFill>
-                <a:latin typeface="Eastman Grotesque"/>
-                <a:ea typeface="Eastman Grotesque"/>
-                <a:cs typeface="Eastman Grotesque"/>
-                <a:sym typeface="Eastman Grotesque"/>
-              </a:rPr>
-              <a:t>In charge of creating the layout of the newspaper and putting everything together</a:t>
-            </a:r>
-          </a:p>
-          <a:p>
-            <a:pPr algn="l" marL="734059" indent="-367030" lvl="1">
-              <a:lnSpc>
-                <a:spcPts val="4759"/>
-              </a:lnSpc>
-              <a:buFont typeface="Arial"/>
-              <a:buChar char="•"/>
-            </a:pPr>
-            <a:r>
-              <a:rPr lang="en-US" sz="3399">
-                <a:solidFill>
-                  <a:srgbClr val="000000"/>
-                </a:solidFill>
-                <a:latin typeface="Eastman Grotesque"/>
-                <a:ea typeface="Eastman Grotesque"/>
-                <a:cs typeface="Eastman Grotesque"/>
-                <a:sym typeface="Eastman Grotesque"/>
-              </a:rPr>
-              <a:t>Includes:</a:t>
-            </a:r>
-          </a:p>
-          <a:p>
-            <a:pPr algn="l" marL="1468119" indent="-489373" lvl="2">
-              <a:lnSpc>
-                <a:spcPts val="4759"/>
-              </a:lnSpc>
-              <a:buFont typeface="Arial"/>
-              <a:buChar char="⚬"/>
-            </a:pPr>
-            <a:r>
-              <a:rPr lang="en-US" sz="3399">
-                <a:solidFill>
-                  <a:srgbClr val="000000"/>
-                </a:solidFill>
-                <a:latin typeface="Eastman Grotesque"/>
-                <a:ea typeface="Eastman Grotesque"/>
-                <a:cs typeface="Eastman Grotesque"/>
-                <a:sym typeface="Eastman Grotesque"/>
-              </a:rPr>
-              <a:t>The cover</a:t>
-            </a:r>
-          </a:p>
-          <a:p>
-            <a:pPr algn="l" marL="1468119" indent="-489373" lvl="2">
-              <a:lnSpc>
-                <a:spcPts val="4759"/>
-              </a:lnSpc>
-              <a:buFont typeface="Arial"/>
-              <a:buChar char="⚬"/>
-            </a:pPr>
-            <a:r>
-              <a:rPr lang="en-US" sz="3399">
-                <a:solidFill>
-                  <a:srgbClr val="000000"/>
-                </a:solidFill>
-                <a:latin typeface="Eastman Grotesque"/>
-                <a:ea typeface="Eastman Grotesque"/>
-                <a:cs typeface="Eastman Grotesque"/>
-                <a:sym typeface="Eastman Grotesque"/>
-              </a:rPr>
-              <a:t>Theme of the newspaper</a:t>
-            </a:r>
-          </a:p>
-          <a:p>
-            <a:pPr algn="l" marL="1468119" indent="-489373" lvl="2">
-              <a:lnSpc>
-                <a:spcPts val="4759"/>
-              </a:lnSpc>
-              <a:buFont typeface="Arial"/>
-              <a:buChar char="⚬"/>
-            </a:pPr>
-            <a:r>
-              <a:rPr lang="en-US" sz="3399">
-                <a:solidFill>
-                  <a:srgbClr val="000000"/>
-                </a:solidFill>
-                <a:latin typeface="Eastman Grotesque"/>
-                <a:ea typeface="Eastman Grotesque"/>
-                <a:cs typeface="Eastman Grotesque"/>
-                <a:sym typeface="Eastman Grotesque"/>
-              </a:rPr>
-              <a:t>Setting written and visual works </a:t>
-            </a:r>
-          </a:p>
-        </p:txBody>
-      </p:sp>
-    </p:spTree>
-  </p:cSld>
-  <p:clrMapOvr>
-    <a:masterClrMapping/>
-  </p:clrMapOvr>
-</p:sld>
-</file>
-
-<file path=ppt/slides/slide2.xml><?xml version="1.0" encoding="utf-8"?>
-<p:sld xmlns:p="http://schemas.openxmlformats.org/presentationml/2006/main" xmlns:a="http://schemas.openxmlformats.org/drawingml/2006/main" xmlns:r="http://schemas.openxmlformats.org/officeDocument/2006/relationships">
-  <p:cSld>
-    <p:spTree>
-      <p:nvGrpSpPr>
-        <p:cNvPr id="1" name=""/>
-        <p:cNvGrpSpPr/>
-        <p:nvPr/>
-      </p:nvGrpSpPr>
-      <p:grpSpPr>
-        <a:xfrm>
-          <a:off x="0" y="0"/>
-          <a:ext cx="0" cy="0"/>
-          <a:chOff x="0" y="0"/>
-          <a:chExt cx="0" cy="0"/>
-        </a:xfrm>
-      </p:grpSpPr>
-      <p:sp>
-        <p:nvSpPr>
           <p:cNvPr name="Freeform 2" id="2"/>
           <p:cNvSpPr/>
           <p:nvPr/>
         </p:nvSpPr>
         <p:spPr>
           <a:xfrm flipH="false" flipV="false" rot="0">
-            <a:off x="10547832" y="128159"/>
-            <a:ext cx="1768336" cy="1801083"/>
+            <a:off x="16118414" y="6312335"/>
+            <a:ext cx="1912199" cy="2945965"/>
           </a:xfrm>
           <a:custGeom>
             <a:avLst/>
@@ -3845,18 +4089,18 @@
             <a:cxnLst/>
             <a:rect r="r" b="b" t="t" l="l"/>
             <a:pathLst>
-              <a:path h="1801083" w="1768336">
+              <a:path h="2945965" w="1912199">
                 <a:moveTo>
                   <a:pt x="0" y="0"/>
                 </a:moveTo>
                 <a:lnTo>
-                  <a:pt x="1768335" y="0"/>
-                </a:lnTo>
-                <a:lnTo>
-                  <a:pt x="1768335" y="1801082"/>
-                </a:lnTo>
-                <a:lnTo>
-                  <a:pt x="0" y="1801082"/>
+                  <a:pt x="1912200" y="0"/>
+                </a:lnTo>
+                <a:lnTo>
+                  <a:pt x="1912200" y="2945965"/>
+                </a:lnTo>
+                <a:lnTo>
+                  <a:pt x="0" y="2945965"/>
                 </a:lnTo>
                 <a:lnTo>
                   <a:pt x="0" y="0"/>
@@ -3881,66 +4125,14 @@
       </p:sp>
       <p:sp>
         <p:nvSpPr>
-          <p:cNvPr name="Freeform 3" id="3"/>
-          <p:cNvSpPr/>
-          <p:nvPr/>
-        </p:nvSpPr>
-        <p:spPr>
-          <a:xfrm flipH="false" flipV="false" rot="0">
-            <a:off x="568020" y="3086100"/>
-            <a:ext cx="3925680" cy="4114800"/>
-          </a:xfrm>
-          <a:custGeom>
-            <a:avLst/>
-            <a:gdLst/>
-            <a:ahLst/>
-            <a:cxnLst/>
-            <a:rect r="r" b="b" t="t" l="l"/>
-            <a:pathLst>
-              <a:path h="4114800" w="3925680">
-                <a:moveTo>
-                  <a:pt x="0" y="0"/>
-                </a:moveTo>
-                <a:lnTo>
-                  <a:pt x="3925680" y="0"/>
-                </a:lnTo>
-                <a:lnTo>
-                  <a:pt x="3925680" y="4114800"/>
-                </a:lnTo>
-                <a:lnTo>
-                  <a:pt x="0" y="4114800"/>
-                </a:lnTo>
-                <a:lnTo>
-                  <a:pt x="0" y="0"/>
-                </a:lnTo>
-                <a:close/>
-              </a:path>
-            </a:pathLst>
-          </a:custGeom>
-          <a:blipFill>
-            <a:blip r:embed="rId4">
-              <a:extLst>
-                <a:ext uri="{96DAC541-7B7A-43D3-8B79-37D633B846F1}">
-                  <asvg:svgBlip xmlns:asvg="http://schemas.microsoft.com/office/drawing/2016/SVG/main" r:embed="rId5"/>
-                </a:ext>
-              </a:extLst>
-            </a:blip>
-            <a:stretch>
-              <a:fillRect l="0" t="0" r="0" b="0"/>
-            </a:stretch>
-          </a:blipFill>
-        </p:spPr>
-      </p:sp>
-      <p:sp>
-        <p:nvSpPr>
-          <p:cNvPr name="TextBox 4" id="4"/>
+          <p:cNvPr name="TextBox 3" id="3"/>
           <p:cNvSpPr txBox="true"/>
           <p:nvPr/>
         </p:nvSpPr>
         <p:spPr>
           <a:xfrm rot="0">
-            <a:off x="264146" y="290513"/>
-            <a:ext cx="9958391" cy="1409700"/>
+            <a:off x="264146" y="280988"/>
+            <a:ext cx="9958391" cy="1419225"/>
           </a:xfrm>
           <a:prstGeom prst="rect">
             <a:avLst/>
@@ -3967,125 +4159,21 @@
                 <a:cs typeface="Eastman Grotesque Bold"/>
                 <a:sym typeface="Eastman Grotesque Bold"/>
               </a:rPr>
-              <a:t>Table of Contents</a:t>
-            </a:r>
-          </a:p>
-        </p:txBody>
-      </p:sp>
-      <p:sp>
-        <p:nvSpPr>
-          <p:cNvPr name="Freeform 5" id="5"/>
-          <p:cNvSpPr/>
-          <p:nvPr/>
-        </p:nvSpPr>
-        <p:spPr>
-          <a:xfrm flipH="false" flipV="false" rot="0">
-            <a:off x="7181160" y="3086100"/>
-            <a:ext cx="3925680" cy="4114800"/>
-          </a:xfrm>
-          <a:custGeom>
-            <a:avLst/>
-            <a:gdLst/>
-            <a:ahLst/>
-            <a:cxnLst/>
-            <a:rect r="r" b="b" t="t" l="l"/>
-            <a:pathLst>
-              <a:path h="4114800" w="3925680">
-                <a:moveTo>
-                  <a:pt x="0" y="0"/>
-                </a:moveTo>
-                <a:lnTo>
-                  <a:pt x="3925680" y="0"/>
-                </a:lnTo>
-                <a:lnTo>
-                  <a:pt x="3925680" y="4114800"/>
-                </a:lnTo>
-                <a:lnTo>
-                  <a:pt x="0" y="4114800"/>
-                </a:lnTo>
-                <a:lnTo>
-                  <a:pt x="0" y="0"/>
-                </a:lnTo>
-                <a:close/>
-              </a:path>
-            </a:pathLst>
-          </a:custGeom>
-          <a:blipFill>
-            <a:blip r:embed="rId4">
-              <a:extLst>
-                <a:ext uri="{96DAC541-7B7A-43D3-8B79-37D633B846F1}">
-                  <asvg:svgBlip xmlns:asvg="http://schemas.microsoft.com/office/drawing/2016/SVG/main" r:embed="rId5"/>
-                </a:ext>
-              </a:extLst>
-            </a:blip>
-            <a:stretch>
-              <a:fillRect l="0" t="0" r="0" b="0"/>
-            </a:stretch>
-          </a:blipFill>
-        </p:spPr>
-      </p:sp>
-      <p:sp>
-        <p:nvSpPr>
-          <p:cNvPr name="Freeform 6" id="6"/>
-          <p:cNvSpPr/>
-          <p:nvPr/>
-        </p:nvSpPr>
-        <p:spPr>
-          <a:xfrm flipH="false" flipV="false" rot="0">
-            <a:off x="13792890" y="3086100"/>
-            <a:ext cx="3925680" cy="4114800"/>
-          </a:xfrm>
-          <a:custGeom>
-            <a:avLst/>
-            <a:gdLst/>
-            <a:ahLst/>
-            <a:cxnLst/>
-            <a:rect r="r" b="b" t="t" l="l"/>
-            <a:pathLst>
-              <a:path h="4114800" w="3925680">
-                <a:moveTo>
-                  <a:pt x="0" y="0"/>
-                </a:moveTo>
-                <a:lnTo>
-                  <a:pt x="3925679" y="0"/>
-                </a:lnTo>
-                <a:lnTo>
-                  <a:pt x="3925679" y="4114800"/>
-                </a:lnTo>
-                <a:lnTo>
-                  <a:pt x="0" y="4114800"/>
-                </a:lnTo>
-                <a:lnTo>
-                  <a:pt x="0" y="0"/>
-                </a:lnTo>
-                <a:close/>
-              </a:path>
-            </a:pathLst>
-          </a:custGeom>
-          <a:blipFill>
-            <a:blip r:embed="rId4">
-              <a:extLst>
-                <a:ext uri="{96DAC541-7B7A-43D3-8B79-37D633B846F1}">
-                  <asvg:svgBlip xmlns:asvg="http://schemas.microsoft.com/office/drawing/2016/SVG/main" r:embed="rId5"/>
-                </a:ext>
-              </a:extLst>
-            </a:blip>
-            <a:stretch>
-              <a:fillRect l="0" t="0" r="0" b="0"/>
-            </a:stretch>
-          </a:blipFill>
-        </p:spPr>
-      </p:sp>
-      <p:sp>
-        <p:nvSpPr>
-          <p:cNvPr name="TextBox 7" id="7"/>
+              <a:t>Life Board</a:t>
+            </a:r>
+          </a:p>
+        </p:txBody>
+      </p:sp>
+      <p:sp>
+        <p:nvSpPr>
+          <p:cNvPr name="TextBox 4" id="4"/>
           <p:cNvSpPr txBox="true"/>
           <p:nvPr/>
         </p:nvSpPr>
         <p:spPr>
           <a:xfrm rot="0">
-            <a:off x="2188763" y="4114800"/>
-            <a:ext cx="1093969" cy="2066925"/>
+            <a:off x="264146" y="1777466"/>
+            <a:ext cx="17326273" cy="3590290"/>
           </a:xfrm>
           <a:prstGeom prst="rect">
             <a:avLst/>
@@ -4097,13 +4185,15 @@
           </a:bodyPr>
           <a:lstStyle/>
           <a:p>
-            <a:pPr algn="ctr">
-              <a:lnSpc>
-                <a:spcPts val="16800"/>
-              </a:lnSpc>
-            </a:pPr>
-            <a:r>
-              <a:rPr lang="en-US" sz="12000">
+            <a:pPr algn="l" marL="734059" indent="-367030" lvl="1">
+              <a:lnSpc>
+                <a:spcPts val="4759"/>
+              </a:lnSpc>
+              <a:buFont typeface="Arial"/>
+              <a:buChar char="•"/>
+            </a:pPr>
+            <a:r>
+              <a:rPr lang="en-US" sz="3399">
                 <a:solidFill>
                   <a:srgbClr val="000000"/>
                 </a:solidFill>
@@ -4112,39 +4202,19 @@
                 <a:cs typeface="Eastman Grotesque"/>
                 <a:sym typeface="Eastman Grotesque"/>
               </a:rPr>
-              <a:t>1</a:t>
-            </a:r>
-          </a:p>
-        </p:txBody>
-      </p:sp>
-      <p:sp>
-        <p:nvSpPr>
-          <p:cNvPr name="TextBox 8" id="8"/>
-          <p:cNvSpPr txBox="true"/>
-          <p:nvPr/>
-        </p:nvSpPr>
-        <p:spPr>
-          <a:xfrm rot="0">
-            <a:off x="8773529" y="4114800"/>
-            <a:ext cx="1093969" cy="2066925"/>
-          </a:xfrm>
-          <a:prstGeom prst="rect">
-            <a:avLst/>
-          </a:prstGeom>
-        </p:spPr>
-        <p:txBody>
-          <a:bodyPr anchor="t" rtlCol="false" tIns="0" lIns="0" bIns="0" rIns="0">
-            <a:spAutoFit/>
-          </a:bodyPr>
-          <a:lstStyle/>
-          <a:p>
-            <a:pPr algn="ctr">
-              <a:lnSpc>
-                <a:spcPts val="16800"/>
-              </a:lnSpc>
-            </a:pPr>
-            <a:r>
-              <a:rPr lang="en-US" sz="12000">
+              <a:t>In charge of making creative pieces</a:t>
+            </a:r>
+          </a:p>
+          <a:p>
+            <a:pPr algn="l" marL="734059" indent="-367030" lvl="1">
+              <a:lnSpc>
+                <a:spcPts val="4759"/>
+              </a:lnSpc>
+              <a:buFont typeface="Arial"/>
+              <a:buChar char="•"/>
+            </a:pPr>
+            <a:r>
+              <a:rPr lang="en-US" sz="3399">
                 <a:solidFill>
                   <a:srgbClr val="000000"/>
                 </a:solidFill>
@@ -4153,39 +4223,19 @@
                 <a:cs typeface="Eastman Grotesque"/>
                 <a:sym typeface="Eastman Grotesque"/>
               </a:rPr>
-              <a:t>2</a:t>
-            </a:r>
-          </a:p>
-        </p:txBody>
-      </p:sp>
-      <p:sp>
-        <p:nvSpPr>
-          <p:cNvPr name="TextBox 9" id="9"/>
-          <p:cNvSpPr txBox="true"/>
-          <p:nvPr/>
-        </p:nvSpPr>
-        <p:spPr>
-          <a:xfrm rot="0">
-            <a:off x="15463592" y="4114800"/>
-            <a:ext cx="1093969" cy="2066925"/>
-          </a:xfrm>
-          <a:prstGeom prst="rect">
-            <a:avLst/>
-          </a:prstGeom>
-        </p:spPr>
-        <p:txBody>
-          <a:bodyPr anchor="t" rtlCol="false" tIns="0" lIns="0" bIns="0" rIns="0">
-            <a:spAutoFit/>
-          </a:bodyPr>
-          <a:lstStyle/>
-          <a:p>
-            <a:pPr algn="ctr">
-              <a:lnSpc>
-                <a:spcPts val="16800"/>
-              </a:lnSpc>
-            </a:pPr>
-            <a:r>
-              <a:rPr lang="en-US" sz="12000">
+              <a:t>Includes:</a:t>
+            </a:r>
+          </a:p>
+          <a:p>
+            <a:pPr algn="l" marL="1468119" indent="-489373" lvl="2">
+              <a:lnSpc>
+                <a:spcPts val="4759"/>
+              </a:lnSpc>
+              <a:buFont typeface="Arial"/>
+              <a:buChar char="⚬"/>
+            </a:pPr>
+            <a:r>
+              <a:rPr lang="en-US" sz="3399">
                 <a:solidFill>
                   <a:srgbClr val="000000"/>
                 </a:solidFill>
@@ -4194,21 +4244,84 @@
                 <a:cs typeface="Eastman Grotesque"/>
                 <a:sym typeface="Eastman Grotesque"/>
               </a:rPr>
-              <a:t>3</a:t>
-            </a:r>
-          </a:p>
-        </p:txBody>
-      </p:sp>
-      <p:sp>
-        <p:nvSpPr>
-          <p:cNvPr name="TextBox 10" id="10"/>
+              <a:t>Stories</a:t>
+            </a:r>
+          </a:p>
+          <a:p>
+            <a:pPr algn="l" marL="1468119" indent="-489373" lvl="2">
+              <a:lnSpc>
+                <a:spcPts val="4759"/>
+              </a:lnSpc>
+              <a:buFont typeface="Arial"/>
+              <a:buChar char="⚬"/>
+            </a:pPr>
+            <a:r>
+              <a:rPr lang="en-US" sz="3399">
+                <a:solidFill>
+                  <a:srgbClr val="000000"/>
+                </a:solidFill>
+                <a:latin typeface="Eastman Grotesque"/>
+                <a:ea typeface="Eastman Grotesque"/>
+                <a:cs typeface="Eastman Grotesque"/>
+                <a:sym typeface="Eastman Grotesque"/>
+              </a:rPr>
+              <a:t>Poetry</a:t>
+            </a:r>
+          </a:p>
+          <a:p>
+            <a:pPr algn="l" marL="1468119" indent="-489373" lvl="2">
+              <a:lnSpc>
+                <a:spcPts val="4759"/>
+              </a:lnSpc>
+              <a:buFont typeface="Arial"/>
+              <a:buChar char="⚬"/>
+            </a:pPr>
+            <a:r>
+              <a:rPr lang="en-US" sz="3399">
+                <a:solidFill>
+                  <a:srgbClr val="000000"/>
+                </a:solidFill>
+                <a:latin typeface="Eastman Grotesque"/>
+                <a:ea typeface="Eastman Grotesque"/>
+                <a:cs typeface="Eastman Grotesque"/>
+                <a:sym typeface="Eastman Grotesque"/>
+              </a:rPr>
+              <a:t>Visual Arts pieces*</a:t>
+            </a:r>
+          </a:p>
+          <a:p>
+            <a:pPr algn="l" marL="1468119" indent="-489373" lvl="2">
+              <a:lnSpc>
+                <a:spcPts val="4759"/>
+              </a:lnSpc>
+              <a:buFont typeface="Arial"/>
+              <a:buChar char="⚬"/>
+            </a:pPr>
+            <a:r>
+              <a:rPr lang="en-US" sz="3399">
+                <a:solidFill>
+                  <a:srgbClr val="000000"/>
+                </a:solidFill>
+                <a:latin typeface="Eastman Grotesque"/>
+                <a:ea typeface="Eastman Grotesque"/>
+                <a:cs typeface="Eastman Grotesque"/>
+                <a:sym typeface="Eastman Grotesque"/>
+              </a:rPr>
+              <a:t>Anything creative!</a:t>
+            </a:r>
+          </a:p>
+        </p:txBody>
+      </p:sp>
+      <p:sp>
+        <p:nvSpPr>
+          <p:cNvPr name="TextBox 5" id="5"/>
           <p:cNvSpPr txBox="true"/>
           <p:nvPr/>
         </p:nvSpPr>
         <p:spPr>
           <a:xfrm rot="0">
-            <a:off x="1028700" y="7462097"/>
-            <a:ext cx="3465000" cy="580390"/>
+            <a:off x="480863" y="9474931"/>
+            <a:ext cx="17326273" cy="408305"/>
           </a:xfrm>
           <a:prstGeom prst="rect">
             <a:avLst/>
@@ -4220,104 +4333,22 @@
           </a:bodyPr>
           <a:lstStyle/>
           <a:p>
-            <a:pPr algn="ctr">
-              <a:lnSpc>
-                <a:spcPts val="4759"/>
-              </a:lnSpc>
-            </a:pPr>
-            <a:r>
-              <a:rPr lang="en-US" sz="3399">
+            <a:pPr algn="l">
+              <a:lnSpc>
+                <a:spcPts val="3220"/>
+              </a:lnSpc>
+            </a:pPr>
+            <a:r>
+              <a:rPr lang="en-US" sz="2300">
                 <a:solidFill>
                   <a:srgbClr val="000000"/>
                 </a:solidFill>
-                <a:latin typeface="Eastman Grotesque Bold"/>
-                <a:ea typeface="Eastman Grotesque Bold"/>
-                <a:cs typeface="Eastman Grotesque Bold"/>
-                <a:sym typeface="Eastman Grotesque Bold"/>
-              </a:rPr>
-              <a:t>Club Overview</a:t>
-            </a:r>
-          </a:p>
-        </p:txBody>
-      </p:sp>
-      <p:sp>
-        <p:nvSpPr>
-          <p:cNvPr name="TextBox 11" id="11"/>
-          <p:cNvSpPr txBox="true"/>
-          <p:nvPr/>
-        </p:nvSpPr>
-        <p:spPr>
-          <a:xfrm rot="0">
-            <a:off x="7588013" y="7462097"/>
-            <a:ext cx="3465000" cy="580390"/>
-          </a:xfrm>
-          <a:prstGeom prst="rect">
-            <a:avLst/>
-          </a:prstGeom>
-        </p:spPr>
-        <p:txBody>
-          <a:bodyPr anchor="t" rtlCol="false" tIns="0" lIns="0" bIns="0" rIns="0">
-            <a:spAutoFit/>
-          </a:bodyPr>
-          <a:lstStyle/>
-          <a:p>
-            <a:pPr algn="ctr">
-              <a:lnSpc>
-                <a:spcPts val="4759"/>
-              </a:lnSpc>
-            </a:pPr>
-            <a:r>
-              <a:rPr lang="en-US" sz="3399">
-                <a:solidFill>
-                  <a:srgbClr val="000000"/>
-                </a:solidFill>
-                <a:latin typeface="Eastman Grotesque Bold"/>
-                <a:ea typeface="Eastman Grotesque Bold"/>
-                <a:cs typeface="Eastman Grotesque Bold"/>
-                <a:sym typeface="Eastman Grotesque Bold"/>
-              </a:rPr>
-              <a:t>Boards</a:t>
-            </a:r>
-          </a:p>
-        </p:txBody>
-      </p:sp>
-      <p:sp>
-        <p:nvSpPr>
-          <p:cNvPr name="TextBox 12" id="12"/>
-          <p:cNvSpPr txBox="true"/>
-          <p:nvPr/>
-        </p:nvSpPr>
-        <p:spPr>
-          <a:xfrm rot="0">
-            <a:off x="14148638" y="7462097"/>
-            <a:ext cx="3465000" cy="580390"/>
-          </a:xfrm>
-          <a:prstGeom prst="rect">
-            <a:avLst/>
-          </a:prstGeom>
-        </p:spPr>
-        <p:txBody>
-          <a:bodyPr anchor="t" rtlCol="false" tIns="0" lIns="0" bIns="0" rIns="0">
-            <a:spAutoFit/>
-          </a:bodyPr>
-          <a:lstStyle/>
-          <a:p>
-            <a:pPr algn="ctr">
-              <a:lnSpc>
-                <a:spcPts val="4759"/>
-              </a:lnSpc>
-            </a:pPr>
-            <a:r>
-              <a:rPr lang="en-US" sz="3399">
-                <a:solidFill>
-                  <a:srgbClr val="000000"/>
-                </a:solidFill>
-                <a:latin typeface="Eastman Grotesque Bold"/>
-                <a:ea typeface="Eastman Grotesque Bold"/>
-                <a:cs typeface="Eastman Grotesque Bold"/>
-                <a:sym typeface="Eastman Grotesque Bold"/>
-              </a:rPr>
-              <a:t>Meetings</a:t>
+                <a:latin typeface="Eastman Grotesque"/>
+                <a:ea typeface="Eastman Grotesque"/>
+                <a:cs typeface="Eastman Grotesque"/>
+                <a:sym typeface="Eastman Grotesque"/>
+              </a:rPr>
+              <a:t>*If you would like to make art pieces that go with other people’s written pieces, the Visual Arts Board may be better suited for you.</a:t>
             </a:r>
           </a:p>
         </p:txBody>
@@ -4330,9 +4361,16 @@
 </p:sld>
 </file>
 
-<file path=ppt/slides/slide3.xml><?xml version="1.0" encoding="utf-8"?>
+<file path=ppt/slides/slide11.xml><?xml version="1.0" encoding="utf-8"?>
 <p:sld xmlns:p="http://schemas.openxmlformats.org/presentationml/2006/main" xmlns:a="http://schemas.openxmlformats.org/drawingml/2006/main" xmlns:r="http://schemas.openxmlformats.org/officeDocument/2006/relationships">
   <p:cSld>
+    <p:bg>
+      <p:bgPr>
+        <a:solidFill>
+          <a:srgbClr val="FFFDF8"/>
+        </a:solidFill>
+      </p:bgPr>
+    </p:bg>
     <p:spTree>
       <p:nvGrpSpPr>
         <p:cNvPr id="1" name=""/>
@@ -4355,8 +4393,8 @@
         </p:nvSpPr>
         <p:spPr>
           <a:xfrm flipH="false" flipV="false" rot="0">
-            <a:off x="14423767" y="5994006"/>
-            <a:ext cx="3667316" cy="4114800"/>
+            <a:off x="15787933" y="6921853"/>
+            <a:ext cx="2143039" cy="2430251"/>
           </a:xfrm>
           <a:custGeom>
             <a:avLst/>
@@ -4365,18 +4403,18 @@
             <a:cxnLst/>
             <a:rect r="r" b="b" t="t" l="l"/>
             <a:pathLst>
-              <a:path h="4114800" w="3667316">
+              <a:path h="2430251" w="2143039">
                 <a:moveTo>
                   <a:pt x="0" y="0"/>
                 </a:moveTo>
                 <a:lnTo>
-                  <a:pt x="3667316" y="0"/>
-                </a:lnTo>
-                <a:lnTo>
-                  <a:pt x="3667316" y="4114800"/>
-                </a:lnTo>
-                <a:lnTo>
-                  <a:pt x="0" y="4114800"/>
+                  <a:pt x="2143040" y="0"/>
+                </a:lnTo>
+                <a:lnTo>
+                  <a:pt x="2143040" y="2430250"/>
+                </a:lnTo>
+                <a:lnTo>
+                  <a:pt x="0" y="2430250"/>
                 </a:lnTo>
                 <a:lnTo>
                   <a:pt x="0" y="0"/>
@@ -4407,8 +4445,8 @@
         </p:nvSpPr>
         <p:spPr>
           <a:xfrm rot="0">
-            <a:off x="264146" y="290513"/>
-            <a:ext cx="9958391" cy="1409700"/>
+            <a:off x="264146" y="280988"/>
+            <a:ext cx="9958391" cy="1419225"/>
           </a:xfrm>
           <a:prstGeom prst="rect">
             <a:avLst/>
@@ -4435,7 +4473,7 @@
                 <a:cs typeface="Eastman Grotesque Bold"/>
                 <a:sym typeface="Eastman Grotesque Bold"/>
               </a:rPr>
-              <a:t>Club Overview</a:t>
+              <a:t>Visual Arts Board</a:t>
             </a:r>
           </a:p>
         </p:txBody>
@@ -4448,8 +4486,8 @@
         </p:nvSpPr>
         <p:spPr>
           <a:xfrm rot="0">
-            <a:off x="264146" y="1786991"/>
-            <a:ext cx="14262029" cy="1180465"/>
+            <a:off x="264146" y="1777466"/>
+            <a:ext cx="17326273" cy="3590290"/>
           </a:xfrm>
           <a:prstGeom prst="rect">
             <a:avLst/>
@@ -4461,10 +4499,12 @@
           </a:bodyPr>
           <a:lstStyle/>
           <a:p>
-            <a:pPr algn="l">
+            <a:pPr algn="l" marL="734059" indent="-367030" lvl="1">
               <a:lnSpc>
                 <a:spcPts val="4759"/>
               </a:lnSpc>
+              <a:buFont typeface="Arial"/>
+              <a:buChar char="•"/>
             </a:pPr>
             <a:r>
               <a:rPr lang="en-US" sz="3399">
@@ -4476,7 +4516,7 @@
                 <a:cs typeface="Eastman Grotesque"/>
                 <a:sym typeface="Eastman Grotesque"/>
               </a:rPr>
-              <a:t>Panther Press is our school’s own newspaper!</a:t>
+              <a:t>In charge of making visual pieces to go with written works</a:t>
             </a:r>
           </a:p>
           <a:p>
@@ -4497,7 +4537,132 @@
                 <a:cs typeface="Eastman Grotesque"/>
                 <a:sym typeface="Eastman Grotesque"/>
               </a:rPr>
-              <a:t>A monthly newspaper featuring student voices</a:t>
+              <a:t>Includes:</a:t>
+            </a:r>
+          </a:p>
+          <a:p>
+            <a:pPr algn="l" marL="1468119" indent="-489373" lvl="2">
+              <a:lnSpc>
+                <a:spcPts val="4759"/>
+              </a:lnSpc>
+              <a:buFont typeface="Arial"/>
+              <a:buChar char="⚬"/>
+            </a:pPr>
+            <a:r>
+              <a:rPr lang="en-US" sz="3399">
+                <a:solidFill>
+                  <a:srgbClr val="000000"/>
+                </a:solidFill>
+                <a:latin typeface="Eastman Grotesque"/>
+                <a:ea typeface="Eastman Grotesque"/>
+                <a:cs typeface="Eastman Grotesque"/>
+                <a:sym typeface="Eastman Grotesque"/>
+              </a:rPr>
+              <a:t>Photography</a:t>
+            </a:r>
+          </a:p>
+          <a:p>
+            <a:pPr algn="l" marL="1468119" indent="-489373" lvl="2">
+              <a:lnSpc>
+                <a:spcPts val="4759"/>
+              </a:lnSpc>
+              <a:buFont typeface="Arial"/>
+              <a:buChar char="⚬"/>
+            </a:pPr>
+            <a:r>
+              <a:rPr lang="en-US" sz="3399">
+                <a:solidFill>
+                  <a:srgbClr val="000000"/>
+                </a:solidFill>
+                <a:latin typeface="Eastman Grotesque"/>
+                <a:ea typeface="Eastman Grotesque"/>
+                <a:cs typeface="Eastman Grotesque"/>
+                <a:sym typeface="Eastman Grotesque"/>
+              </a:rPr>
+              <a:t>Drawings</a:t>
+            </a:r>
+          </a:p>
+          <a:p>
+            <a:pPr algn="l" marL="1468119" indent="-489373" lvl="2">
+              <a:lnSpc>
+                <a:spcPts val="4759"/>
+              </a:lnSpc>
+              <a:buFont typeface="Arial"/>
+              <a:buChar char="⚬"/>
+            </a:pPr>
+            <a:r>
+              <a:rPr lang="en-US" sz="3399">
+                <a:solidFill>
+                  <a:srgbClr val="000000"/>
+                </a:solidFill>
+                <a:latin typeface="Eastman Grotesque"/>
+                <a:ea typeface="Eastman Grotesque"/>
+                <a:cs typeface="Eastman Grotesque"/>
+                <a:sym typeface="Eastman Grotesque"/>
+              </a:rPr>
+              <a:t>Paintings</a:t>
+            </a:r>
+          </a:p>
+          <a:p>
+            <a:pPr algn="l" marL="1468119" indent="-489373" lvl="2">
+              <a:lnSpc>
+                <a:spcPts val="4759"/>
+              </a:lnSpc>
+              <a:buFont typeface="Arial"/>
+              <a:buChar char="⚬"/>
+            </a:pPr>
+            <a:r>
+              <a:rPr lang="en-US" sz="3399">
+                <a:solidFill>
+                  <a:srgbClr val="000000"/>
+                </a:solidFill>
+                <a:latin typeface="Eastman Grotesque"/>
+                <a:ea typeface="Eastman Grotesque"/>
+                <a:cs typeface="Eastman Grotesque"/>
+                <a:sym typeface="Eastman Grotesque"/>
+              </a:rPr>
+              <a:t>Anything creative!*</a:t>
+            </a:r>
+          </a:p>
+        </p:txBody>
+      </p:sp>
+      <p:sp>
+        <p:nvSpPr>
+          <p:cNvPr name="TextBox 5" id="5"/>
+          <p:cNvSpPr txBox="true"/>
+          <p:nvPr/>
+        </p:nvSpPr>
+        <p:spPr>
+          <a:xfrm rot="0">
+            <a:off x="480863" y="9474931"/>
+            <a:ext cx="17326273" cy="408305"/>
+          </a:xfrm>
+          <a:prstGeom prst="rect">
+            <a:avLst/>
+          </a:prstGeom>
+        </p:spPr>
+        <p:txBody>
+          <a:bodyPr anchor="t" rtlCol="false" tIns="0" lIns="0" bIns="0" rIns="0">
+            <a:spAutoFit/>
+          </a:bodyPr>
+          <a:lstStyle/>
+          <a:p>
+            <a:pPr algn="l">
+              <a:lnSpc>
+                <a:spcPts val="3220"/>
+              </a:lnSpc>
+            </a:pPr>
+            <a:r>
+              <a:rPr lang="en-US" sz="2300">
+                <a:solidFill>
+                  <a:srgbClr val="000000"/>
+                </a:solidFill>
+                <a:latin typeface="Eastman Grotesque"/>
+                <a:ea typeface="Eastman Grotesque"/>
+                <a:cs typeface="Eastman Grotesque"/>
+                <a:sym typeface="Eastman Grotesque"/>
+              </a:rPr>
+              <a:t>*If you would like to make art pieces that don’t go with other people’s written pieces, the Life Board may be better suited for you.</a:t>
             </a:r>
           </a:p>
         </p:txBody>
@@ -4510,9 +4675,16 @@
 </p:sld>
 </file>
 
-<file path=ppt/slides/slide4.xml><?xml version="1.0" encoding="utf-8"?>
+<file path=ppt/slides/slide12.xml><?xml version="1.0" encoding="utf-8"?>
 <p:sld xmlns:p="http://schemas.openxmlformats.org/presentationml/2006/main" xmlns:a="http://schemas.openxmlformats.org/drawingml/2006/main" xmlns:r="http://schemas.openxmlformats.org/officeDocument/2006/relationships">
   <p:cSld>
+    <p:bg>
+      <p:bgPr>
+        <a:solidFill>
+          <a:srgbClr val="FFFDF8"/>
+        </a:solidFill>
+      </p:bgPr>
+    </p:bg>
     <p:spTree>
       <p:nvGrpSpPr>
         <p:cNvPr id="1" name=""/>
@@ -4529,14 +4701,1873 @@
       </p:grpSpPr>
       <p:sp>
         <p:nvSpPr>
+          <p:cNvPr name="Freeform 2" id="2"/>
+          <p:cNvSpPr/>
+          <p:nvPr/>
+        </p:nvSpPr>
+        <p:spPr>
+          <a:xfrm flipH="false" flipV="false" rot="0">
+            <a:off x="14985338" y="7292122"/>
+            <a:ext cx="2891776" cy="2613442"/>
+          </a:xfrm>
+          <a:custGeom>
+            <a:avLst/>
+            <a:gdLst/>
+            <a:ahLst/>
+            <a:cxnLst/>
+            <a:rect r="r" b="b" t="t" l="l"/>
+            <a:pathLst>
+              <a:path h="2613442" w="2891776">
+                <a:moveTo>
+                  <a:pt x="0" y="0"/>
+                </a:moveTo>
+                <a:lnTo>
+                  <a:pt x="2891776" y="0"/>
+                </a:lnTo>
+                <a:lnTo>
+                  <a:pt x="2891776" y="2613443"/>
+                </a:lnTo>
+                <a:lnTo>
+                  <a:pt x="0" y="2613443"/>
+                </a:lnTo>
+                <a:lnTo>
+                  <a:pt x="0" y="0"/>
+                </a:lnTo>
+                <a:close/>
+              </a:path>
+            </a:pathLst>
+          </a:custGeom>
+          <a:blipFill>
+            <a:blip r:embed="rId2">
+              <a:extLst>
+                <a:ext uri="{96DAC541-7B7A-43D3-8B79-37D633B846F1}">
+                  <asvg:svgBlip xmlns:asvg="http://schemas.microsoft.com/office/drawing/2016/SVG/main" r:embed="rId3"/>
+                </a:ext>
+              </a:extLst>
+            </a:blip>
+            <a:stretch>
+              <a:fillRect l="0" t="0" r="0" b="0"/>
+            </a:stretch>
+          </a:blipFill>
+        </p:spPr>
+      </p:sp>
+      <p:sp>
+        <p:nvSpPr>
+          <p:cNvPr name="TextBox 3" id="3"/>
+          <p:cNvSpPr txBox="true"/>
+          <p:nvPr/>
+        </p:nvSpPr>
+        <p:spPr>
+          <a:xfrm rot="0">
+            <a:off x="264146" y="280988"/>
+            <a:ext cx="15242649" cy="1419225"/>
+          </a:xfrm>
+          <a:prstGeom prst="rect">
+            <a:avLst/>
+          </a:prstGeom>
+        </p:spPr>
+        <p:txBody>
+          <a:bodyPr anchor="t" rtlCol="false" tIns="0" lIns="0" bIns="0" rIns="0">
+            <a:spAutoFit/>
+          </a:bodyPr>
+          <a:lstStyle/>
+          <a:p>
+            <a:pPr algn="l">
+              <a:lnSpc>
+                <a:spcPts val="11040"/>
+              </a:lnSpc>
+            </a:pPr>
+            <a:r>
+              <a:rPr lang="en-US" sz="9200">
+                <a:solidFill>
+                  <a:srgbClr val="000000"/>
+                </a:solidFill>
+                <a:latin typeface="Eastman Grotesque Bold"/>
+                <a:ea typeface="Eastman Grotesque Bold"/>
+                <a:cs typeface="Eastman Grotesque Bold"/>
+                <a:sym typeface="Eastman Grotesque Bold"/>
+              </a:rPr>
+              <a:t>Print Development Board</a:t>
+            </a:r>
+          </a:p>
+        </p:txBody>
+      </p:sp>
+      <p:sp>
+        <p:nvSpPr>
+          <p:cNvPr name="TextBox 4" id="4"/>
+          <p:cNvSpPr txBox="true"/>
+          <p:nvPr/>
+        </p:nvSpPr>
+        <p:spPr>
+          <a:xfrm rot="0">
+            <a:off x="264146" y="1777466"/>
+            <a:ext cx="17326273" cy="3590290"/>
+          </a:xfrm>
+          <a:prstGeom prst="rect">
+            <a:avLst/>
+          </a:prstGeom>
+        </p:spPr>
+        <p:txBody>
+          <a:bodyPr anchor="t" rtlCol="false" tIns="0" lIns="0" bIns="0" rIns="0">
+            <a:spAutoFit/>
+          </a:bodyPr>
+          <a:lstStyle/>
+          <a:p>
+            <a:pPr algn="l" marL="734059" indent="-367030" lvl="1">
+              <a:lnSpc>
+                <a:spcPts val="4759"/>
+              </a:lnSpc>
+              <a:buFont typeface="Arial"/>
+              <a:buChar char="•"/>
+            </a:pPr>
+            <a:r>
+              <a:rPr lang="en-US" sz="3399">
+                <a:solidFill>
+                  <a:srgbClr val="000000"/>
+                </a:solidFill>
+                <a:latin typeface="Eastman Grotesque"/>
+                <a:ea typeface="Eastman Grotesque"/>
+                <a:cs typeface="Eastman Grotesque"/>
+                <a:sym typeface="Eastman Grotesque"/>
+              </a:rPr>
+              <a:t>In charge of creating the layout of the newspaper and putting everything together</a:t>
+            </a:r>
+          </a:p>
+          <a:p>
+            <a:pPr algn="l" marL="734059" indent="-367030" lvl="1">
+              <a:lnSpc>
+                <a:spcPts val="4759"/>
+              </a:lnSpc>
+              <a:buFont typeface="Arial"/>
+              <a:buChar char="•"/>
+            </a:pPr>
+            <a:r>
+              <a:rPr lang="en-US" sz="3399">
+                <a:solidFill>
+                  <a:srgbClr val="000000"/>
+                </a:solidFill>
+                <a:latin typeface="Eastman Grotesque"/>
+                <a:ea typeface="Eastman Grotesque"/>
+                <a:cs typeface="Eastman Grotesque"/>
+                <a:sym typeface="Eastman Grotesque"/>
+              </a:rPr>
+              <a:t>Includes:</a:t>
+            </a:r>
+          </a:p>
+          <a:p>
+            <a:pPr algn="l" marL="1468119" indent="-489373" lvl="2">
+              <a:lnSpc>
+                <a:spcPts val="4759"/>
+              </a:lnSpc>
+              <a:buFont typeface="Arial"/>
+              <a:buChar char="⚬"/>
+            </a:pPr>
+            <a:r>
+              <a:rPr lang="en-US" sz="3399">
+                <a:solidFill>
+                  <a:srgbClr val="000000"/>
+                </a:solidFill>
+                <a:latin typeface="Eastman Grotesque"/>
+                <a:ea typeface="Eastman Grotesque"/>
+                <a:cs typeface="Eastman Grotesque"/>
+                <a:sym typeface="Eastman Grotesque"/>
+              </a:rPr>
+              <a:t>The cover</a:t>
+            </a:r>
+          </a:p>
+          <a:p>
+            <a:pPr algn="l" marL="1468119" indent="-489373" lvl="2">
+              <a:lnSpc>
+                <a:spcPts val="4759"/>
+              </a:lnSpc>
+              <a:buFont typeface="Arial"/>
+              <a:buChar char="⚬"/>
+            </a:pPr>
+            <a:r>
+              <a:rPr lang="en-US" sz="3399">
+                <a:solidFill>
+                  <a:srgbClr val="000000"/>
+                </a:solidFill>
+                <a:latin typeface="Eastman Grotesque"/>
+                <a:ea typeface="Eastman Grotesque"/>
+                <a:cs typeface="Eastman Grotesque"/>
+                <a:sym typeface="Eastman Grotesque"/>
+              </a:rPr>
+              <a:t>Theme of the newspaper</a:t>
+            </a:r>
+          </a:p>
+          <a:p>
+            <a:pPr algn="l" marL="1468119" indent="-489373" lvl="2">
+              <a:lnSpc>
+                <a:spcPts val="4759"/>
+              </a:lnSpc>
+              <a:buFont typeface="Arial"/>
+              <a:buChar char="⚬"/>
+            </a:pPr>
+            <a:r>
+              <a:rPr lang="en-US" sz="3399">
+                <a:solidFill>
+                  <a:srgbClr val="000000"/>
+                </a:solidFill>
+                <a:latin typeface="Eastman Grotesque"/>
+                <a:ea typeface="Eastman Grotesque"/>
+                <a:cs typeface="Eastman Grotesque"/>
+                <a:sym typeface="Eastman Grotesque"/>
+              </a:rPr>
+              <a:t>Layout</a:t>
+            </a:r>
+          </a:p>
+          <a:p>
+            <a:pPr algn="l" marL="1468119" indent="-489373" lvl="2">
+              <a:lnSpc>
+                <a:spcPts val="4759"/>
+              </a:lnSpc>
+              <a:buFont typeface="Arial"/>
+              <a:buChar char="⚬"/>
+            </a:pPr>
+            <a:r>
+              <a:rPr lang="en-US" sz="3399">
+                <a:solidFill>
+                  <a:srgbClr val="000000"/>
+                </a:solidFill>
+                <a:latin typeface="Eastman Grotesque"/>
+                <a:ea typeface="Eastman Grotesque"/>
+                <a:cs typeface="Eastman Grotesque"/>
+                <a:sym typeface="Eastman Grotesque"/>
+              </a:rPr>
+              <a:t>Setting written and visual works </a:t>
+            </a:r>
+          </a:p>
+        </p:txBody>
+      </p:sp>
+    </p:spTree>
+  </p:cSld>
+  <p:clrMapOvr>
+    <a:masterClrMapping/>
+  </p:clrMapOvr>
+</p:sld>
+</file>
+
+<file path=ppt/slides/slide13.xml><?xml version="1.0" encoding="utf-8"?>
+<p:sld xmlns:p="http://schemas.openxmlformats.org/presentationml/2006/main" xmlns:a="http://schemas.openxmlformats.org/drawingml/2006/main" xmlns:r="http://schemas.openxmlformats.org/officeDocument/2006/relationships">
+  <p:cSld>
+    <p:bg>
+      <p:bgPr>
+        <a:solidFill>
+          <a:srgbClr val="FFFDF8"/>
+        </a:solidFill>
+      </p:bgPr>
+    </p:bg>
+    <p:spTree>
+      <p:nvGrpSpPr>
+        <p:cNvPr id="1" name=""/>
+        <p:cNvGrpSpPr/>
+        <p:nvPr/>
+      </p:nvGrpSpPr>
+      <p:grpSpPr>
+        <a:xfrm>
+          <a:off x="0" y="0"/>
+          <a:ext cx="0" cy="0"/>
+          <a:chOff x="0" y="0"/>
+          <a:chExt cx="0" cy="0"/>
+        </a:xfrm>
+      </p:grpSpPr>
+      <p:sp>
+        <p:nvSpPr>
+          <p:cNvPr name="Freeform 2" id="2"/>
+          <p:cNvSpPr/>
+          <p:nvPr/>
+        </p:nvSpPr>
+        <p:spPr>
+          <a:xfrm flipH="false" flipV="false" rot="0">
+            <a:off x="15622710" y="7588663"/>
+            <a:ext cx="2348169" cy="2348169"/>
+          </a:xfrm>
+          <a:custGeom>
+            <a:avLst/>
+            <a:gdLst/>
+            <a:ahLst/>
+            <a:cxnLst/>
+            <a:rect r="r" b="b" t="t" l="l"/>
+            <a:pathLst>
+              <a:path h="2348169" w="2348169">
+                <a:moveTo>
+                  <a:pt x="0" y="0"/>
+                </a:moveTo>
+                <a:lnTo>
+                  <a:pt x="2348169" y="0"/>
+                </a:lnTo>
+                <a:lnTo>
+                  <a:pt x="2348169" y="2348170"/>
+                </a:lnTo>
+                <a:lnTo>
+                  <a:pt x="0" y="2348170"/>
+                </a:lnTo>
+                <a:lnTo>
+                  <a:pt x="0" y="0"/>
+                </a:lnTo>
+                <a:close/>
+              </a:path>
+            </a:pathLst>
+          </a:custGeom>
+          <a:blipFill>
+            <a:blip r:embed="rId2">
+              <a:extLst>
+                <a:ext uri="{96DAC541-7B7A-43D3-8B79-37D633B846F1}">
+                  <asvg:svgBlip xmlns:asvg="http://schemas.microsoft.com/office/drawing/2016/SVG/main" r:embed="rId3"/>
+                </a:ext>
+              </a:extLst>
+            </a:blip>
+            <a:stretch>
+              <a:fillRect l="0" t="0" r="0" b="0"/>
+            </a:stretch>
+          </a:blipFill>
+        </p:spPr>
+      </p:sp>
+      <p:sp>
+        <p:nvSpPr>
+          <p:cNvPr name="TextBox 3" id="3"/>
+          <p:cNvSpPr txBox="true"/>
+          <p:nvPr/>
+        </p:nvSpPr>
+        <p:spPr>
+          <a:xfrm rot="0">
+            <a:off x="264146" y="280988"/>
+            <a:ext cx="15242649" cy="1419225"/>
+          </a:xfrm>
+          <a:prstGeom prst="rect">
+            <a:avLst/>
+          </a:prstGeom>
+        </p:spPr>
+        <p:txBody>
+          <a:bodyPr anchor="t" rtlCol="false" tIns="0" lIns="0" bIns="0" rIns="0">
+            <a:spAutoFit/>
+          </a:bodyPr>
+          <a:lstStyle/>
+          <a:p>
+            <a:pPr algn="l">
+              <a:lnSpc>
+                <a:spcPts val="11040"/>
+              </a:lnSpc>
+            </a:pPr>
+            <a:r>
+              <a:rPr lang="en-US" sz="9200">
+                <a:solidFill>
+                  <a:srgbClr val="000000"/>
+                </a:solidFill>
+                <a:latin typeface="Eastman Grotesque Bold"/>
+                <a:ea typeface="Eastman Grotesque Bold"/>
+                <a:cs typeface="Eastman Grotesque Bold"/>
+                <a:sym typeface="Eastman Grotesque Bold"/>
+              </a:rPr>
+              <a:t>Web Development Board</a:t>
+            </a:r>
+          </a:p>
+        </p:txBody>
+      </p:sp>
+      <p:sp>
+        <p:nvSpPr>
+          <p:cNvPr name="TextBox 4" id="4"/>
+          <p:cNvSpPr txBox="true"/>
+          <p:nvPr/>
+        </p:nvSpPr>
+        <p:spPr>
+          <a:xfrm rot="0">
+            <a:off x="264146" y="1777466"/>
+            <a:ext cx="17326273" cy="2390140"/>
+          </a:xfrm>
+          <a:prstGeom prst="rect">
+            <a:avLst/>
+          </a:prstGeom>
+        </p:spPr>
+        <p:txBody>
+          <a:bodyPr anchor="t" rtlCol="false" tIns="0" lIns="0" bIns="0" rIns="0">
+            <a:spAutoFit/>
+          </a:bodyPr>
+          <a:lstStyle/>
+          <a:p>
+            <a:pPr algn="l" marL="734059" indent="-367030" lvl="1">
+              <a:lnSpc>
+                <a:spcPts val="4759"/>
+              </a:lnSpc>
+              <a:buFont typeface="Arial"/>
+              <a:buChar char="•"/>
+            </a:pPr>
+            <a:r>
+              <a:rPr lang="en-US" sz="3399">
+                <a:solidFill>
+                  <a:srgbClr val="000000"/>
+                </a:solidFill>
+                <a:latin typeface="Eastman Grotesque"/>
+                <a:ea typeface="Eastman Grotesque"/>
+                <a:cs typeface="Eastman Grotesque"/>
+                <a:sym typeface="Eastman Grotesque"/>
+              </a:rPr>
+              <a:t>In charge of creating and managing the website for our club</a:t>
+            </a:r>
+          </a:p>
+          <a:p>
+            <a:pPr algn="l" marL="734059" indent="-367030" lvl="1">
+              <a:lnSpc>
+                <a:spcPts val="4759"/>
+              </a:lnSpc>
+              <a:buFont typeface="Arial"/>
+              <a:buChar char="•"/>
+            </a:pPr>
+            <a:r>
+              <a:rPr lang="en-US" sz="3399">
+                <a:solidFill>
+                  <a:srgbClr val="000000"/>
+                </a:solidFill>
+                <a:latin typeface="Eastman Grotesque"/>
+                <a:ea typeface="Eastman Grotesque"/>
+                <a:cs typeface="Eastman Grotesque"/>
+                <a:sym typeface="Eastman Grotesque"/>
+              </a:rPr>
+              <a:t>Includes:</a:t>
+            </a:r>
+          </a:p>
+          <a:p>
+            <a:pPr algn="l" marL="1468119" indent="-489373" lvl="2">
+              <a:lnSpc>
+                <a:spcPts val="4759"/>
+              </a:lnSpc>
+              <a:buFont typeface="Arial"/>
+              <a:buChar char="⚬"/>
+            </a:pPr>
+            <a:r>
+              <a:rPr lang="en-US" sz="3399">
+                <a:solidFill>
+                  <a:srgbClr val="000000"/>
+                </a:solidFill>
+                <a:latin typeface="Eastman Grotesque"/>
+                <a:ea typeface="Eastman Grotesque"/>
+                <a:cs typeface="Eastman Grotesque"/>
+                <a:sym typeface="Eastman Grotesque"/>
+              </a:rPr>
+              <a:t>Posting issues and articles</a:t>
+            </a:r>
+          </a:p>
+          <a:p>
+            <a:pPr algn="l" marL="1468119" indent="-489373" lvl="2">
+              <a:lnSpc>
+                <a:spcPts val="4759"/>
+              </a:lnSpc>
+              <a:buFont typeface="Arial"/>
+              <a:buChar char="⚬"/>
+            </a:pPr>
+            <a:r>
+              <a:rPr lang="en-US" sz="3399">
+                <a:solidFill>
+                  <a:srgbClr val="000000"/>
+                </a:solidFill>
+                <a:latin typeface="Eastman Grotesque"/>
+                <a:ea typeface="Eastman Grotesque"/>
+                <a:cs typeface="Eastman Grotesque"/>
+                <a:sym typeface="Eastman Grotesque"/>
+              </a:rPr>
+              <a:t>Maintaining the website (e.g. design, functionality)</a:t>
+            </a:r>
+          </a:p>
+        </p:txBody>
+      </p:sp>
+    </p:spTree>
+  </p:cSld>
+  <p:clrMapOvr>
+    <a:masterClrMapping/>
+  </p:clrMapOvr>
+</p:sld>
+</file>
+
+<file path=ppt/slides/slide14.xml><?xml version="1.0" encoding="utf-8"?>
+<p:sld xmlns:p="http://schemas.openxmlformats.org/presentationml/2006/main" xmlns:a="http://schemas.openxmlformats.org/drawingml/2006/main" xmlns:r="http://schemas.openxmlformats.org/officeDocument/2006/relationships">
+  <p:cSld>
+    <p:bg>
+      <p:bgPr>
+        <a:solidFill>
+          <a:srgbClr val="FFFDF8"/>
+        </a:solidFill>
+      </p:bgPr>
+    </p:bg>
+    <p:spTree>
+      <p:nvGrpSpPr>
+        <p:cNvPr id="1" name=""/>
+        <p:cNvGrpSpPr/>
+        <p:nvPr/>
+      </p:nvGrpSpPr>
+      <p:grpSpPr>
+        <a:xfrm>
+          <a:off x="0" y="0"/>
+          <a:ext cx="0" cy="0"/>
+          <a:chOff x="0" y="0"/>
+          <a:chExt cx="0" cy="0"/>
+        </a:xfrm>
+      </p:grpSpPr>
+      <p:sp>
+        <p:nvSpPr>
+          <p:cNvPr name="Freeform 2" id="2"/>
+          <p:cNvSpPr/>
+          <p:nvPr/>
+        </p:nvSpPr>
+        <p:spPr>
+          <a:xfrm flipH="false" flipV="false" rot="0">
+            <a:off x="6481393" y="1781812"/>
+            <a:ext cx="5325213" cy="5581756"/>
+          </a:xfrm>
+          <a:custGeom>
+            <a:avLst/>
+            <a:gdLst/>
+            <a:ahLst/>
+            <a:cxnLst/>
+            <a:rect r="r" b="b" t="t" l="l"/>
+            <a:pathLst>
+              <a:path h="5581756" w="5325213">
+                <a:moveTo>
+                  <a:pt x="0" y="0"/>
+                </a:moveTo>
+                <a:lnTo>
+                  <a:pt x="5325214" y="0"/>
+                </a:lnTo>
+                <a:lnTo>
+                  <a:pt x="5325214" y="5581757"/>
+                </a:lnTo>
+                <a:lnTo>
+                  <a:pt x="0" y="5581757"/>
+                </a:lnTo>
+                <a:lnTo>
+                  <a:pt x="0" y="0"/>
+                </a:lnTo>
+                <a:close/>
+              </a:path>
+            </a:pathLst>
+          </a:custGeom>
+          <a:blipFill>
+            <a:blip r:embed="rId2">
+              <a:extLst>
+                <a:ext uri="{96DAC541-7B7A-43D3-8B79-37D633B846F1}">
+                  <asvg:svgBlip xmlns:asvg="http://schemas.microsoft.com/office/drawing/2016/SVG/main" r:embed="rId3"/>
+                </a:ext>
+              </a:extLst>
+            </a:blip>
+            <a:stretch>
+              <a:fillRect l="0" t="0" r="0" b="0"/>
+            </a:stretch>
+          </a:blipFill>
+        </p:spPr>
+      </p:sp>
+      <p:sp>
+        <p:nvSpPr>
+          <p:cNvPr name="TextBox 3" id="3"/>
+          <p:cNvSpPr txBox="true"/>
+          <p:nvPr/>
+        </p:nvSpPr>
+        <p:spPr>
+          <a:xfrm rot="0">
+            <a:off x="8679943" y="3185945"/>
+            <a:ext cx="1483977" cy="2795106"/>
+          </a:xfrm>
+          <a:prstGeom prst="rect">
+            <a:avLst/>
+          </a:prstGeom>
+        </p:spPr>
+        <p:txBody>
+          <a:bodyPr anchor="t" rtlCol="false" tIns="0" lIns="0" bIns="0" rIns="0">
+            <a:spAutoFit/>
+          </a:bodyPr>
+          <a:lstStyle/>
+          <a:p>
+            <a:pPr algn="ctr">
+              <a:lnSpc>
+                <a:spcPts val="22789"/>
+              </a:lnSpc>
+            </a:pPr>
+            <a:r>
+              <a:rPr lang="en-US" sz="16278">
+                <a:solidFill>
+                  <a:srgbClr val="000000"/>
+                </a:solidFill>
+                <a:latin typeface="Eastman Grotesque"/>
+                <a:ea typeface="Eastman Grotesque"/>
+                <a:cs typeface="Eastman Grotesque"/>
+                <a:sym typeface="Eastman Grotesque"/>
+              </a:rPr>
+              <a:t>3</a:t>
+            </a:r>
+          </a:p>
+        </p:txBody>
+      </p:sp>
+      <p:sp>
+        <p:nvSpPr>
+          <p:cNvPr name="TextBox 4" id="4"/>
+          <p:cNvSpPr txBox="true"/>
+          <p:nvPr/>
+        </p:nvSpPr>
+        <p:spPr>
+          <a:xfrm rot="0">
+            <a:off x="7106309" y="7713079"/>
+            <a:ext cx="4700297" cy="792108"/>
+          </a:xfrm>
+          <a:prstGeom prst="rect">
+            <a:avLst/>
+          </a:prstGeom>
+        </p:spPr>
+        <p:txBody>
+          <a:bodyPr anchor="t" rtlCol="false" tIns="0" lIns="0" bIns="0" rIns="0">
+            <a:spAutoFit/>
+          </a:bodyPr>
+          <a:lstStyle/>
+          <a:p>
+            <a:pPr algn="ctr">
+              <a:lnSpc>
+                <a:spcPts val="6456"/>
+              </a:lnSpc>
+            </a:pPr>
+            <a:r>
+              <a:rPr lang="en-US" sz="4612">
+                <a:solidFill>
+                  <a:srgbClr val="000000"/>
+                </a:solidFill>
+                <a:latin typeface="Eastman Grotesque Bold"/>
+                <a:ea typeface="Eastman Grotesque Bold"/>
+                <a:cs typeface="Eastman Grotesque Bold"/>
+                <a:sym typeface="Eastman Grotesque Bold"/>
+              </a:rPr>
+              <a:t>Meetings</a:t>
+            </a:r>
+          </a:p>
+        </p:txBody>
+      </p:sp>
+    </p:spTree>
+  </p:cSld>
+  <p:clrMapOvr>
+    <a:masterClrMapping/>
+  </p:clrMapOvr>
+</p:sld>
+</file>
+
+<file path=ppt/slides/slide15.xml><?xml version="1.0" encoding="utf-8"?>
+<p:sld xmlns:p="http://schemas.openxmlformats.org/presentationml/2006/main" xmlns:a="http://schemas.openxmlformats.org/drawingml/2006/main">
+  <p:cSld>
+    <p:bg>
+      <p:bgPr>
+        <a:solidFill>
+          <a:srgbClr val="FFFDF8"/>
+        </a:solidFill>
+      </p:bgPr>
+    </p:bg>
+    <p:spTree>
+      <p:nvGrpSpPr>
+        <p:cNvPr id="1" name=""/>
+        <p:cNvGrpSpPr/>
+        <p:nvPr/>
+      </p:nvGrpSpPr>
+      <p:grpSpPr>
+        <a:xfrm>
+          <a:off x="0" y="0"/>
+          <a:ext cx="0" cy="0"/>
+          <a:chOff x="0" y="0"/>
+          <a:chExt cx="0" cy="0"/>
+        </a:xfrm>
+      </p:grpSpPr>
+      <p:sp>
+        <p:nvSpPr>
           <p:cNvPr name="TextBox 2" id="2"/>
           <p:cNvSpPr txBox="true"/>
           <p:nvPr/>
         </p:nvSpPr>
         <p:spPr>
           <a:xfrm rot="0">
-            <a:off x="264146" y="290513"/>
-            <a:ext cx="9958391" cy="1409700"/>
+            <a:off x="264146" y="280988"/>
+            <a:ext cx="9958391" cy="1419225"/>
+          </a:xfrm>
+          <a:prstGeom prst="rect">
+            <a:avLst/>
+          </a:prstGeom>
+        </p:spPr>
+        <p:txBody>
+          <a:bodyPr anchor="t" rtlCol="false" tIns="0" lIns="0" bIns="0" rIns="0">
+            <a:spAutoFit/>
+          </a:bodyPr>
+          <a:lstStyle/>
+          <a:p>
+            <a:pPr algn="l">
+              <a:lnSpc>
+                <a:spcPts val="11040"/>
+              </a:lnSpc>
+            </a:pPr>
+            <a:r>
+              <a:rPr lang="en-US" sz="9200">
+                <a:solidFill>
+                  <a:srgbClr val="000000"/>
+                </a:solidFill>
+                <a:latin typeface="Eastman Grotesque Bold"/>
+                <a:ea typeface="Eastman Grotesque Bold"/>
+                <a:cs typeface="Eastman Grotesque Bold"/>
+                <a:sym typeface="Eastman Grotesque Bold"/>
+              </a:rPr>
+              <a:t>Meetings</a:t>
+            </a:r>
+          </a:p>
+        </p:txBody>
+      </p:sp>
+      <p:sp>
+        <p:nvSpPr>
+          <p:cNvPr name="TextBox 3" id="3"/>
+          <p:cNvSpPr txBox="true"/>
+          <p:nvPr/>
+        </p:nvSpPr>
+        <p:spPr>
+          <a:xfrm rot="0">
+            <a:off x="264146" y="1777466"/>
+            <a:ext cx="17326273" cy="4190365"/>
+          </a:xfrm>
+          <a:prstGeom prst="rect">
+            <a:avLst/>
+          </a:prstGeom>
+        </p:spPr>
+        <p:txBody>
+          <a:bodyPr anchor="t" rtlCol="false" tIns="0" lIns="0" bIns="0" rIns="0">
+            <a:spAutoFit/>
+          </a:bodyPr>
+          <a:lstStyle/>
+          <a:p>
+            <a:pPr algn="l" marL="734059" indent="-367030" lvl="1">
+              <a:lnSpc>
+                <a:spcPts val="4759"/>
+              </a:lnSpc>
+              <a:buFont typeface="Arial"/>
+              <a:buChar char="•"/>
+            </a:pPr>
+            <a:r>
+              <a:rPr lang="en-US" sz="3399">
+                <a:solidFill>
+                  <a:srgbClr val="000000"/>
+                </a:solidFill>
+                <a:latin typeface="Eastman Grotesque"/>
+                <a:ea typeface="Eastman Grotesque"/>
+                <a:cs typeface="Eastman Grotesque"/>
+                <a:sym typeface="Eastman Grotesque"/>
+              </a:rPr>
+              <a:t>Afterschool on Wednesdays</a:t>
+            </a:r>
+          </a:p>
+          <a:p>
+            <a:pPr algn="l" marL="734059" indent="-367030" lvl="1">
+              <a:lnSpc>
+                <a:spcPts val="4759"/>
+              </a:lnSpc>
+              <a:buFont typeface="Arial"/>
+              <a:buChar char="•"/>
+            </a:pPr>
+            <a:r>
+              <a:rPr lang="en-US" sz="3399">
+                <a:solidFill>
+                  <a:srgbClr val="000000"/>
+                </a:solidFill>
+                <a:latin typeface="Eastman Grotesque"/>
+                <a:ea typeface="Eastman Grotesque"/>
+                <a:cs typeface="Eastman Grotesque"/>
+                <a:sym typeface="Eastman Grotesque"/>
+              </a:rPr>
+              <a:t>Schedule:</a:t>
+            </a:r>
+          </a:p>
+          <a:p>
+            <a:pPr algn="l" marL="1468119" indent="-489373" lvl="2">
+              <a:lnSpc>
+                <a:spcPts val="4759"/>
+              </a:lnSpc>
+              <a:buFont typeface="Arial"/>
+              <a:buChar char="⚬"/>
+            </a:pPr>
+            <a:r>
+              <a:rPr lang="en-US" sz="3399">
+                <a:solidFill>
+                  <a:srgbClr val="000000"/>
+                </a:solidFill>
+                <a:latin typeface="Eastman Grotesque"/>
+                <a:ea typeface="Eastman Grotesque"/>
+                <a:cs typeface="Eastman Grotesque"/>
+                <a:sym typeface="Eastman Grotesque"/>
+              </a:rPr>
+              <a:t>WEEK 1: Mass meeting (all boards)</a:t>
+            </a:r>
+          </a:p>
+          <a:p>
+            <a:pPr algn="l" marL="1468119" indent="-489373" lvl="2">
+              <a:lnSpc>
+                <a:spcPts val="4759"/>
+              </a:lnSpc>
+              <a:buFont typeface="Arial"/>
+              <a:buChar char="⚬"/>
+            </a:pPr>
+            <a:r>
+              <a:rPr lang="en-US" sz="3399">
+                <a:solidFill>
+                  <a:srgbClr val="000000"/>
+                </a:solidFill>
+                <a:latin typeface="Eastman Grotesque"/>
+                <a:ea typeface="Eastman Grotesque"/>
+                <a:cs typeface="Eastman Grotesque"/>
+                <a:sym typeface="Eastman Grotesque"/>
+              </a:rPr>
+              <a:t>WEEK 2: Writers’ meeting (News, Editorial, and Life)</a:t>
+            </a:r>
+          </a:p>
+          <a:p>
+            <a:pPr algn="l" marL="1468119" indent="-489373" lvl="2">
+              <a:lnSpc>
+                <a:spcPts val="4759"/>
+              </a:lnSpc>
+              <a:buFont typeface="Arial"/>
+              <a:buChar char="⚬"/>
+            </a:pPr>
+            <a:r>
+              <a:rPr lang="en-US" sz="3399">
+                <a:solidFill>
+                  <a:srgbClr val="000000"/>
+                </a:solidFill>
+                <a:latin typeface="Eastman Grotesque"/>
+                <a:ea typeface="Eastman Grotesque"/>
+                <a:cs typeface="Eastman Grotesque"/>
+                <a:sym typeface="Eastman Grotesque"/>
+              </a:rPr>
+              <a:t>WEEK 3: Writing and visual arts meeting (News, Editorial, Life, and Visual Arts)</a:t>
+            </a:r>
+          </a:p>
+          <a:p>
+            <a:pPr algn="l" marL="1468119" indent="-489373" lvl="2">
+              <a:lnSpc>
+                <a:spcPts val="4759"/>
+              </a:lnSpc>
+              <a:buFont typeface="Arial"/>
+              <a:buChar char="⚬"/>
+            </a:pPr>
+            <a:r>
+              <a:rPr lang="en-US" sz="3399">
+                <a:solidFill>
+                  <a:srgbClr val="000000"/>
+                </a:solidFill>
+                <a:latin typeface="Eastman Grotesque"/>
+                <a:ea typeface="Eastman Grotesque"/>
+                <a:cs typeface="Eastman Grotesque"/>
+                <a:sym typeface="Eastman Grotesque"/>
+              </a:rPr>
+              <a:t>WEEK 4: Print dev + manager meeting (Print dev)</a:t>
+            </a:r>
+          </a:p>
+          <a:p>
+            <a:pPr algn="l" marL="734059" indent="-367030" lvl="1">
+              <a:lnSpc>
+                <a:spcPts val="4759"/>
+              </a:lnSpc>
+              <a:buFont typeface="Arial"/>
+              <a:buChar char="•"/>
+            </a:pPr>
+            <a:r>
+              <a:rPr lang="en-US" sz="3399">
+                <a:solidFill>
+                  <a:srgbClr val="000000"/>
+                </a:solidFill>
+                <a:latin typeface="Eastman Grotesque"/>
+                <a:ea typeface="Eastman Grotesque"/>
+                <a:cs typeface="Eastman Grotesque"/>
+                <a:sym typeface="Eastman Grotesque"/>
+              </a:rPr>
+              <a:t>REPEAT</a:t>
+            </a:r>
+          </a:p>
+        </p:txBody>
+      </p:sp>
+    </p:spTree>
+  </p:cSld>
+  <p:clrMapOvr>
+    <a:masterClrMapping/>
+  </p:clrMapOvr>
+</p:sld>
+</file>
+
+<file path=ppt/slides/slide16.xml><?xml version="1.0" encoding="utf-8"?>
+<p:sld xmlns:p="http://schemas.openxmlformats.org/presentationml/2006/main" xmlns:a="http://schemas.openxmlformats.org/drawingml/2006/main">
+  <p:cSld>
+    <p:bg>
+      <p:bgPr>
+        <a:solidFill>
+          <a:srgbClr val="FFFDF8"/>
+        </a:solidFill>
+      </p:bgPr>
+    </p:bg>
+    <p:spTree>
+      <p:nvGrpSpPr>
+        <p:cNvPr id="1" name=""/>
+        <p:cNvGrpSpPr/>
+        <p:nvPr/>
+      </p:nvGrpSpPr>
+      <p:grpSpPr>
+        <a:xfrm>
+          <a:off x="0" y="0"/>
+          <a:ext cx="0" cy="0"/>
+          <a:chOff x="0" y="0"/>
+          <a:chExt cx="0" cy="0"/>
+        </a:xfrm>
+      </p:grpSpPr>
+      <p:sp>
+        <p:nvSpPr>
+          <p:cNvPr name="TextBox 2" id="2"/>
+          <p:cNvSpPr txBox="true"/>
+          <p:nvPr/>
+        </p:nvSpPr>
+        <p:spPr>
+          <a:xfrm rot="0">
+            <a:off x="264146" y="280988"/>
+            <a:ext cx="9958391" cy="1419225"/>
+          </a:xfrm>
+          <a:prstGeom prst="rect">
+            <a:avLst/>
+          </a:prstGeom>
+        </p:spPr>
+        <p:txBody>
+          <a:bodyPr anchor="t" rtlCol="false" tIns="0" lIns="0" bIns="0" rIns="0">
+            <a:spAutoFit/>
+          </a:bodyPr>
+          <a:lstStyle/>
+          <a:p>
+            <a:pPr algn="l">
+              <a:lnSpc>
+                <a:spcPts val="11040"/>
+              </a:lnSpc>
+            </a:pPr>
+            <a:r>
+              <a:rPr lang="en-US" sz="9200">
+                <a:solidFill>
+                  <a:srgbClr val="000000"/>
+                </a:solidFill>
+                <a:latin typeface="Eastman Grotesque Bold"/>
+                <a:ea typeface="Eastman Grotesque Bold"/>
+                <a:cs typeface="Eastman Grotesque Bold"/>
+                <a:sym typeface="Eastman Grotesque Bold"/>
+              </a:rPr>
+              <a:t>Questions?</a:t>
+            </a:r>
+          </a:p>
+        </p:txBody>
+      </p:sp>
+      <p:sp>
+        <p:nvSpPr>
+          <p:cNvPr name="TextBox 3" id="3"/>
+          <p:cNvSpPr txBox="true"/>
+          <p:nvPr/>
+        </p:nvSpPr>
+        <p:spPr>
+          <a:xfrm rot="0">
+            <a:off x="264146" y="1777466"/>
+            <a:ext cx="17326273" cy="2390140"/>
+          </a:xfrm>
+          <a:prstGeom prst="rect">
+            <a:avLst/>
+          </a:prstGeom>
+        </p:spPr>
+        <p:txBody>
+          <a:bodyPr anchor="t" rtlCol="false" tIns="0" lIns="0" bIns="0" rIns="0">
+            <a:spAutoFit/>
+          </a:bodyPr>
+          <a:lstStyle/>
+          <a:p>
+            <a:pPr algn="l">
+              <a:lnSpc>
+                <a:spcPts val="4759"/>
+              </a:lnSpc>
+            </a:pPr>
+            <a:r>
+              <a:rPr lang="en-US" sz="3399">
+                <a:solidFill>
+                  <a:srgbClr val="000000"/>
+                </a:solidFill>
+                <a:latin typeface="Eastman Grotesque"/>
+                <a:ea typeface="Eastman Grotesque"/>
+                <a:cs typeface="Eastman Grotesque"/>
+                <a:sym typeface="Eastman Grotesque"/>
+              </a:rPr>
+              <a:t>Contact Info:</a:t>
+            </a:r>
+          </a:p>
+          <a:p>
+            <a:pPr algn="l">
+              <a:lnSpc>
+                <a:spcPts val="4759"/>
+              </a:lnSpc>
+            </a:pPr>
+            <a:r>
+              <a:rPr lang="en-US" sz="3399">
+                <a:solidFill>
+                  <a:srgbClr val="000000"/>
+                </a:solidFill>
+                <a:latin typeface="Eastman Grotesque"/>
+                <a:ea typeface="Eastman Grotesque"/>
+                <a:cs typeface="Eastman Grotesque"/>
+                <a:sym typeface="Eastman Grotesque"/>
+              </a:rPr>
+              <a:t>Email: vpci.press@gmail.com</a:t>
+            </a:r>
+          </a:p>
+          <a:p>
+            <a:pPr algn="l">
+              <a:lnSpc>
+                <a:spcPts val="4759"/>
+              </a:lnSpc>
+            </a:pPr>
+            <a:r>
+              <a:rPr lang="en-US" sz="3399">
+                <a:solidFill>
+                  <a:srgbClr val="000000"/>
+                </a:solidFill>
+                <a:latin typeface="Eastman Grotesque"/>
+                <a:ea typeface="Eastman Grotesque"/>
+                <a:cs typeface="Eastman Grotesque"/>
+                <a:sym typeface="Eastman Grotesque"/>
+              </a:rPr>
+              <a:t>Instagram: @vp.pantherpress</a:t>
+            </a:r>
+          </a:p>
+          <a:p>
+            <a:pPr algn="l">
+              <a:lnSpc>
+                <a:spcPts val="4759"/>
+              </a:lnSpc>
+            </a:pPr>
+            <a:r>
+              <a:rPr lang="en-US" sz="3399">
+                <a:solidFill>
+                  <a:srgbClr val="000000"/>
+                </a:solidFill>
+                <a:latin typeface="Eastman Grotesque"/>
+                <a:ea typeface="Eastman Grotesque"/>
+                <a:cs typeface="Eastman Grotesque"/>
+                <a:sym typeface="Eastman Grotesque"/>
+              </a:rPr>
+              <a:t>Website: https://pantherpress.ca/</a:t>
+            </a:r>
+          </a:p>
+        </p:txBody>
+      </p:sp>
+    </p:spTree>
+  </p:cSld>
+  <p:clrMapOvr>
+    <a:masterClrMapping/>
+  </p:clrMapOvr>
+</p:sld>
+</file>
+
+<file path=ppt/slides/slide2.xml><?xml version="1.0" encoding="utf-8"?>
+<p:sld xmlns:p="http://schemas.openxmlformats.org/presentationml/2006/main" xmlns:a="http://schemas.openxmlformats.org/drawingml/2006/main" xmlns:r="http://schemas.openxmlformats.org/officeDocument/2006/relationships">
+  <p:cSld>
+    <p:bg>
+      <p:bgPr>
+        <a:solidFill>
+          <a:srgbClr val="FFFDF8"/>
+        </a:solidFill>
+      </p:bgPr>
+    </p:bg>
+    <p:spTree>
+      <p:nvGrpSpPr>
+        <p:cNvPr id="1" name=""/>
+        <p:cNvGrpSpPr/>
+        <p:nvPr/>
+      </p:nvGrpSpPr>
+      <p:grpSpPr>
+        <a:xfrm>
+          <a:off x="0" y="0"/>
+          <a:ext cx="0" cy="0"/>
+          <a:chOff x="0" y="0"/>
+          <a:chExt cx="0" cy="0"/>
+        </a:xfrm>
+      </p:grpSpPr>
+      <p:sp>
+        <p:nvSpPr>
+          <p:cNvPr name="Freeform 2" id="2"/>
+          <p:cNvSpPr/>
+          <p:nvPr/>
+        </p:nvSpPr>
+        <p:spPr>
+          <a:xfrm flipH="false" flipV="false" rot="0">
+            <a:off x="568020" y="3086100"/>
+            <a:ext cx="3925680" cy="4114800"/>
+          </a:xfrm>
+          <a:custGeom>
+            <a:avLst/>
+            <a:gdLst/>
+            <a:ahLst/>
+            <a:cxnLst/>
+            <a:rect r="r" b="b" t="t" l="l"/>
+            <a:pathLst>
+              <a:path h="4114800" w="3925680">
+                <a:moveTo>
+                  <a:pt x="0" y="0"/>
+                </a:moveTo>
+                <a:lnTo>
+                  <a:pt x="3925680" y="0"/>
+                </a:lnTo>
+                <a:lnTo>
+                  <a:pt x="3925680" y="4114800"/>
+                </a:lnTo>
+                <a:lnTo>
+                  <a:pt x="0" y="4114800"/>
+                </a:lnTo>
+                <a:lnTo>
+                  <a:pt x="0" y="0"/>
+                </a:lnTo>
+                <a:close/>
+              </a:path>
+            </a:pathLst>
+          </a:custGeom>
+          <a:blipFill>
+            <a:blip r:embed="rId2">
+              <a:extLst>
+                <a:ext uri="{96DAC541-7B7A-43D3-8B79-37D633B846F1}">
+                  <asvg:svgBlip xmlns:asvg="http://schemas.microsoft.com/office/drawing/2016/SVG/main" r:embed="rId3"/>
+                </a:ext>
+              </a:extLst>
+            </a:blip>
+            <a:stretch>
+              <a:fillRect l="0" t="0" r="0" b="0"/>
+            </a:stretch>
+          </a:blipFill>
+        </p:spPr>
+      </p:sp>
+      <p:sp>
+        <p:nvSpPr>
+          <p:cNvPr name="TextBox 3" id="3"/>
+          <p:cNvSpPr txBox="true"/>
+          <p:nvPr/>
+        </p:nvSpPr>
+        <p:spPr>
+          <a:xfrm rot="0">
+            <a:off x="264146" y="280988"/>
+            <a:ext cx="9958391" cy="1419225"/>
+          </a:xfrm>
+          <a:prstGeom prst="rect">
+            <a:avLst/>
+          </a:prstGeom>
+        </p:spPr>
+        <p:txBody>
+          <a:bodyPr anchor="t" rtlCol="false" tIns="0" lIns="0" bIns="0" rIns="0">
+            <a:spAutoFit/>
+          </a:bodyPr>
+          <a:lstStyle/>
+          <a:p>
+            <a:pPr algn="l">
+              <a:lnSpc>
+                <a:spcPts val="11040"/>
+              </a:lnSpc>
+            </a:pPr>
+            <a:r>
+              <a:rPr lang="en-US" sz="9200">
+                <a:solidFill>
+                  <a:srgbClr val="000000"/>
+                </a:solidFill>
+                <a:latin typeface="Eastman Grotesque Bold"/>
+                <a:ea typeface="Eastman Grotesque Bold"/>
+                <a:cs typeface="Eastman Grotesque Bold"/>
+                <a:sym typeface="Eastman Grotesque Bold"/>
+              </a:rPr>
+              <a:t>Table of Contents</a:t>
+            </a:r>
+          </a:p>
+        </p:txBody>
+      </p:sp>
+      <p:sp>
+        <p:nvSpPr>
+          <p:cNvPr name="Freeform 4" id="4"/>
+          <p:cNvSpPr/>
+          <p:nvPr/>
+        </p:nvSpPr>
+        <p:spPr>
+          <a:xfrm flipH="false" flipV="false" rot="0">
+            <a:off x="7181160" y="3086100"/>
+            <a:ext cx="3925680" cy="4114800"/>
+          </a:xfrm>
+          <a:custGeom>
+            <a:avLst/>
+            <a:gdLst/>
+            <a:ahLst/>
+            <a:cxnLst/>
+            <a:rect r="r" b="b" t="t" l="l"/>
+            <a:pathLst>
+              <a:path h="4114800" w="3925680">
+                <a:moveTo>
+                  <a:pt x="0" y="0"/>
+                </a:moveTo>
+                <a:lnTo>
+                  <a:pt x="3925680" y="0"/>
+                </a:lnTo>
+                <a:lnTo>
+                  <a:pt x="3925680" y="4114800"/>
+                </a:lnTo>
+                <a:lnTo>
+                  <a:pt x="0" y="4114800"/>
+                </a:lnTo>
+                <a:lnTo>
+                  <a:pt x="0" y="0"/>
+                </a:lnTo>
+                <a:close/>
+              </a:path>
+            </a:pathLst>
+          </a:custGeom>
+          <a:blipFill>
+            <a:blip r:embed="rId2">
+              <a:extLst>
+                <a:ext uri="{96DAC541-7B7A-43D3-8B79-37D633B846F1}">
+                  <asvg:svgBlip xmlns:asvg="http://schemas.microsoft.com/office/drawing/2016/SVG/main" r:embed="rId3"/>
+                </a:ext>
+              </a:extLst>
+            </a:blip>
+            <a:stretch>
+              <a:fillRect l="0" t="0" r="0" b="0"/>
+            </a:stretch>
+          </a:blipFill>
+        </p:spPr>
+      </p:sp>
+      <p:sp>
+        <p:nvSpPr>
+          <p:cNvPr name="Freeform 5" id="5"/>
+          <p:cNvSpPr/>
+          <p:nvPr/>
+        </p:nvSpPr>
+        <p:spPr>
+          <a:xfrm flipH="false" flipV="false" rot="0">
+            <a:off x="13792890" y="3086100"/>
+            <a:ext cx="3925680" cy="4114800"/>
+          </a:xfrm>
+          <a:custGeom>
+            <a:avLst/>
+            <a:gdLst/>
+            <a:ahLst/>
+            <a:cxnLst/>
+            <a:rect r="r" b="b" t="t" l="l"/>
+            <a:pathLst>
+              <a:path h="4114800" w="3925680">
+                <a:moveTo>
+                  <a:pt x="0" y="0"/>
+                </a:moveTo>
+                <a:lnTo>
+                  <a:pt x="3925679" y="0"/>
+                </a:lnTo>
+                <a:lnTo>
+                  <a:pt x="3925679" y="4114800"/>
+                </a:lnTo>
+                <a:lnTo>
+                  <a:pt x="0" y="4114800"/>
+                </a:lnTo>
+                <a:lnTo>
+                  <a:pt x="0" y="0"/>
+                </a:lnTo>
+                <a:close/>
+              </a:path>
+            </a:pathLst>
+          </a:custGeom>
+          <a:blipFill>
+            <a:blip r:embed="rId2">
+              <a:extLst>
+                <a:ext uri="{96DAC541-7B7A-43D3-8B79-37D633B846F1}">
+                  <asvg:svgBlip xmlns:asvg="http://schemas.microsoft.com/office/drawing/2016/SVG/main" r:embed="rId3"/>
+                </a:ext>
+              </a:extLst>
+            </a:blip>
+            <a:stretch>
+              <a:fillRect l="0" t="0" r="0" b="0"/>
+            </a:stretch>
+          </a:blipFill>
+        </p:spPr>
+      </p:sp>
+      <p:sp>
+        <p:nvSpPr>
+          <p:cNvPr name="TextBox 6" id="6"/>
+          <p:cNvSpPr txBox="true"/>
+          <p:nvPr/>
+        </p:nvSpPr>
+        <p:spPr>
+          <a:xfrm rot="0">
+            <a:off x="2188763" y="4105275"/>
+            <a:ext cx="1093969" cy="2076450"/>
+          </a:xfrm>
+          <a:prstGeom prst="rect">
+            <a:avLst/>
+          </a:prstGeom>
+        </p:spPr>
+        <p:txBody>
+          <a:bodyPr anchor="t" rtlCol="false" tIns="0" lIns="0" bIns="0" rIns="0">
+            <a:spAutoFit/>
+          </a:bodyPr>
+          <a:lstStyle/>
+          <a:p>
+            <a:pPr algn="ctr">
+              <a:lnSpc>
+                <a:spcPts val="16800"/>
+              </a:lnSpc>
+            </a:pPr>
+            <a:r>
+              <a:rPr lang="en-US" sz="12000">
+                <a:solidFill>
+                  <a:srgbClr val="000000"/>
+                </a:solidFill>
+                <a:latin typeface="Eastman Grotesque"/>
+                <a:ea typeface="Eastman Grotesque"/>
+                <a:cs typeface="Eastman Grotesque"/>
+                <a:sym typeface="Eastman Grotesque"/>
+              </a:rPr>
+              <a:t>1</a:t>
+            </a:r>
+          </a:p>
+        </p:txBody>
+      </p:sp>
+      <p:sp>
+        <p:nvSpPr>
+          <p:cNvPr name="TextBox 7" id="7"/>
+          <p:cNvSpPr txBox="true"/>
+          <p:nvPr/>
+        </p:nvSpPr>
+        <p:spPr>
+          <a:xfrm rot="0">
+            <a:off x="8773529" y="4105275"/>
+            <a:ext cx="1093969" cy="2076450"/>
+          </a:xfrm>
+          <a:prstGeom prst="rect">
+            <a:avLst/>
+          </a:prstGeom>
+        </p:spPr>
+        <p:txBody>
+          <a:bodyPr anchor="t" rtlCol="false" tIns="0" lIns="0" bIns="0" rIns="0">
+            <a:spAutoFit/>
+          </a:bodyPr>
+          <a:lstStyle/>
+          <a:p>
+            <a:pPr algn="ctr">
+              <a:lnSpc>
+                <a:spcPts val="16800"/>
+              </a:lnSpc>
+            </a:pPr>
+            <a:r>
+              <a:rPr lang="en-US" sz="12000">
+                <a:solidFill>
+                  <a:srgbClr val="000000"/>
+                </a:solidFill>
+                <a:latin typeface="Eastman Grotesque"/>
+                <a:ea typeface="Eastman Grotesque"/>
+                <a:cs typeface="Eastman Grotesque"/>
+                <a:sym typeface="Eastman Grotesque"/>
+              </a:rPr>
+              <a:t>2</a:t>
+            </a:r>
+          </a:p>
+        </p:txBody>
+      </p:sp>
+      <p:sp>
+        <p:nvSpPr>
+          <p:cNvPr name="TextBox 8" id="8"/>
+          <p:cNvSpPr txBox="true"/>
+          <p:nvPr/>
+        </p:nvSpPr>
+        <p:spPr>
+          <a:xfrm rot="0">
+            <a:off x="15463592" y="4105275"/>
+            <a:ext cx="1093969" cy="2076450"/>
+          </a:xfrm>
+          <a:prstGeom prst="rect">
+            <a:avLst/>
+          </a:prstGeom>
+        </p:spPr>
+        <p:txBody>
+          <a:bodyPr anchor="t" rtlCol="false" tIns="0" lIns="0" bIns="0" rIns="0">
+            <a:spAutoFit/>
+          </a:bodyPr>
+          <a:lstStyle/>
+          <a:p>
+            <a:pPr algn="ctr">
+              <a:lnSpc>
+                <a:spcPts val="16800"/>
+              </a:lnSpc>
+            </a:pPr>
+            <a:r>
+              <a:rPr lang="en-US" sz="12000">
+                <a:solidFill>
+                  <a:srgbClr val="000000"/>
+                </a:solidFill>
+                <a:latin typeface="Eastman Grotesque"/>
+                <a:ea typeface="Eastman Grotesque"/>
+                <a:cs typeface="Eastman Grotesque"/>
+                <a:sym typeface="Eastman Grotesque"/>
+              </a:rPr>
+              <a:t>3</a:t>
+            </a:r>
+          </a:p>
+        </p:txBody>
+      </p:sp>
+      <p:sp>
+        <p:nvSpPr>
+          <p:cNvPr name="TextBox 9" id="9"/>
+          <p:cNvSpPr txBox="true"/>
+          <p:nvPr/>
+        </p:nvSpPr>
+        <p:spPr>
+          <a:xfrm rot="0">
+            <a:off x="1028700" y="7452572"/>
+            <a:ext cx="3465000" cy="589915"/>
+          </a:xfrm>
+          <a:prstGeom prst="rect">
+            <a:avLst/>
+          </a:prstGeom>
+        </p:spPr>
+        <p:txBody>
+          <a:bodyPr anchor="t" rtlCol="false" tIns="0" lIns="0" bIns="0" rIns="0">
+            <a:spAutoFit/>
+          </a:bodyPr>
+          <a:lstStyle/>
+          <a:p>
+            <a:pPr algn="ctr">
+              <a:lnSpc>
+                <a:spcPts val="4759"/>
+              </a:lnSpc>
+            </a:pPr>
+            <a:r>
+              <a:rPr lang="en-US" sz="3399">
+                <a:solidFill>
+                  <a:srgbClr val="000000"/>
+                </a:solidFill>
+                <a:latin typeface="Eastman Grotesque Bold"/>
+                <a:ea typeface="Eastman Grotesque Bold"/>
+                <a:cs typeface="Eastman Grotesque Bold"/>
+                <a:sym typeface="Eastman Grotesque Bold"/>
+              </a:rPr>
+              <a:t>Club Overview</a:t>
+            </a:r>
+          </a:p>
+        </p:txBody>
+      </p:sp>
+      <p:sp>
+        <p:nvSpPr>
+          <p:cNvPr name="TextBox 10" id="10"/>
+          <p:cNvSpPr txBox="true"/>
+          <p:nvPr/>
+        </p:nvSpPr>
+        <p:spPr>
+          <a:xfrm rot="0">
+            <a:off x="7588013" y="7452572"/>
+            <a:ext cx="3465000" cy="589915"/>
+          </a:xfrm>
+          <a:prstGeom prst="rect">
+            <a:avLst/>
+          </a:prstGeom>
+        </p:spPr>
+        <p:txBody>
+          <a:bodyPr anchor="t" rtlCol="false" tIns="0" lIns="0" bIns="0" rIns="0">
+            <a:spAutoFit/>
+          </a:bodyPr>
+          <a:lstStyle/>
+          <a:p>
+            <a:pPr algn="ctr">
+              <a:lnSpc>
+                <a:spcPts val="4759"/>
+              </a:lnSpc>
+            </a:pPr>
+            <a:r>
+              <a:rPr lang="en-US" sz="3399">
+                <a:solidFill>
+                  <a:srgbClr val="000000"/>
+                </a:solidFill>
+                <a:latin typeface="Eastman Grotesque Bold"/>
+                <a:ea typeface="Eastman Grotesque Bold"/>
+                <a:cs typeface="Eastman Grotesque Bold"/>
+                <a:sym typeface="Eastman Grotesque Bold"/>
+              </a:rPr>
+              <a:t>Boards</a:t>
+            </a:r>
+          </a:p>
+        </p:txBody>
+      </p:sp>
+      <p:sp>
+        <p:nvSpPr>
+          <p:cNvPr name="TextBox 11" id="11"/>
+          <p:cNvSpPr txBox="true"/>
+          <p:nvPr/>
+        </p:nvSpPr>
+        <p:spPr>
+          <a:xfrm rot="0">
+            <a:off x="14148638" y="7452572"/>
+            <a:ext cx="3465000" cy="589915"/>
+          </a:xfrm>
+          <a:prstGeom prst="rect">
+            <a:avLst/>
+          </a:prstGeom>
+        </p:spPr>
+        <p:txBody>
+          <a:bodyPr anchor="t" rtlCol="false" tIns="0" lIns="0" bIns="0" rIns="0">
+            <a:spAutoFit/>
+          </a:bodyPr>
+          <a:lstStyle/>
+          <a:p>
+            <a:pPr algn="ctr">
+              <a:lnSpc>
+                <a:spcPts val="4759"/>
+              </a:lnSpc>
+            </a:pPr>
+            <a:r>
+              <a:rPr lang="en-US" sz="3399">
+                <a:solidFill>
+                  <a:srgbClr val="000000"/>
+                </a:solidFill>
+                <a:latin typeface="Eastman Grotesque Bold"/>
+                <a:ea typeface="Eastman Grotesque Bold"/>
+                <a:cs typeface="Eastman Grotesque Bold"/>
+                <a:sym typeface="Eastman Grotesque Bold"/>
+              </a:rPr>
+              <a:t>Meetings</a:t>
+            </a:r>
+          </a:p>
+        </p:txBody>
+      </p:sp>
+    </p:spTree>
+  </p:cSld>
+  <p:clrMapOvr>
+    <a:masterClrMapping/>
+  </p:clrMapOvr>
+</p:sld>
+</file>
+
+<file path=ppt/slides/slide3.xml><?xml version="1.0" encoding="utf-8"?>
+<p:sld xmlns:p="http://schemas.openxmlformats.org/presentationml/2006/main" xmlns:a="http://schemas.openxmlformats.org/drawingml/2006/main" xmlns:r="http://schemas.openxmlformats.org/officeDocument/2006/relationships">
+  <p:cSld>
+    <p:bg>
+      <p:bgPr>
+        <a:solidFill>
+          <a:srgbClr val="FFFDF8"/>
+        </a:solidFill>
+      </p:bgPr>
+    </p:bg>
+    <p:spTree>
+      <p:nvGrpSpPr>
+        <p:cNvPr id="1" name=""/>
+        <p:cNvGrpSpPr/>
+        <p:nvPr/>
+      </p:nvGrpSpPr>
+      <p:grpSpPr>
+        <a:xfrm>
+          <a:off x="0" y="0"/>
+          <a:ext cx="0" cy="0"/>
+          <a:chOff x="0" y="0"/>
+          <a:chExt cx="0" cy="0"/>
+        </a:xfrm>
+      </p:grpSpPr>
+      <p:sp>
+        <p:nvSpPr>
+          <p:cNvPr name="Freeform 2" id="2"/>
+          <p:cNvSpPr/>
+          <p:nvPr/>
+        </p:nvSpPr>
+        <p:spPr>
+          <a:xfrm flipH="false" flipV="false" rot="0">
+            <a:off x="6481393" y="1781812"/>
+            <a:ext cx="5325213" cy="5581756"/>
+          </a:xfrm>
+          <a:custGeom>
+            <a:avLst/>
+            <a:gdLst/>
+            <a:ahLst/>
+            <a:cxnLst/>
+            <a:rect r="r" b="b" t="t" l="l"/>
+            <a:pathLst>
+              <a:path h="5581756" w="5325213">
+                <a:moveTo>
+                  <a:pt x="0" y="0"/>
+                </a:moveTo>
+                <a:lnTo>
+                  <a:pt x="5325214" y="0"/>
+                </a:lnTo>
+                <a:lnTo>
+                  <a:pt x="5325214" y="5581757"/>
+                </a:lnTo>
+                <a:lnTo>
+                  <a:pt x="0" y="5581757"/>
+                </a:lnTo>
+                <a:lnTo>
+                  <a:pt x="0" y="0"/>
+                </a:lnTo>
+                <a:close/>
+              </a:path>
+            </a:pathLst>
+          </a:custGeom>
+          <a:blipFill>
+            <a:blip r:embed="rId2">
+              <a:extLst>
+                <a:ext uri="{96DAC541-7B7A-43D3-8B79-37D633B846F1}">
+                  <asvg:svgBlip xmlns:asvg="http://schemas.microsoft.com/office/drawing/2016/SVG/main" r:embed="rId3"/>
+                </a:ext>
+              </a:extLst>
+            </a:blip>
+            <a:stretch>
+              <a:fillRect l="0" t="0" r="0" b="0"/>
+            </a:stretch>
+          </a:blipFill>
+        </p:spPr>
+      </p:sp>
+      <p:sp>
+        <p:nvSpPr>
+          <p:cNvPr name="TextBox 3" id="3"/>
+          <p:cNvSpPr txBox="true"/>
+          <p:nvPr/>
+        </p:nvSpPr>
+        <p:spPr>
+          <a:xfrm rot="0">
+            <a:off x="8679943" y="3185945"/>
+            <a:ext cx="1483977" cy="2795106"/>
+          </a:xfrm>
+          <a:prstGeom prst="rect">
+            <a:avLst/>
+          </a:prstGeom>
+        </p:spPr>
+        <p:txBody>
+          <a:bodyPr anchor="t" rtlCol="false" tIns="0" lIns="0" bIns="0" rIns="0">
+            <a:spAutoFit/>
+          </a:bodyPr>
+          <a:lstStyle/>
+          <a:p>
+            <a:pPr algn="ctr">
+              <a:lnSpc>
+                <a:spcPts val="22789"/>
+              </a:lnSpc>
+            </a:pPr>
+            <a:r>
+              <a:rPr lang="en-US" sz="16278">
+                <a:solidFill>
+                  <a:srgbClr val="000000"/>
+                </a:solidFill>
+                <a:latin typeface="Eastman Grotesque"/>
+                <a:ea typeface="Eastman Grotesque"/>
+                <a:cs typeface="Eastman Grotesque"/>
+                <a:sym typeface="Eastman Grotesque"/>
+              </a:rPr>
+              <a:t>1</a:t>
+            </a:r>
+          </a:p>
+        </p:txBody>
+      </p:sp>
+      <p:sp>
+        <p:nvSpPr>
+          <p:cNvPr name="TextBox 4" id="4"/>
+          <p:cNvSpPr txBox="true"/>
+          <p:nvPr/>
+        </p:nvSpPr>
+        <p:spPr>
+          <a:xfrm rot="0">
+            <a:off x="7106309" y="7713079"/>
+            <a:ext cx="4700297" cy="792108"/>
+          </a:xfrm>
+          <a:prstGeom prst="rect">
+            <a:avLst/>
+          </a:prstGeom>
+        </p:spPr>
+        <p:txBody>
+          <a:bodyPr anchor="t" rtlCol="false" tIns="0" lIns="0" bIns="0" rIns="0">
+            <a:spAutoFit/>
+          </a:bodyPr>
+          <a:lstStyle/>
+          <a:p>
+            <a:pPr algn="ctr">
+              <a:lnSpc>
+                <a:spcPts val="6456"/>
+              </a:lnSpc>
+            </a:pPr>
+            <a:r>
+              <a:rPr lang="en-US" sz="4612">
+                <a:solidFill>
+                  <a:srgbClr val="000000"/>
+                </a:solidFill>
+                <a:latin typeface="Eastman Grotesque Bold"/>
+                <a:ea typeface="Eastman Grotesque Bold"/>
+                <a:cs typeface="Eastman Grotesque Bold"/>
+                <a:sym typeface="Eastman Grotesque Bold"/>
+              </a:rPr>
+              <a:t>Club Overview</a:t>
+            </a:r>
+          </a:p>
+        </p:txBody>
+      </p:sp>
+    </p:spTree>
+  </p:cSld>
+  <p:clrMapOvr>
+    <a:masterClrMapping/>
+  </p:clrMapOvr>
+</p:sld>
+</file>
+
+<file path=ppt/slides/slide4.xml><?xml version="1.0" encoding="utf-8"?>
+<p:sld xmlns:p="http://schemas.openxmlformats.org/presentationml/2006/main" xmlns:a="http://schemas.openxmlformats.org/drawingml/2006/main">
+  <p:cSld>
+    <p:bg>
+      <p:bgPr>
+        <a:solidFill>
+          <a:srgbClr val="FFFDF8"/>
+        </a:solidFill>
+      </p:bgPr>
+    </p:bg>
+    <p:spTree>
+      <p:nvGrpSpPr>
+        <p:cNvPr id="1" name=""/>
+        <p:cNvGrpSpPr/>
+        <p:nvPr/>
+      </p:nvGrpSpPr>
+      <p:grpSpPr>
+        <a:xfrm>
+          <a:off x="0" y="0"/>
+          <a:ext cx="0" cy="0"/>
+          <a:chOff x="0" y="0"/>
+          <a:chExt cx="0" cy="0"/>
+        </a:xfrm>
+      </p:grpSpPr>
+      <p:sp>
+        <p:nvSpPr>
+          <p:cNvPr name="TextBox 2" id="2"/>
+          <p:cNvSpPr txBox="true"/>
+          <p:nvPr/>
+        </p:nvSpPr>
+        <p:spPr>
+          <a:xfrm rot="0">
+            <a:off x="264146" y="280988"/>
+            <a:ext cx="9958391" cy="1419225"/>
+          </a:xfrm>
+          <a:prstGeom prst="rect">
+            <a:avLst/>
+          </a:prstGeom>
+        </p:spPr>
+        <p:txBody>
+          <a:bodyPr anchor="t" rtlCol="false" tIns="0" lIns="0" bIns="0" rIns="0">
+            <a:spAutoFit/>
+          </a:bodyPr>
+          <a:lstStyle/>
+          <a:p>
+            <a:pPr algn="l">
+              <a:lnSpc>
+                <a:spcPts val="11040"/>
+              </a:lnSpc>
+            </a:pPr>
+            <a:r>
+              <a:rPr lang="en-US" sz="9200">
+                <a:solidFill>
+                  <a:srgbClr val="000000"/>
+                </a:solidFill>
+                <a:latin typeface="Eastman Grotesque Bold"/>
+                <a:ea typeface="Eastman Grotesque Bold"/>
+                <a:cs typeface="Eastman Grotesque Bold"/>
+                <a:sym typeface="Eastman Grotesque Bold"/>
+              </a:rPr>
+              <a:t>Club Overview</a:t>
+            </a:r>
+          </a:p>
+        </p:txBody>
+      </p:sp>
+      <p:sp>
+        <p:nvSpPr>
+          <p:cNvPr name="TextBox 3" id="3"/>
+          <p:cNvSpPr txBox="true"/>
+          <p:nvPr/>
+        </p:nvSpPr>
+        <p:spPr>
+          <a:xfrm rot="0">
+            <a:off x="264146" y="1777466"/>
+            <a:ext cx="14262029" cy="1189990"/>
+          </a:xfrm>
+          <a:prstGeom prst="rect">
+            <a:avLst/>
+          </a:prstGeom>
+        </p:spPr>
+        <p:txBody>
+          <a:bodyPr anchor="t" rtlCol="false" tIns="0" lIns="0" bIns="0" rIns="0">
+            <a:spAutoFit/>
+          </a:bodyPr>
+          <a:lstStyle/>
+          <a:p>
+            <a:pPr algn="l">
+              <a:lnSpc>
+                <a:spcPts val="4759"/>
+              </a:lnSpc>
+            </a:pPr>
+            <a:r>
+              <a:rPr lang="en-US" sz="3399">
+                <a:solidFill>
+                  <a:srgbClr val="000000"/>
+                </a:solidFill>
+                <a:latin typeface="Eastman Grotesque"/>
+                <a:ea typeface="Eastman Grotesque"/>
+                <a:cs typeface="Eastman Grotesque"/>
+                <a:sym typeface="Eastman Grotesque"/>
+              </a:rPr>
+              <a:t>Panther Press is our school’s own newspaper!</a:t>
+            </a:r>
+          </a:p>
+          <a:p>
+            <a:pPr algn="l" marL="734059" indent="-367030" lvl="1">
+              <a:lnSpc>
+                <a:spcPts val="4759"/>
+              </a:lnSpc>
+              <a:buFont typeface="Arial"/>
+              <a:buChar char="•"/>
+            </a:pPr>
+            <a:r>
+              <a:rPr lang="en-US" sz="3399">
+                <a:solidFill>
+                  <a:srgbClr val="000000"/>
+                </a:solidFill>
+                <a:latin typeface="Eastman Grotesque"/>
+                <a:ea typeface="Eastman Grotesque"/>
+                <a:cs typeface="Eastman Grotesque"/>
+                <a:sym typeface="Eastman Grotesque"/>
+              </a:rPr>
+              <a:t>A monthly newspaper featuring student voices</a:t>
+            </a:r>
+          </a:p>
+        </p:txBody>
+      </p:sp>
+    </p:spTree>
+  </p:cSld>
+  <p:clrMapOvr>
+    <a:masterClrMapping/>
+  </p:clrMapOvr>
+</p:sld>
+</file>
+
+<file path=ppt/slides/slide5.xml><?xml version="1.0" encoding="utf-8"?>
+<p:sld xmlns:p="http://schemas.openxmlformats.org/presentationml/2006/main" xmlns:a="http://schemas.openxmlformats.org/drawingml/2006/main" xmlns:r="http://schemas.openxmlformats.org/officeDocument/2006/relationships">
+  <p:cSld>
+    <p:bg>
+      <p:bgPr>
+        <a:solidFill>
+          <a:srgbClr val="FFFDF8"/>
+        </a:solidFill>
+      </p:bgPr>
+    </p:bg>
+    <p:spTree>
+      <p:nvGrpSpPr>
+        <p:cNvPr id="1" name=""/>
+        <p:cNvGrpSpPr/>
+        <p:nvPr/>
+      </p:nvGrpSpPr>
+      <p:grpSpPr>
+        <a:xfrm>
+          <a:off x="0" y="0"/>
+          <a:ext cx="0" cy="0"/>
+          <a:chOff x="0" y="0"/>
+          <a:chExt cx="0" cy="0"/>
+        </a:xfrm>
+      </p:grpSpPr>
+      <p:sp>
+        <p:nvSpPr>
+          <p:cNvPr name="TextBox 2" id="2"/>
+          <p:cNvSpPr txBox="true"/>
+          <p:nvPr/>
+        </p:nvSpPr>
+        <p:spPr>
+          <a:xfrm rot="0">
+            <a:off x="264146" y="280988"/>
+            <a:ext cx="9958391" cy="1419225"/>
           </a:xfrm>
           <a:prstGeom prst="rect">
             <a:avLst/>
@@ -5632,9 +7663,16 @@
 </p:sld>
 </file>
 
-<file path=ppt/slides/slide5.xml><?xml version="1.0" encoding="utf-8"?>
+<file path=ppt/slides/slide6.xml><?xml version="1.0" encoding="utf-8"?>
 <p:sld xmlns:p="http://schemas.openxmlformats.org/presentationml/2006/main" xmlns:a="http://schemas.openxmlformats.org/drawingml/2006/main" xmlns:r="http://schemas.openxmlformats.org/officeDocument/2006/relationships">
   <p:cSld>
+    <p:bg>
+      <p:bgPr>
+        <a:solidFill>
+          <a:srgbClr val="FFFDF8"/>
+        </a:solidFill>
+      </p:bgPr>
+    </p:bg>
     <p:spTree>
       <p:nvGrpSpPr>
         <p:cNvPr id="1" name=""/>
@@ -5657,8 +7695,8 @@
         </p:nvSpPr>
         <p:spPr>
           <a:xfrm flipH="false" flipV="false" rot="0">
-            <a:off x="568568" y="2008667"/>
-            <a:ext cx="2636840" cy="2763870"/>
+            <a:off x="6481393" y="1781812"/>
+            <a:ext cx="5325213" cy="5581756"/>
           </a:xfrm>
           <a:custGeom>
             <a:avLst/>
@@ -5667,18 +7705,18 @@
             <a:cxnLst/>
             <a:rect r="r" b="b" t="t" l="l"/>
             <a:pathLst>
-              <a:path h="2763870" w="2636840">
+              <a:path h="5581756" w="5325213">
                 <a:moveTo>
                   <a:pt x="0" y="0"/>
                 </a:moveTo>
                 <a:lnTo>
-                  <a:pt x="2636839" y="0"/>
-                </a:lnTo>
-                <a:lnTo>
-                  <a:pt x="2636839" y="2763870"/>
-                </a:lnTo>
-                <a:lnTo>
-                  <a:pt x="0" y="2763870"/>
+                  <a:pt x="5325214" y="0"/>
+                </a:lnTo>
+                <a:lnTo>
+                  <a:pt x="5325214" y="5581757"/>
+                </a:lnTo>
+                <a:lnTo>
+                  <a:pt x="0" y="5581757"/>
                 </a:lnTo>
                 <a:lnTo>
                   <a:pt x="0" y="0"/>
@@ -5709,8 +7747,8 @@
         </p:nvSpPr>
         <p:spPr>
           <a:xfrm rot="0">
-            <a:off x="264146" y="290513"/>
-            <a:ext cx="9958391" cy="1409700"/>
+            <a:off x="8679943" y="3185945"/>
+            <a:ext cx="1483977" cy="2795106"/>
           </a:xfrm>
           <a:prstGeom prst="rect">
             <a:avLst/>
@@ -5722,13 +7760,54 @@
           </a:bodyPr>
           <a:lstStyle/>
           <a:p>
-            <a:pPr algn="l">
-              <a:lnSpc>
-                <a:spcPts val="11040"/>
-              </a:lnSpc>
-            </a:pPr>
-            <a:r>
-              <a:rPr lang="en-US" sz="9200">
+            <a:pPr algn="ctr">
+              <a:lnSpc>
+                <a:spcPts val="22789"/>
+              </a:lnSpc>
+            </a:pPr>
+            <a:r>
+              <a:rPr lang="en-US" sz="16278">
+                <a:solidFill>
+                  <a:srgbClr val="000000"/>
+                </a:solidFill>
+                <a:latin typeface="Eastman Grotesque"/>
+                <a:ea typeface="Eastman Grotesque"/>
+                <a:cs typeface="Eastman Grotesque"/>
+                <a:sym typeface="Eastman Grotesque"/>
+              </a:rPr>
+              <a:t>2</a:t>
+            </a:r>
+          </a:p>
+        </p:txBody>
+      </p:sp>
+      <p:sp>
+        <p:nvSpPr>
+          <p:cNvPr name="TextBox 4" id="4"/>
+          <p:cNvSpPr txBox="true"/>
+          <p:nvPr/>
+        </p:nvSpPr>
+        <p:spPr>
+          <a:xfrm rot="0">
+            <a:off x="7106309" y="7713079"/>
+            <a:ext cx="4700297" cy="792108"/>
+          </a:xfrm>
+          <a:prstGeom prst="rect">
+            <a:avLst/>
+          </a:prstGeom>
+        </p:spPr>
+        <p:txBody>
+          <a:bodyPr anchor="t" rtlCol="false" tIns="0" lIns="0" bIns="0" rIns="0">
+            <a:spAutoFit/>
+          </a:bodyPr>
+          <a:lstStyle/>
+          <a:p>
+            <a:pPr algn="ctr">
+              <a:lnSpc>
+                <a:spcPts val="6456"/>
+              </a:lnSpc>
+            </a:pPr>
+            <a:r>
+              <a:rPr lang="en-US" sz="4612">
                 <a:solidFill>
                   <a:srgbClr val="000000"/>
                 </a:solidFill>
@@ -5742,15 +7821,47 @@
           </a:p>
         </p:txBody>
       </p:sp>
-      <p:sp>
-        <p:nvSpPr>
-          <p:cNvPr name="Freeform 4" id="4"/>
+    </p:spTree>
+  </p:cSld>
+  <p:clrMapOvr>
+    <a:masterClrMapping/>
+  </p:clrMapOvr>
+</p:sld>
+</file>
+
+<file path=ppt/slides/slide7.xml><?xml version="1.0" encoding="utf-8"?>
+<p:sld xmlns:p="http://schemas.openxmlformats.org/presentationml/2006/main" xmlns:a="http://schemas.openxmlformats.org/drawingml/2006/main" xmlns:r="http://schemas.openxmlformats.org/officeDocument/2006/relationships">
+  <p:cSld>
+    <p:bg>
+      <p:bgPr>
+        <a:solidFill>
+          <a:srgbClr val="FFFDF8"/>
+        </a:solidFill>
+      </p:bgPr>
+    </p:bg>
+    <p:spTree>
+      <p:nvGrpSpPr>
+        <p:cNvPr id="1" name=""/>
+        <p:cNvGrpSpPr/>
+        <p:nvPr/>
+      </p:nvGrpSpPr>
+      <p:grpSpPr>
+        <a:xfrm>
+          <a:off x="0" y="0"/>
+          <a:ext cx="0" cy="0"/>
+          <a:chOff x="0" y="0"/>
+          <a:chExt cx="0" cy="0"/>
+        </a:xfrm>
+      </p:grpSpPr>
+      <p:sp>
+        <p:nvSpPr>
+          <p:cNvPr name="Freeform 2" id="2"/>
           <p:cNvSpPr/>
           <p:nvPr/>
         </p:nvSpPr>
         <p:spPr>
           <a:xfrm flipH="false" flipV="false" rot="0">
-            <a:off x="7826128" y="2008667"/>
+            <a:off x="568568" y="2008667"/>
             <a:ext cx="2636840" cy="2763870"/>
           </a:xfrm>
           <a:custGeom>
@@ -5765,10 +7876,10 @@
                   <a:pt x="0" y="0"/>
                 </a:moveTo>
                 <a:lnTo>
-                  <a:pt x="2636840" y="0"/>
-                </a:lnTo>
-                <a:lnTo>
-                  <a:pt x="2636840" y="2763870"/>
+                  <a:pt x="2636839" y="0"/>
+                </a:lnTo>
+                <a:lnTo>
+                  <a:pt x="2636839" y="2763870"/>
                 </a:lnTo>
                 <a:lnTo>
                   <a:pt x="0" y="2763870"/>
@@ -5796,13 +7907,54 @@
       </p:sp>
       <p:sp>
         <p:nvSpPr>
-          <p:cNvPr name="Freeform 5" id="5"/>
+          <p:cNvPr name="TextBox 3" id="3"/>
+          <p:cNvSpPr txBox="true"/>
+          <p:nvPr/>
+        </p:nvSpPr>
+        <p:spPr>
+          <a:xfrm rot="0">
+            <a:off x="264146" y="280988"/>
+            <a:ext cx="9958391" cy="1419225"/>
+          </a:xfrm>
+          <a:prstGeom prst="rect">
+            <a:avLst/>
+          </a:prstGeom>
+        </p:spPr>
+        <p:txBody>
+          <a:bodyPr anchor="t" rtlCol="false" tIns="0" lIns="0" bIns="0" rIns="0">
+            <a:spAutoFit/>
+          </a:bodyPr>
+          <a:lstStyle/>
+          <a:p>
+            <a:pPr algn="l">
+              <a:lnSpc>
+                <a:spcPts val="11040"/>
+              </a:lnSpc>
+            </a:pPr>
+            <a:r>
+              <a:rPr lang="en-US" sz="9200">
+                <a:solidFill>
+                  <a:srgbClr val="000000"/>
+                </a:solidFill>
+                <a:latin typeface="Eastman Grotesque Bold"/>
+                <a:ea typeface="Eastman Grotesque Bold"/>
+                <a:cs typeface="Eastman Grotesque Bold"/>
+                <a:sym typeface="Eastman Grotesque Bold"/>
+              </a:rPr>
+              <a:t>Boards</a:t>
+            </a:r>
+          </a:p>
+        </p:txBody>
+      </p:sp>
+      <p:sp>
+        <p:nvSpPr>
+          <p:cNvPr name="Freeform 4" id="4"/>
           <p:cNvSpPr/>
           <p:nvPr/>
         </p:nvSpPr>
         <p:spPr>
           <a:xfrm flipH="false" flipV="false" rot="0">
-            <a:off x="15082593" y="2008667"/>
+            <a:off x="7826128" y="2008667"/>
             <a:ext cx="2636840" cy="2763870"/>
           </a:xfrm>
           <a:custGeom>
@@ -5817,10 +7969,10 @@
                   <a:pt x="0" y="0"/>
                 </a:moveTo>
                 <a:lnTo>
-                  <a:pt x="2636839" y="0"/>
-                </a:lnTo>
-                <a:lnTo>
-                  <a:pt x="2636839" y="2763870"/>
+                  <a:pt x="2636840" y="0"/>
+                </a:lnTo>
+                <a:lnTo>
+                  <a:pt x="2636840" y="2763870"/>
                 </a:lnTo>
                 <a:lnTo>
                   <a:pt x="0" y="2763870"/>
@@ -5848,259 +8000,13 @@
       </p:sp>
       <p:sp>
         <p:nvSpPr>
-          <p:cNvPr name="TextBox 6" id="6"/>
-          <p:cNvSpPr txBox="true"/>
-          <p:nvPr/>
-        </p:nvSpPr>
-        <p:spPr>
-          <a:xfrm rot="0">
-            <a:off x="1657205" y="2697655"/>
-            <a:ext cx="734808" cy="1390312"/>
-          </a:xfrm>
-          <a:prstGeom prst="rect">
-            <a:avLst/>
-          </a:prstGeom>
-        </p:spPr>
-        <p:txBody>
-          <a:bodyPr anchor="t" rtlCol="false" tIns="0" lIns="0" bIns="0" rIns="0">
-            <a:spAutoFit/>
-          </a:bodyPr>
-          <a:lstStyle/>
-          <a:p>
-            <a:pPr algn="ctr">
-              <a:lnSpc>
-                <a:spcPts val="11284"/>
-              </a:lnSpc>
-            </a:pPr>
-            <a:r>
-              <a:rPr lang="en-US" sz="8060">
-                <a:solidFill>
-                  <a:srgbClr val="000000"/>
-                </a:solidFill>
-                <a:latin typeface="Eastman Grotesque"/>
-                <a:ea typeface="Eastman Grotesque"/>
-                <a:cs typeface="Eastman Grotesque"/>
-                <a:sym typeface="Eastman Grotesque"/>
-              </a:rPr>
-              <a:t>1</a:t>
-            </a:r>
-          </a:p>
-        </p:txBody>
-      </p:sp>
-      <p:sp>
-        <p:nvSpPr>
-          <p:cNvPr name="TextBox 7" id="7"/>
-          <p:cNvSpPr txBox="true"/>
-          <p:nvPr/>
-        </p:nvSpPr>
-        <p:spPr>
-          <a:xfrm rot="0">
-            <a:off x="8895706" y="2697655"/>
-            <a:ext cx="734808" cy="1390312"/>
-          </a:xfrm>
-          <a:prstGeom prst="rect">
-            <a:avLst/>
-          </a:prstGeom>
-        </p:spPr>
-        <p:txBody>
-          <a:bodyPr anchor="t" rtlCol="false" tIns="0" lIns="0" bIns="0" rIns="0">
-            <a:spAutoFit/>
-          </a:bodyPr>
-          <a:lstStyle/>
-          <a:p>
-            <a:pPr algn="ctr">
-              <a:lnSpc>
-                <a:spcPts val="11284"/>
-              </a:lnSpc>
-            </a:pPr>
-            <a:r>
-              <a:rPr lang="en-US" sz="8060">
-                <a:solidFill>
-                  <a:srgbClr val="000000"/>
-                </a:solidFill>
-                <a:latin typeface="Eastman Grotesque"/>
-                <a:ea typeface="Eastman Grotesque"/>
-                <a:cs typeface="Eastman Grotesque"/>
-                <a:sym typeface="Eastman Grotesque"/>
-              </a:rPr>
-              <a:t>2</a:t>
-            </a:r>
-          </a:p>
-        </p:txBody>
-      </p:sp>
-      <p:sp>
-        <p:nvSpPr>
-          <p:cNvPr name="TextBox 8" id="8"/>
-          <p:cNvSpPr txBox="true"/>
-          <p:nvPr/>
-        </p:nvSpPr>
-        <p:spPr>
-          <a:xfrm rot="0">
-            <a:off x="16204786" y="2697655"/>
-            <a:ext cx="734808" cy="1390312"/>
-          </a:xfrm>
-          <a:prstGeom prst="rect">
-            <a:avLst/>
-          </a:prstGeom>
-        </p:spPr>
-        <p:txBody>
-          <a:bodyPr anchor="t" rtlCol="false" tIns="0" lIns="0" bIns="0" rIns="0">
-            <a:spAutoFit/>
-          </a:bodyPr>
-          <a:lstStyle/>
-          <a:p>
-            <a:pPr algn="ctr">
-              <a:lnSpc>
-                <a:spcPts val="11284"/>
-              </a:lnSpc>
-            </a:pPr>
-            <a:r>
-              <a:rPr lang="en-US" sz="8060">
-                <a:solidFill>
-                  <a:srgbClr val="000000"/>
-                </a:solidFill>
-                <a:latin typeface="Eastman Grotesque"/>
-                <a:ea typeface="Eastman Grotesque"/>
-                <a:cs typeface="Eastman Grotesque"/>
-                <a:sym typeface="Eastman Grotesque"/>
-              </a:rPr>
-              <a:t>3</a:t>
-            </a:r>
-          </a:p>
-        </p:txBody>
-      </p:sp>
-      <p:sp>
-        <p:nvSpPr>
-          <p:cNvPr name="TextBox 9" id="9"/>
-          <p:cNvSpPr txBox="true"/>
-          <p:nvPr/>
-        </p:nvSpPr>
-        <p:spPr>
-          <a:xfrm rot="0">
-            <a:off x="878002" y="4945140"/>
-            <a:ext cx="2327406" cy="392682"/>
-          </a:xfrm>
-          <a:prstGeom prst="rect">
-            <a:avLst/>
-          </a:prstGeom>
-        </p:spPr>
-        <p:txBody>
-          <a:bodyPr anchor="t" rtlCol="false" tIns="0" lIns="0" bIns="0" rIns="0">
-            <a:spAutoFit/>
-          </a:bodyPr>
-          <a:lstStyle/>
-          <a:p>
-            <a:pPr algn="ctr">
-              <a:lnSpc>
-                <a:spcPts val="3197"/>
-              </a:lnSpc>
-            </a:pPr>
-            <a:r>
-              <a:rPr lang="en-US" sz="2283">
-                <a:solidFill>
-                  <a:srgbClr val="000000"/>
-                </a:solidFill>
-                <a:latin typeface="Eastman Grotesque Bold"/>
-                <a:ea typeface="Eastman Grotesque Bold"/>
-                <a:cs typeface="Eastman Grotesque Bold"/>
-                <a:sym typeface="Eastman Grotesque Bold"/>
-              </a:rPr>
-              <a:t>News</a:t>
-            </a:r>
-          </a:p>
-        </p:txBody>
-      </p:sp>
-      <p:sp>
-        <p:nvSpPr>
-          <p:cNvPr name="TextBox 10" id="10"/>
-          <p:cNvSpPr txBox="true"/>
-          <p:nvPr/>
-        </p:nvSpPr>
-        <p:spPr>
-          <a:xfrm rot="0">
-            <a:off x="8099407" y="4945140"/>
-            <a:ext cx="2327406" cy="392682"/>
-          </a:xfrm>
-          <a:prstGeom prst="rect">
-            <a:avLst/>
-          </a:prstGeom>
-        </p:spPr>
-        <p:txBody>
-          <a:bodyPr anchor="t" rtlCol="false" tIns="0" lIns="0" bIns="0" rIns="0">
-            <a:spAutoFit/>
-          </a:bodyPr>
-          <a:lstStyle/>
-          <a:p>
-            <a:pPr algn="ctr">
-              <a:lnSpc>
-                <a:spcPts val="3197"/>
-              </a:lnSpc>
-            </a:pPr>
-            <a:r>
-              <a:rPr lang="en-US" sz="2283">
-                <a:solidFill>
-                  <a:srgbClr val="000000"/>
-                </a:solidFill>
-                <a:latin typeface="Eastman Grotesque Bold"/>
-                <a:ea typeface="Eastman Grotesque Bold"/>
-                <a:cs typeface="Eastman Grotesque Bold"/>
-                <a:sym typeface="Eastman Grotesque Bold"/>
-              </a:rPr>
-              <a:t>Editorial</a:t>
-            </a:r>
-          </a:p>
-        </p:txBody>
-      </p:sp>
-      <p:sp>
-        <p:nvSpPr>
-          <p:cNvPr name="TextBox 11" id="11"/>
-          <p:cNvSpPr txBox="true"/>
-          <p:nvPr/>
-        </p:nvSpPr>
-        <p:spPr>
-          <a:xfrm rot="0">
-            <a:off x="15321545" y="4945140"/>
-            <a:ext cx="2327406" cy="392682"/>
-          </a:xfrm>
-          <a:prstGeom prst="rect">
-            <a:avLst/>
-          </a:prstGeom>
-        </p:spPr>
-        <p:txBody>
-          <a:bodyPr anchor="t" rtlCol="false" tIns="0" lIns="0" bIns="0" rIns="0">
-            <a:spAutoFit/>
-          </a:bodyPr>
-          <a:lstStyle/>
-          <a:p>
-            <a:pPr algn="ctr">
-              <a:lnSpc>
-                <a:spcPts val="3197"/>
-              </a:lnSpc>
-            </a:pPr>
-            <a:r>
-              <a:rPr lang="en-US" sz="2283">
-                <a:solidFill>
-                  <a:srgbClr val="000000"/>
-                </a:solidFill>
-                <a:latin typeface="Eastman Grotesque Bold"/>
-                <a:ea typeface="Eastman Grotesque Bold"/>
-                <a:cs typeface="Eastman Grotesque Bold"/>
-                <a:sym typeface="Eastman Grotesque Bold"/>
-              </a:rPr>
-              <a:t>Life</a:t>
-            </a:r>
-          </a:p>
-        </p:txBody>
-      </p:sp>
-      <p:sp>
-        <p:nvSpPr>
-          <p:cNvPr name="Freeform 12" id="12"/>
+          <p:cNvPr name="Freeform 5" id="5"/>
           <p:cNvSpPr/>
           <p:nvPr/>
         </p:nvSpPr>
         <p:spPr>
           <a:xfrm flipH="false" flipV="false" rot="0">
-            <a:off x="568568" y="5929145"/>
+            <a:off x="15082593" y="2008667"/>
             <a:ext cx="2636840" cy="2763870"/>
           </a:xfrm>
           <a:custGeom>
@@ -6146,13 +8052,259 @@
       </p:sp>
       <p:sp>
         <p:nvSpPr>
-          <p:cNvPr name="Freeform 13" id="13"/>
+          <p:cNvPr name="TextBox 6" id="6"/>
+          <p:cNvSpPr txBox="true"/>
+          <p:nvPr/>
+        </p:nvSpPr>
+        <p:spPr>
+          <a:xfrm rot="0">
+            <a:off x="1657205" y="2697655"/>
+            <a:ext cx="734808" cy="1390312"/>
+          </a:xfrm>
+          <a:prstGeom prst="rect">
+            <a:avLst/>
+          </a:prstGeom>
+        </p:spPr>
+        <p:txBody>
+          <a:bodyPr anchor="t" rtlCol="false" tIns="0" lIns="0" bIns="0" rIns="0">
+            <a:spAutoFit/>
+          </a:bodyPr>
+          <a:lstStyle/>
+          <a:p>
+            <a:pPr algn="ctr">
+              <a:lnSpc>
+                <a:spcPts val="11284"/>
+              </a:lnSpc>
+            </a:pPr>
+            <a:r>
+              <a:rPr lang="en-US" sz="8060">
+                <a:solidFill>
+                  <a:srgbClr val="000000"/>
+                </a:solidFill>
+                <a:latin typeface="Eastman Grotesque"/>
+                <a:ea typeface="Eastman Grotesque"/>
+                <a:cs typeface="Eastman Grotesque"/>
+                <a:sym typeface="Eastman Grotesque"/>
+              </a:rPr>
+              <a:t>1</a:t>
+            </a:r>
+          </a:p>
+        </p:txBody>
+      </p:sp>
+      <p:sp>
+        <p:nvSpPr>
+          <p:cNvPr name="TextBox 7" id="7"/>
+          <p:cNvSpPr txBox="true"/>
+          <p:nvPr/>
+        </p:nvSpPr>
+        <p:spPr>
+          <a:xfrm rot="0">
+            <a:off x="8895706" y="2697655"/>
+            <a:ext cx="734808" cy="1390312"/>
+          </a:xfrm>
+          <a:prstGeom prst="rect">
+            <a:avLst/>
+          </a:prstGeom>
+        </p:spPr>
+        <p:txBody>
+          <a:bodyPr anchor="t" rtlCol="false" tIns="0" lIns="0" bIns="0" rIns="0">
+            <a:spAutoFit/>
+          </a:bodyPr>
+          <a:lstStyle/>
+          <a:p>
+            <a:pPr algn="ctr">
+              <a:lnSpc>
+                <a:spcPts val="11284"/>
+              </a:lnSpc>
+            </a:pPr>
+            <a:r>
+              <a:rPr lang="en-US" sz="8060">
+                <a:solidFill>
+                  <a:srgbClr val="000000"/>
+                </a:solidFill>
+                <a:latin typeface="Eastman Grotesque"/>
+                <a:ea typeface="Eastman Grotesque"/>
+                <a:cs typeface="Eastman Grotesque"/>
+                <a:sym typeface="Eastman Grotesque"/>
+              </a:rPr>
+              <a:t>2</a:t>
+            </a:r>
+          </a:p>
+        </p:txBody>
+      </p:sp>
+      <p:sp>
+        <p:nvSpPr>
+          <p:cNvPr name="TextBox 8" id="8"/>
+          <p:cNvSpPr txBox="true"/>
+          <p:nvPr/>
+        </p:nvSpPr>
+        <p:spPr>
+          <a:xfrm rot="0">
+            <a:off x="16204786" y="2697655"/>
+            <a:ext cx="734808" cy="1390312"/>
+          </a:xfrm>
+          <a:prstGeom prst="rect">
+            <a:avLst/>
+          </a:prstGeom>
+        </p:spPr>
+        <p:txBody>
+          <a:bodyPr anchor="t" rtlCol="false" tIns="0" lIns="0" bIns="0" rIns="0">
+            <a:spAutoFit/>
+          </a:bodyPr>
+          <a:lstStyle/>
+          <a:p>
+            <a:pPr algn="ctr">
+              <a:lnSpc>
+                <a:spcPts val="11284"/>
+              </a:lnSpc>
+            </a:pPr>
+            <a:r>
+              <a:rPr lang="en-US" sz="8060">
+                <a:solidFill>
+                  <a:srgbClr val="000000"/>
+                </a:solidFill>
+                <a:latin typeface="Eastman Grotesque"/>
+                <a:ea typeface="Eastman Grotesque"/>
+                <a:cs typeface="Eastman Grotesque"/>
+                <a:sym typeface="Eastman Grotesque"/>
+              </a:rPr>
+              <a:t>3</a:t>
+            </a:r>
+          </a:p>
+        </p:txBody>
+      </p:sp>
+      <p:sp>
+        <p:nvSpPr>
+          <p:cNvPr name="TextBox 9" id="9"/>
+          <p:cNvSpPr txBox="true"/>
+          <p:nvPr/>
+        </p:nvSpPr>
+        <p:spPr>
+          <a:xfrm rot="0">
+            <a:off x="878002" y="4935615"/>
+            <a:ext cx="2327406" cy="402207"/>
+          </a:xfrm>
+          <a:prstGeom prst="rect">
+            <a:avLst/>
+          </a:prstGeom>
+        </p:spPr>
+        <p:txBody>
+          <a:bodyPr anchor="t" rtlCol="false" tIns="0" lIns="0" bIns="0" rIns="0">
+            <a:spAutoFit/>
+          </a:bodyPr>
+          <a:lstStyle/>
+          <a:p>
+            <a:pPr algn="ctr">
+              <a:lnSpc>
+                <a:spcPts val="3197"/>
+              </a:lnSpc>
+            </a:pPr>
+            <a:r>
+              <a:rPr lang="en-US" sz="2283">
+                <a:solidFill>
+                  <a:srgbClr val="000000"/>
+                </a:solidFill>
+                <a:latin typeface="Eastman Grotesque Bold"/>
+                <a:ea typeface="Eastman Grotesque Bold"/>
+                <a:cs typeface="Eastman Grotesque Bold"/>
+                <a:sym typeface="Eastman Grotesque Bold"/>
+              </a:rPr>
+              <a:t>News</a:t>
+            </a:r>
+          </a:p>
+        </p:txBody>
+      </p:sp>
+      <p:sp>
+        <p:nvSpPr>
+          <p:cNvPr name="TextBox 10" id="10"/>
+          <p:cNvSpPr txBox="true"/>
+          <p:nvPr/>
+        </p:nvSpPr>
+        <p:spPr>
+          <a:xfrm rot="0">
+            <a:off x="8099407" y="4935615"/>
+            <a:ext cx="2327406" cy="402207"/>
+          </a:xfrm>
+          <a:prstGeom prst="rect">
+            <a:avLst/>
+          </a:prstGeom>
+        </p:spPr>
+        <p:txBody>
+          <a:bodyPr anchor="t" rtlCol="false" tIns="0" lIns="0" bIns="0" rIns="0">
+            <a:spAutoFit/>
+          </a:bodyPr>
+          <a:lstStyle/>
+          <a:p>
+            <a:pPr algn="ctr">
+              <a:lnSpc>
+                <a:spcPts val="3197"/>
+              </a:lnSpc>
+            </a:pPr>
+            <a:r>
+              <a:rPr lang="en-US" sz="2283">
+                <a:solidFill>
+                  <a:srgbClr val="000000"/>
+                </a:solidFill>
+                <a:latin typeface="Eastman Grotesque Bold"/>
+                <a:ea typeface="Eastman Grotesque Bold"/>
+                <a:cs typeface="Eastman Grotesque Bold"/>
+                <a:sym typeface="Eastman Grotesque Bold"/>
+              </a:rPr>
+              <a:t>Editorial</a:t>
+            </a:r>
+          </a:p>
+        </p:txBody>
+      </p:sp>
+      <p:sp>
+        <p:nvSpPr>
+          <p:cNvPr name="TextBox 11" id="11"/>
+          <p:cNvSpPr txBox="true"/>
+          <p:nvPr/>
+        </p:nvSpPr>
+        <p:spPr>
+          <a:xfrm rot="0">
+            <a:off x="15321545" y="4935615"/>
+            <a:ext cx="2327406" cy="402207"/>
+          </a:xfrm>
+          <a:prstGeom prst="rect">
+            <a:avLst/>
+          </a:prstGeom>
+        </p:spPr>
+        <p:txBody>
+          <a:bodyPr anchor="t" rtlCol="false" tIns="0" lIns="0" bIns="0" rIns="0">
+            <a:spAutoFit/>
+          </a:bodyPr>
+          <a:lstStyle/>
+          <a:p>
+            <a:pPr algn="ctr">
+              <a:lnSpc>
+                <a:spcPts val="3197"/>
+              </a:lnSpc>
+            </a:pPr>
+            <a:r>
+              <a:rPr lang="en-US" sz="2283">
+                <a:solidFill>
+                  <a:srgbClr val="000000"/>
+                </a:solidFill>
+                <a:latin typeface="Eastman Grotesque Bold"/>
+                <a:ea typeface="Eastman Grotesque Bold"/>
+                <a:cs typeface="Eastman Grotesque Bold"/>
+                <a:sym typeface="Eastman Grotesque Bold"/>
+              </a:rPr>
+              <a:t>Life</a:t>
+            </a:r>
+          </a:p>
+        </p:txBody>
+      </p:sp>
+      <p:sp>
+        <p:nvSpPr>
+          <p:cNvPr name="Freeform 12" id="12"/>
           <p:cNvSpPr/>
           <p:nvPr/>
         </p:nvSpPr>
         <p:spPr>
           <a:xfrm flipH="false" flipV="false" rot="0">
-            <a:off x="7826128" y="5929145"/>
+            <a:off x="568568" y="5929145"/>
             <a:ext cx="2636840" cy="2763870"/>
           </a:xfrm>
           <a:custGeom>
@@ -6167,10 +8319,10 @@
                   <a:pt x="0" y="0"/>
                 </a:moveTo>
                 <a:lnTo>
-                  <a:pt x="2636840" y="0"/>
-                </a:lnTo>
-                <a:lnTo>
-                  <a:pt x="2636840" y="2763870"/>
+                  <a:pt x="2636839" y="0"/>
+                </a:lnTo>
+                <a:lnTo>
+                  <a:pt x="2636839" y="2763870"/>
                 </a:lnTo>
                 <a:lnTo>
                   <a:pt x="0" y="2763870"/>
@@ -6198,13 +8350,13 @@
       </p:sp>
       <p:sp>
         <p:nvSpPr>
-          <p:cNvPr name="Freeform 14" id="14"/>
+          <p:cNvPr name="Freeform 13" id="13"/>
           <p:cNvSpPr/>
           <p:nvPr/>
         </p:nvSpPr>
         <p:spPr>
           <a:xfrm flipH="false" flipV="false" rot="0">
-            <a:off x="15082593" y="5929145"/>
+            <a:off x="7826128" y="5929145"/>
             <a:ext cx="2636840" cy="2763870"/>
           </a:xfrm>
           <a:custGeom>
@@ -6219,10 +8371,10 @@
                   <a:pt x="0" y="0"/>
                 </a:moveTo>
                 <a:lnTo>
-                  <a:pt x="2636839" y="0"/>
-                </a:lnTo>
-                <a:lnTo>
-                  <a:pt x="2636839" y="2763870"/>
+                  <a:pt x="2636840" y="0"/>
+                </a:lnTo>
+                <a:lnTo>
+                  <a:pt x="2636840" y="2763870"/>
                 </a:lnTo>
                 <a:lnTo>
                   <a:pt x="0" y="2763870"/>
@@ -6250,285 +8402,14 @@
       </p:sp>
       <p:sp>
         <p:nvSpPr>
-          <p:cNvPr name="TextBox 15" id="15"/>
-          <p:cNvSpPr txBox="true"/>
-          <p:nvPr/>
-        </p:nvSpPr>
-        <p:spPr>
-          <a:xfrm rot="0">
-            <a:off x="1657205" y="6618133"/>
-            <a:ext cx="734808" cy="1390312"/>
-          </a:xfrm>
-          <a:prstGeom prst="rect">
-            <a:avLst/>
-          </a:prstGeom>
-        </p:spPr>
-        <p:txBody>
-          <a:bodyPr anchor="t" rtlCol="false" tIns="0" lIns="0" bIns="0" rIns="0">
-            <a:spAutoFit/>
-          </a:bodyPr>
-          <a:lstStyle/>
-          <a:p>
-            <a:pPr algn="ctr">
-              <a:lnSpc>
-                <a:spcPts val="11284"/>
-              </a:lnSpc>
-            </a:pPr>
-            <a:r>
-              <a:rPr lang="en-US" sz="8060">
-                <a:solidFill>
-                  <a:srgbClr val="000000"/>
-                </a:solidFill>
-                <a:latin typeface="Eastman Grotesque"/>
-                <a:ea typeface="Eastman Grotesque"/>
-                <a:cs typeface="Eastman Grotesque"/>
-                <a:sym typeface="Eastman Grotesque"/>
-              </a:rPr>
-              <a:t>4</a:t>
-            </a:r>
-          </a:p>
-        </p:txBody>
-      </p:sp>
-      <p:sp>
-        <p:nvSpPr>
-          <p:cNvPr name="TextBox 16" id="16"/>
-          <p:cNvSpPr txBox="true"/>
-          <p:nvPr/>
-        </p:nvSpPr>
-        <p:spPr>
-          <a:xfrm rot="0">
-            <a:off x="8895706" y="6618133"/>
-            <a:ext cx="734808" cy="1390312"/>
-          </a:xfrm>
-          <a:prstGeom prst="rect">
-            <a:avLst/>
-          </a:prstGeom>
-        </p:spPr>
-        <p:txBody>
-          <a:bodyPr anchor="t" rtlCol="false" tIns="0" lIns="0" bIns="0" rIns="0">
-            <a:spAutoFit/>
-          </a:bodyPr>
-          <a:lstStyle/>
-          <a:p>
-            <a:pPr algn="ctr">
-              <a:lnSpc>
-                <a:spcPts val="11284"/>
-              </a:lnSpc>
-            </a:pPr>
-            <a:r>
-              <a:rPr lang="en-US" sz="8060">
-                <a:solidFill>
-                  <a:srgbClr val="000000"/>
-                </a:solidFill>
-                <a:latin typeface="Eastman Grotesque"/>
-                <a:ea typeface="Eastman Grotesque"/>
-                <a:cs typeface="Eastman Grotesque"/>
-                <a:sym typeface="Eastman Grotesque"/>
-              </a:rPr>
-              <a:t>5</a:t>
-            </a:r>
-          </a:p>
-        </p:txBody>
-      </p:sp>
-      <p:sp>
-        <p:nvSpPr>
-          <p:cNvPr name="TextBox 17" id="17"/>
-          <p:cNvSpPr txBox="true"/>
-          <p:nvPr/>
-        </p:nvSpPr>
-        <p:spPr>
-          <a:xfrm rot="0">
-            <a:off x="16204786" y="6618133"/>
-            <a:ext cx="734808" cy="1390312"/>
-          </a:xfrm>
-          <a:prstGeom prst="rect">
-            <a:avLst/>
-          </a:prstGeom>
-        </p:spPr>
-        <p:txBody>
-          <a:bodyPr anchor="t" rtlCol="false" tIns="0" lIns="0" bIns="0" rIns="0">
-            <a:spAutoFit/>
-          </a:bodyPr>
-          <a:lstStyle/>
-          <a:p>
-            <a:pPr algn="ctr">
-              <a:lnSpc>
-                <a:spcPts val="11284"/>
-              </a:lnSpc>
-            </a:pPr>
-            <a:r>
-              <a:rPr lang="en-US" sz="8060">
-                <a:solidFill>
-                  <a:srgbClr val="000000"/>
-                </a:solidFill>
-                <a:latin typeface="Eastman Grotesque"/>
-                <a:ea typeface="Eastman Grotesque"/>
-                <a:cs typeface="Eastman Grotesque"/>
-                <a:sym typeface="Eastman Grotesque"/>
-              </a:rPr>
-              <a:t>6</a:t>
-            </a:r>
-          </a:p>
-        </p:txBody>
-      </p:sp>
-      <p:sp>
-        <p:nvSpPr>
-          <p:cNvPr name="TextBox 18" id="18"/>
-          <p:cNvSpPr txBox="true"/>
-          <p:nvPr/>
-        </p:nvSpPr>
-        <p:spPr>
-          <a:xfrm rot="0">
-            <a:off x="878002" y="8865618"/>
-            <a:ext cx="2327406" cy="392682"/>
-          </a:xfrm>
-          <a:prstGeom prst="rect">
-            <a:avLst/>
-          </a:prstGeom>
-        </p:spPr>
-        <p:txBody>
-          <a:bodyPr anchor="t" rtlCol="false" tIns="0" lIns="0" bIns="0" rIns="0">
-            <a:spAutoFit/>
-          </a:bodyPr>
-          <a:lstStyle/>
-          <a:p>
-            <a:pPr algn="ctr">
-              <a:lnSpc>
-                <a:spcPts val="3197"/>
-              </a:lnSpc>
-            </a:pPr>
-            <a:r>
-              <a:rPr lang="en-US" sz="2283">
-                <a:solidFill>
-                  <a:srgbClr val="000000"/>
-                </a:solidFill>
-                <a:latin typeface="Eastman Grotesque Bold"/>
-                <a:ea typeface="Eastman Grotesque Bold"/>
-                <a:cs typeface="Eastman Grotesque Bold"/>
-                <a:sym typeface="Eastman Grotesque Bold"/>
-              </a:rPr>
-              <a:t>Visual Arts</a:t>
-            </a:r>
-          </a:p>
-        </p:txBody>
-      </p:sp>
-      <p:sp>
-        <p:nvSpPr>
-          <p:cNvPr name="TextBox 19" id="19"/>
-          <p:cNvSpPr txBox="true"/>
-          <p:nvPr/>
-        </p:nvSpPr>
-        <p:spPr>
-          <a:xfrm rot="0">
-            <a:off x="7944690" y="8865618"/>
-            <a:ext cx="2636840" cy="392682"/>
-          </a:xfrm>
-          <a:prstGeom prst="rect">
-            <a:avLst/>
-          </a:prstGeom>
-        </p:spPr>
-        <p:txBody>
-          <a:bodyPr anchor="t" rtlCol="false" tIns="0" lIns="0" bIns="0" rIns="0">
-            <a:spAutoFit/>
-          </a:bodyPr>
-          <a:lstStyle/>
-          <a:p>
-            <a:pPr algn="ctr">
-              <a:lnSpc>
-                <a:spcPts val="3197"/>
-              </a:lnSpc>
-            </a:pPr>
-            <a:r>
-              <a:rPr lang="en-US" sz="2283">
-                <a:solidFill>
-                  <a:srgbClr val="000000"/>
-                </a:solidFill>
-                <a:latin typeface="Eastman Grotesque Bold"/>
-                <a:ea typeface="Eastman Grotesque Bold"/>
-                <a:cs typeface="Eastman Grotesque Bold"/>
-                <a:sym typeface="Eastman Grotesque Bold"/>
-              </a:rPr>
-              <a:t>Print Development</a:t>
-            </a:r>
-          </a:p>
-        </p:txBody>
-      </p:sp>
-      <p:sp>
-        <p:nvSpPr>
-          <p:cNvPr name="TextBox 20" id="20"/>
-          <p:cNvSpPr txBox="true"/>
-          <p:nvPr/>
-        </p:nvSpPr>
-        <p:spPr>
-          <a:xfrm rot="0">
-            <a:off x="15202069" y="8864465"/>
-            <a:ext cx="2566358" cy="392682"/>
-          </a:xfrm>
-          <a:prstGeom prst="rect">
-            <a:avLst/>
-          </a:prstGeom>
-        </p:spPr>
-        <p:txBody>
-          <a:bodyPr anchor="t" rtlCol="false" tIns="0" lIns="0" bIns="0" rIns="0">
-            <a:spAutoFit/>
-          </a:bodyPr>
-          <a:lstStyle/>
-          <a:p>
-            <a:pPr algn="ctr">
-              <a:lnSpc>
-                <a:spcPts val="3197"/>
-              </a:lnSpc>
-            </a:pPr>
-            <a:r>
-              <a:rPr lang="en-US" sz="2283">
-                <a:solidFill>
-                  <a:srgbClr val="000000"/>
-                </a:solidFill>
-                <a:latin typeface="Eastman Grotesque Bold"/>
-                <a:ea typeface="Eastman Grotesque Bold"/>
-                <a:cs typeface="Eastman Grotesque Bold"/>
-                <a:sym typeface="Eastman Grotesque Bold"/>
-              </a:rPr>
-              <a:t>Web Development</a:t>
-            </a:r>
-          </a:p>
-        </p:txBody>
-      </p:sp>
-    </p:spTree>
-  </p:cSld>
-  <p:clrMapOvr>
-    <a:masterClrMapping/>
-  </p:clrMapOvr>
-</p:sld>
-</file>
-
-<file path=ppt/slides/slide6.xml><?xml version="1.0" encoding="utf-8"?>
-<p:sld xmlns:p="http://schemas.openxmlformats.org/presentationml/2006/main" xmlns:a="http://schemas.openxmlformats.org/drawingml/2006/main" xmlns:r="http://schemas.openxmlformats.org/officeDocument/2006/relationships">
-  <p:cSld>
-    <p:spTree>
-      <p:nvGrpSpPr>
-        <p:cNvPr id="1" name=""/>
-        <p:cNvGrpSpPr/>
-        <p:nvPr/>
-      </p:nvGrpSpPr>
-      <p:grpSpPr>
-        <a:xfrm>
-          <a:off x="0" y="0"/>
-          <a:ext cx="0" cy="0"/>
-          <a:chOff x="0" y="0"/>
-          <a:chExt cx="0" cy="0"/>
-        </a:xfrm>
-      </p:grpSpPr>
-      <p:sp>
-        <p:nvSpPr>
-          <p:cNvPr name="Freeform 2" id="2"/>
+          <p:cNvPr name="Freeform 14" id="14"/>
           <p:cNvSpPr/>
           <p:nvPr/>
         </p:nvSpPr>
         <p:spPr>
           <a:xfrm flipH="false" flipV="false" rot="0">
-            <a:off x="15038518" y="5775131"/>
-            <a:ext cx="2813027" cy="4114800"/>
+            <a:off x="15082593" y="5929145"/>
+            <a:ext cx="2636840" cy="2763870"/>
           </a:xfrm>
           <a:custGeom>
             <a:avLst/>
@@ -6537,18 +8418,18 @@
             <a:cxnLst/>
             <a:rect r="r" b="b" t="t" l="l"/>
             <a:pathLst>
-              <a:path h="4114800" w="2813027">
+              <a:path h="2763870" w="2636840">
                 <a:moveTo>
                   <a:pt x="0" y="0"/>
                 </a:moveTo>
                 <a:lnTo>
-                  <a:pt x="2813027" y="0"/>
-                </a:lnTo>
-                <a:lnTo>
-                  <a:pt x="2813027" y="4114800"/>
-                </a:lnTo>
-                <a:lnTo>
-                  <a:pt x="0" y="4114800"/>
+                  <a:pt x="2636839" y="0"/>
+                </a:lnTo>
+                <a:lnTo>
+                  <a:pt x="2636839" y="2763870"/>
+                </a:lnTo>
+                <a:lnTo>
+                  <a:pt x="0" y="2763870"/>
                 </a:lnTo>
                 <a:lnTo>
                   <a:pt x="0" y="0"/>
@@ -6573,14 +8454,14 @@
       </p:sp>
       <p:sp>
         <p:nvSpPr>
-          <p:cNvPr name="TextBox 3" id="3"/>
+          <p:cNvPr name="TextBox 15" id="15"/>
           <p:cNvSpPr txBox="true"/>
           <p:nvPr/>
         </p:nvSpPr>
         <p:spPr>
           <a:xfrm rot="0">
-            <a:off x="264146" y="290513"/>
-            <a:ext cx="9958391" cy="1409700"/>
+            <a:off x="1657205" y="6618133"/>
+            <a:ext cx="734808" cy="1390312"/>
           </a:xfrm>
           <a:prstGeom prst="rect">
             <a:avLst/>
@@ -6592,13 +8473,136 @@
           </a:bodyPr>
           <a:lstStyle/>
           <a:p>
-            <a:pPr algn="l">
-              <a:lnSpc>
-                <a:spcPts val="11040"/>
-              </a:lnSpc>
-            </a:pPr>
-            <a:r>
-              <a:rPr lang="en-US" sz="9200">
+            <a:pPr algn="ctr">
+              <a:lnSpc>
+                <a:spcPts val="11284"/>
+              </a:lnSpc>
+            </a:pPr>
+            <a:r>
+              <a:rPr lang="en-US" sz="8060">
+                <a:solidFill>
+                  <a:srgbClr val="000000"/>
+                </a:solidFill>
+                <a:latin typeface="Eastman Grotesque"/>
+                <a:ea typeface="Eastman Grotesque"/>
+                <a:cs typeface="Eastman Grotesque"/>
+                <a:sym typeface="Eastman Grotesque"/>
+              </a:rPr>
+              <a:t>4</a:t>
+            </a:r>
+          </a:p>
+        </p:txBody>
+      </p:sp>
+      <p:sp>
+        <p:nvSpPr>
+          <p:cNvPr name="TextBox 16" id="16"/>
+          <p:cNvSpPr txBox="true"/>
+          <p:nvPr/>
+        </p:nvSpPr>
+        <p:spPr>
+          <a:xfrm rot="0">
+            <a:off x="8895706" y="6618133"/>
+            <a:ext cx="734808" cy="1390312"/>
+          </a:xfrm>
+          <a:prstGeom prst="rect">
+            <a:avLst/>
+          </a:prstGeom>
+        </p:spPr>
+        <p:txBody>
+          <a:bodyPr anchor="t" rtlCol="false" tIns="0" lIns="0" bIns="0" rIns="0">
+            <a:spAutoFit/>
+          </a:bodyPr>
+          <a:lstStyle/>
+          <a:p>
+            <a:pPr algn="ctr">
+              <a:lnSpc>
+                <a:spcPts val="11284"/>
+              </a:lnSpc>
+            </a:pPr>
+            <a:r>
+              <a:rPr lang="en-US" sz="8060">
+                <a:solidFill>
+                  <a:srgbClr val="000000"/>
+                </a:solidFill>
+                <a:latin typeface="Eastman Grotesque"/>
+                <a:ea typeface="Eastman Grotesque"/>
+                <a:cs typeface="Eastman Grotesque"/>
+                <a:sym typeface="Eastman Grotesque"/>
+              </a:rPr>
+              <a:t>5</a:t>
+            </a:r>
+          </a:p>
+        </p:txBody>
+      </p:sp>
+      <p:sp>
+        <p:nvSpPr>
+          <p:cNvPr name="TextBox 17" id="17"/>
+          <p:cNvSpPr txBox="true"/>
+          <p:nvPr/>
+        </p:nvSpPr>
+        <p:spPr>
+          <a:xfrm rot="0">
+            <a:off x="16204786" y="6618133"/>
+            <a:ext cx="734808" cy="1390312"/>
+          </a:xfrm>
+          <a:prstGeom prst="rect">
+            <a:avLst/>
+          </a:prstGeom>
+        </p:spPr>
+        <p:txBody>
+          <a:bodyPr anchor="t" rtlCol="false" tIns="0" lIns="0" bIns="0" rIns="0">
+            <a:spAutoFit/>
+          </a:bodyPr>
+          <a:lstStyle/>
+          <a:p>
+            <a:pPr algn="ctr">
+              <a:lnSpc>
+                <a:spcPts val="11284"/>
+              </a:lnSpc>
+            </a:pPr>
+            <a:r>
+              <a:rPr lang="en-US" sz="8060">
+                <a:solidFill>
+                  <a:srgbClr val="000000"/>
+                </a:solidFill>
+                <a:latin typeface="Eastman Grotesque"/>
+                <a:ea typeface="Eastman Grotesque"/>
+                <a:cs typeface="Eastman Grotesque"/>
+                <a:sym typeface="Eastman Grotesque"/>
+              </a:rPr>
+              <a:t>6</a:t>
+            </a:r>
+          </a:p>
+        </p:txBody>
+      </p:sp>
+      <p:sp>
+        <p:nvSpPr>
+          <p:cNvPr name="TextBox 18" id="18"/>
+          <p:cNvSpPr txBox="true"/>
+          <p:nvPr/>
+        </p:nvSpPr>
+        <p:spPr>
+          <a:xfrm rot="0">
+            <a:off x="878002" y="8856093"/>
+            <a:ext cx="2327406" cy="402207"/>
+          </a:xfrm>
+          <a:prstGeom prst="rect">
+            <a:avLst/>
+          </a:prstGeom>
+        </p:spPr>
+        <p:txBody>
+          <a:bodyPr anchor="t" rtlCol="false" tIns="0" lIns="0" bIns="0" rIns="0">
+            <a:spAutoFit/>
+          </a:bodyPr>
+          <a:lstStyle/>
+          <a:p>
+            <a:pPr algn="ctr">
+              <a:lnSpc>
+                <a:spcPts val="3197"/>
+              </a:lnSpc>
+            </a:pPr>
+            <a:r>
+              <a:rPr lang="en-US" sz="2283">
                 <a:solidFill>
                   <a:srgbClr val="000000"/>
                 </a:solidFill>
@@ -6607,21 +8611,21 @@
                 <a:cs typeface="Eastman Grotesque Bold"/>
                 <a:sym typeface="Eastman Grotesque Bold"/>
               </a:rPr>
-              <a:t>News Board</a:t>
-            </a:r>
-          </a:p>
-        </p:txBody>
-      </p:sp>
-      <p:sp>
-        <p:nvSpPr>
-          <p:cNvPr name="TextBox 4" id="4"/>
+              <a:t>Visual Arts</a:t>
+            </a:r>
+          </a:p>
+        </p:txBody>
+      </p:sp>
+      <p:sp>
+        <p:nvSpPr>
+          <p:cNvPr name="TextBox 19" id="19"/>
           <p:cNvSpPr txBox="true"/>
           <p:nvPr/>
         </p:nvSpPr>
         <p:spPr>
           <a:xfrm rot="0">
-            <a:off x="264146" y="1786991"/>
-            <a:ext cx="17326273" cy="3580765"/>
+            <a:off x="7944690" y="8856093"/>
+            <a:ext cx="2636840" cy="402207"/>
           </a:xfrm>
           <a:prstGeom prst="rect">
             <a:avLst/>
@@ -6633,129 +8637,63 @@
           </a:bodyPr>
           <a:lstStyle/>
           <a:p>
-            <a:pPr algn="l" marL="734059" indent="-367030" lvl="1">
-              <a:lnSpc>
-                <a:spcPts val="4759"/>
-              </a:lnSpc>
-              <a:buFont typeface="Arial"/>
-              <a:buChar char="•"/>
-            </a:pPr>
-            <a:r>
-              <a:rPr lang="en-US" sz="3399">
+            <a:pPr algn="ctr">
+              <a:lnSpc>
+                <a:spcPts val="3197"/>
+              </a:lnSpc>
+            </a:pPr>
+            <a:r>
+              <a:rPr lang="en-US" sz="2283">
                 <a:solidFill>
                   <a:srgbClr val="000000"/>
                 </a:solidFill>
-                <a:latin typeface="Eastman Grotesque"/>
-                <a:ea typeface="Eastman Grotesque"/>
-                <a:cs typeface="Eastman Grotesque"/>
-                <a:sym typeface="Eastman Grotesque"/>
-              </a:rPr>
-              <a:t>In charge of reporting events around the school and occasionally the world</a:t>
-            </a:r>
-          </a:p>
-          <a:p>
-            <a:pPr algn="l" marL="734059" indent="-367030" lvl="1">
-              <a:lnSpc>
-                <a:spcPts val="4759"/>
-              </a:lnSpc>
-              <a:buFont typeface="Arial"/>
-              <a:buChar char="•"/>
-            </a:pPr>
-            <a:r>
-              <a:rPr lang="en-US" sz="3399">
+                <a:latin typeface="Eastman Grotesque Bold"/>
+                <a:ea typeface="Eastman Grotesque Bold"/>
+                <a:cs typeface="Eastman Grotesque Bold"/>
+                <a:sym typeface="Eastman Grotesque Bold"/>
+              </a:rPr>
+              <a:t>Print Development</a:t>
+            </a:r>
+          </a:p>
+        </p:txBody>
+      </p:sp>
+      <p:sp>
+        <p:nvSpPr>
+          <p:cNvPr name="TextBox 20" id="20"/>
+          <p:cNvSpPr txBox="true"/>
+          <p:nvPr/>
+        </p:nvSpPr>
+        <p:spPr>
+          <a:xfrm rot="0">
+            <a:off x="15202069" y="8854940"/>
+            <a:ext cx="2566358" cy="402207"/>
+          </a:xfrm>
+          <a:prstGeom prst="rect">
+            <a:avLst/>
+          </a:prstGeom>
+        </p:spPr>
+        <p:txBody>
+          <a:bodyPr anchor="t" rtlCol="false" tIns="0" lIns="0" bIns="0" rIns="0">
+            <a:spAutoFit/>
+          </a:bodyPr>
+          <a:lstStyle/>
+          <a:p>
+            <a:pPr algn="ctr">
+              <a:lnSpc>
+                <a:spcPts val="3197"/>
+              </a:lnSpc>
+            </a:pPr>
+            <a:r>
+              <a:rPr lang="en-US" sz="2283">
                 <a:solidFill>
                   <a:srgbClr val="000000"/>
                 </a:solidFill>
-                <a:latin typeface="Eastman Grotesque"/>
-                <a:ea typeface="Eastman Grotesque"/>
-                <a:cs typeface="Eastman Grotesque"/>
-                <a:sym typeface="Eastman Grotesque"/>
-              </a:rPr>
-              <a:t>Includes:</a:t>
-            </a:r>
-          </a:p>
-          <a:p>
-            <a:pPr algn="l" marL="1468119" indent="-489373" lvl="2">
-              <a:lnSpc>
-                <a:spcPts val="4759"/>
-              </a:lnSpc>
-              <a:buFont typeface="Arial"/>
-              <a:buChar char="⚬"/>
-            </a:pPr>
-            <a:r>
-              <a:rPr lang="en-US" sz="3399">
-                <a:solidFill>
-                  <a:srgbClr val="000000"/>
-                </a:solidFill>
-                <a:latin typeface="Eastman Grotesque"/>
-                <a:ea typeface="Eastman Grotesque"/>
-                <a:cs typeface="Eastman Grotesque"/>
-                <a:sym typeface="Eastman Grotesque"/>
-              </a:rPr>
-              <a:t>School events</a:t>
-            </a:r>
-          </a:p>
-          <a:p>
-            <a:pPr algn="l" marL="1468119" indent="-489373" lvl="2">
-              <a:lnSpc>
-                <a:spcPts val="4759"/>
-              </a:lnSpc>
-              <a:buFont typeface="Arial"/>
-              <a:buChar char="⚬"/>
-            </a:pPr>
-            <a:r>
-              <a:rPr lang="en-US" sz="3399">
-                <a:solidFill>
-                  <a:srgbClr val="000000"/>
-                </a:solidFill>
-                <a:latin typeface="Eastman Grotesque"/>
-                <a:ea typeface="Eastman Grotesque"/>
-                <a:cs typeface="Eastman Grotesque"/>
-                <a:sym typeface="Eastman Grotesque"/>
-              </a:rPr>
-              <a:t>School clubs</a:t>
-            </a:r>
-          </a:p>
-          <a:p>
-            <a:pPr algn="l" marL="1468119" indent="-489373" lvl="2">
-              <a:lnSpc>
-                <a:spcPts val="4759"/>
-              </a:lnSpc>
-              <a:buFont typeface="Arial"/>
-              <a:buChar char="⚬"/>
-            </a:pPr>
-            <a:r>
-              <a:rPr lang="en-US" sz="3399">
-                <a:solidFill>
-                  <a:srgbClr val="000000"/>
-                </a:solidFill>
-                <a:latin typeface="Eastman Grotesque"/>
-                <a:ea typeface="Eastman Grotesque"/>
-                <a:cs typeface="Eastman Grotesque"/>
-                <a:sym typeface="Eastman Grotesque"/>
-              </a:rPr>
-              <a:t>Interviews</a:t>
-            </a:r>
-          </a:p>
-          <a:p>
-            <a:pPr algn="l" marL="1468119" indent="-489373" lvl="2">
-              <a:lnSpc>
-                <a:spcPts val="4759"/>
-              </a:lnSpc>
-              <a:buFont typeface="Arial"/>
-              <a:buChar char="⚬"/>
-            </a:pPr>
-            <a:r>
-              <a:rPr lang="en-US" sz="3399">
-                <a:solidFill>
-                  <a:srgbClr val="000000"/>
-                </a:solidFill>
-                <a:latin typeface="Eastman Grotesque"/>
-                <a:ea typeface="Eastman Grotesque"/>
-                <a:cs typeface="Eastman Grotesque"/>
-                <a:sym typeface="Eastman Grotesque"/>
-              </a:rPr>
-              <a:t>Issues around the school</a:t>
+                <a:latin typeface="Eastman Grotesque Bold"/>
+                <a:ea typeface="Eastman Grotesque Bold"/>
+                <a:cs typeface="Eastman Grotesque Bold"/>
+                <a:sym typeface="Eastman Grotesque Bold"/>
+              </a:rPr>
+              <a:t>Web Development</a:t>
             </a:r>
           </a:p>
         </p:txBody>
@@ -6768,9 +8706,16 @@
 </p:sld>
 </file>
 
-<file path=ppt/slides/slide7.xml><?xml version="1.0" encoding="utf-8"?>
-<p:sld xmlns:p="http://schemas.openxmlformats.org/presentationml/2006/main" xmlns:a="http://schemas.openxmlformats.org/drawingml/2006/main">
+<file path=ppt/slides/slide8.xml><?xml version="1.0" encoding="utf-8"?>
+<p:sld xmlns:p="http://schemas.openxmlformats.org/presentationml/2006/main" xmlns:a="http://schemas.openxmlformats.org/drawingml/2006/main" xmlns:r="http://schemas.openxmlformats.org/officeDocument/2006/relationships">
   <p:cSld>
+    <p:bg>
+      <p:bgPr>
+        <a:solidFill>
+          <a:srgbClr val="FFFDF8"/>
+        </a:solidFill>
+      </p:bgPr>
+    </p:bg>
     <p:spTree>
       <p:nvGrpSpPr>
         <p:cNvPr id="1" name=""/>
@@ -6787,14 +8732,66 @@
       </p:grpSpPr>
       <p:sp>
         <p:nvSpPr>
-          <p:cNvPr name="TextBox 2" id="2"/>
+          <p:cNvPr name="Freeform 2" id="2"/>
+          <p:cNvSpPr/>
+          <p:nvPr/>
+        </p:nvSpPr>
+        <p:spPr>
+          <a:xfrm flipH="false" flipV="false" rot="0">
+            <a:off x="15038518" y="5775131"/>
+            <a:ext cx="2813027" cy="4114800"/>
+          </a:xfrm>
+          <a:custGeom>
+            <a:avLst/>
+            <a:gdLst/>
+            <a:ahLst/>
+            <a:cxnLst/>
+            <a:rect r="r" b="b" t="t" l="l"/>
+            <a:pathLst>
+              <a:path h="4114800" w="2813027">
+                <a:moveTo>
+                  <a:pt x="0" y="0"/>
+                </a:moveTo>
+                <a:lnTo>
+                  <a:pt x="2813027" y="0"/>
+                </a:lnTo>
+                <a:lnTo>
+                  <a:pt x="2813027" y="4114800"/>
+                </a:lnTo>
+                <a:lnTo>
+                  <a:pt x="0" y="4114800"/>
+                </a:lnTo>
+                <a:lnTo>
+                  <a:pt x="0" y="0"/>
+                </a:lnTo>
+                <a:close/>
+              </a:path>
+            </a:pathLst>
+          </a:custGeom>
+          <a:blipFill>
+            <a:blip r:embed="rId2">
+              <a:extLst>
+                <a:ext uri="{96DAC541-7B7A-43D3-8B79-37D633B846F1}">
+                  <asvg:svgBlip xmlns:asvg="http://schemas.microsoft.com/office/drawing/2016/SVG/main" r:embed="rId3"/>
+                </a:ext>
+              </a:extLst>
+            </a:blip>
+            <a:stretch>
+              <a:fillRect l="0" t="0" r="0" b="0"/>
+            </a:stretch>
+          </a:blipFill>
+        </p:spPr>
+      </p:sp>
+      <p:sp>
+        <p:nvSpPr>
+          <p:cNvPr name="TextBox 3" id="3"/>
           <p:cNvSpPr txBox="true"/>
           <p:nvPr/>
         </p:nvSpPr>
         <p:spPr>
           <a:xfrm rot="0">
-            <a:off x="264146" y="290513"/>
-            <a:ext cx="9958391" cy="1409700"/>
+            <a:off x="264146" y="280988"/>
+            <a:ext cx="9958391" cy="1419225"/>
           </a:xfrm>
           <a:prstGeom prst="rect">
             <a:avLst/>
@@ -6821,21 +8818,21 @@
                 <a:cs typeface="Eastman Grotesque Bold"/>
                 <a:sym typeface="Eastman Grotesque Bold"/>
               </a:rPr>
-              <a:t>Editorial Board</a:t>
-            </a:r>
-          </a:p>
-        </p:txBody>
-      </p:sp>
-      <p:sp>
-        <p:nvSpPr>
-          <p:cNvPr name="TextBox 3" id="3"/>
+              <a:t>News Board</a:t>
+            </a:r>
+          </a:p>
+        </p:txBody>
+      </p:sp>
+      <p:sp>
+        <p:nvSpPr>
+          <p:cNvPr name="TextBox 4" id="4"/>
           <p:cNvSpPr txBox="true"/>
           <p:nvPr/>
         </p:nvSpPr>
         <p:spPr>
           <a:xfrm rot="0">
-            <a:off x="264146" y="1786991"/>
-            <a:ext cx="17326273" cy="2380615"/>
+            <a:off x="264146" y="1777466"/>
+            <a:ext cx="17326273" cy="3590290"/>
           </a:xfrm>
           <a:prstGeom prst="rect">
             <a:avLst/>
@@ -6864,7 +8861,7 @@
                 <a:cs typeface="Eastman Grotesque"/>
                 <a:sym typeface="Eastman Grotesque"/>
               </a:rPr>
-              <a:t>In charge of writing about personal opinions on various topics</a:t>
+              <a:t>In charge of reporting events around the school and occasionally the world</a:t>
             </a:r>
           </a:p>
           <a:p>
@@ -6906,7 +8903,7 @@
                 <a:cs typeface="Eastman Grotesque"/>
                 <a:sym typeface="Eastman Grotesque"/>
               </a:rPr>
-              <a:t>Opinion pieces</a:t>
+              <a:t>School events</a:t>
             </a:r>
           </a:p>
           <a:p>
@@ -6927,7 +8924,49 @@
                 <a:cs typeface="Eastman Grotesque"/>
                 <a:sym typeface="Eastman Grotesque"/>
               </a:rPr>
-              <a:t>Debates</a:t>
+              <a:t>School clubs</a:t>
+            </a:r>
+          </a:p>
+          <a:p>
+            <a:pPr algn="l" marL="1468119" indent="-489373" lvl="2">
+              <a:lnSpc>
+                <a:spcPts val="4759"/>
+              </a:lnSpc>
+              <a:buFont typeface="Arial"/>
+              <a:buChar char="⚬"/>
+            </a:pPr>
+            <a:r>
+              <a:rPr lang="en-US" sz="3399">
+                <a:solidFill>
+                  <a:srgbClr val="000000"/>
+                </a:solidFill>
+                <a:latin typeface="Eastman Grotesque"/>
+                <a:ea typeface="Eastman Grotesque"/>
+                <a:cs typeface="Eastman Grotesque"/>
+                <a:sym typeface="Eastman Grotesque"/>
+              </a:rPr>
+              <a:t>Interviews</a:t>
+            </a:r>
+          </a:p>
+          <a:p>
+            <a:pPr algn="l" marL="1468119" indent="-489373" lvl="2">
+              <a:lnSpc>
+                <a:spcPts val="4759"/>
+              </a:lnSpc>
+              <a:buFont typeface="Arial"/>
+              <a:buChar char="⚬"/>
+            </a:pPr>
+            <a:r>
+              <a:rPr lang="en-US" sz="3399">
+                <a:solidFill>
+                  <a:srgbClr val="000000"/>
+                </a:solidFill>
+                <a:latin typeface="Eastman Grotesque"/>
+                <a:ea typeface="Eastman Grotesque"/>
+                <a:cs typeface="Eastman Grotesque"/>
+                <a:sym typeface="Eastman Grotesque"/>
+              </a:rPr>
+              <a:t>Issues around the school</a:t>
             </a:r>
           </a:p>
         </p:txBody>
@@ -6940,9 +8979,16 @@
 </p:sld>
 </file>
 
-<file path=ppt/slides/slide8.xml><?xml version="1.0" encoding="utf-8"?>
-<p:sld xmlns:p="http://schemas.openxmlformats.org/presentationml/2006/main" xmlns:a="http://schemas.openxmlformats.org/drawingml/2006/main">
+<file path=ppt/slides/slide9.xml><?xml version="1.0" encoding="utf-8"?>
+<p:sld xmlns:p="http://schemas.openxmlformats.org/presentationml/2006/main" xmlns:a="http://schemas.openxmlformats.org/drawingml/2006/main" xmlns:r="http://schemas.openxmlformats.org/officeDocument/2006/relationships">
   <p:cSld>
+    <p:bg>
+      <p:bgPr>
+        <a:solidFill>
+          <a:srgbClr val="FFFDF8"/>
+        </a:solidFill>
+      </p:bgPr>
+    </p:bg>
     <p:spTree>
       <p:nvGrpSpPr>
         <p:cNvPr id="1" name=""/>
@@ -6959,14 +9005,66 @@
       </p:grpSpPr>
       <p:sp>
         <p:nvSpPr>
-          <p:cNvPr name="TextBox 2" id="2"/>
+          <p:cNvPr name="Freeform 2" id="2"/>
+          <p:cNvSpPr/>
+          <p:nvPr/>
+        </p:nvSpPr>
+        <p:spPr>
+          <a:xfrm flipH="false" flipV="false" rot="0">
+            <a:off x="14539057" y="6856722"/>
+            <a:ext cx="3507087" cy="3173914"/>
+          </a:xfrm>
+          <a:custGeom>
+            <a:avLst/>
+            <a:gdLst/>
+            <a:ahLst/>
+            <a:cxnLst/>
+            <a:rect r="r" b="b" t="t" l="l"/>
+            <a:pathLst>
+              <a:path h="3173914" w="3507087">
+                <a:moveTo>
+                  <a:pt x="0" y="0"/>
+                </a:moveTo>
+                <a:lnTo>
+                  <a:pt x="3507087" y="0"/>
+                </a:lnTo>
+                <a:lnTo>
+                  <a:pt x="3507087" y="3173914"/>
+                </a:lnTo>
+                <a:lnTo>
+                  <a:pt x="0" y="3173914"/>
+                </a:lnTo>
+                <a:lnTo>
+                  <a:pt x="0" y="0"/>
+                </a:lnTo>
+                <a:close/>
+              </a:path>
+            </a:pathLst>
+          </a:custGeom>
+          <a:blipFill>
+            <a:blip r:embed="rId2">
+              <a:extLst>
+                <a:ext uri="{96DAC541-7B7A-43D3-8B79-37D633B846F1}">
+                  <asvg:svgBlip xmlns:asvg="http://schemas.microsoft.com/office/drawing/2016/SVG/main" r:embed="rId3"/>
+                </a:ext>
+              </a:extLst>
+            </a:blip>
+            <a:stretch>
+              <a:fillRect l="0" t="0" r="0" b="0"/>
+            </a:stretch>
+          </a:blipFill>
+        </p:spPr>
+      </p:sp>
+      <p:sp>
+        <p:nvSpPr>
+          <p:cNvPr name="TextBox 3" id="3"/>
           <p:cNvSpPr txBox="true"/>
           <p:nvPr/>
         </p:nvSpPr>
         <p:spPr>
           <a:xfrm rot="0">
-            <a:off x="264146" y="290513"/>
-            <a:ext cx="9958391" cy="1409700"/>
+            <a:off x="264146" y="280988"/>
+            <a:ext cx="9958391" cy="1419225"/>
           </a:xfrm>
           <a:prstGeom prst="rect">
             <a:avLst/>
@@ -6993,21 +9091,21 @@
                 <a:cs typeface="Eastman Grotesque Bold"/>
                 <a:sym typeface="Eastman Grotesque Bold"/>
               </a:rPr>
-              <a:t>Life Board</a:t>
-            </a:r>
-          </a:p>
-        </p:txBody>
-      </p:sp>
-      <p:sp>
-        <p:nvSpPr>
-          <p:cNvPr name="TextBox 3" id="3"/>
+              <a:t>Editorial Board</a:t>
+            </a:r>
+          </a:p>
+        </p:txBody>
+      </p:sp>
+      <p:sp>
+        <p:nvSpPr>
+          <p:cNvPr name="TextBox 4" id="4"/>
           <p:cNvSpPr txBox="true"/>
           <p:nvPr/>
         </p:nvSpPr>
         <p:spPr>
           <a:xfrm rot="0">
-            <a:off x="264146" y="1786991"/>
-            <a:ext cx="17326273" cy="3580765"/>
+            <a:off x="264146" y="1777466"/>
+            <a:ext cx="17326273" cy="2390140"/>
           </a:xfrm>
           <a:prstGeom prst="rect">
             <a:avLst/>
@@ -7036,7 +9134,7 @@
                 <a:cs typeface="Eastman Grotesque"/>
                 <a:sym typeface="Eastman Grotesque"/>
               </a:rPr>
-              <a:t>In charge of making creative pieces</a:t>
+              <a:t>In charge of writing about personal opinions on various topics</a:t>
             </a:r>
           </a:p>
           <a:p>
@@ -7078,7 +9176,7 @@
                 <a:cs typeface="Eastman Grotesque"/>
                 <a:sym typeface="Eastman Grotesque"/>
               </a:rPr>
-              <a:t>Stories</a:t>
+              <a:t>Opinion pieces</a:t>
             </a:r>
           </a:p>
           <a:p>
@@ -7099,345 +9197,7 @@
                 <a:cs typeface="Eastman Grotesque"/>
                 <a:sym typeface="Eastman Grotesque"/>
               </a:rPr>
-              <a:t>Poetry</a:t>
-            </a:r>
-          </a:p>
-          <a:p>
-            <a:pPr algn="l" marL="1468119" indent="-489373" lvl="2">
-              <a:lnSpc>
-                <a:spcPts val="4759"/>
-              </a:lnSpc>
-              <a:buFont typeface="Arial"/>
-              <a:buChar char="⚬"/>
-            </a:pPr>
-            <a:r>
-              <a:rPr lang="en-US" sz="3399">
-                <a:solidFill>
-                  <a:srgbClr val="000000"/>
-                </a:solidFill>
-                <a:latin typeface="Eastman Grotesque"/>
-                <a:ea typeface="Eastman Grotesque"/>
-                <a:cs typeface="Eastman Grotesque"/>
-                <a:sym typeface="Eastman Grotesque"/>
-              </a:rPr>
-              <a:t>Visual Arts pieces*</a:t>
-            </a:r>
-          </a:p>
-          <a:p>
-            <a:pPr algn="l" marL="1468119" indent="-489373" lvl="2">
-              <a:lnSpc>
-                <a:spcPts val="4759"/>
-              </a:lnSpc>
-              <a:buFont typeface="Arial"/>
-              <a:buChar char="⚬"/>
-            </a:pPr>
-            <a:r>
-              <a:rPr lang="en-US" sz="3399">
-                <a:solidFill>
-                  <a:srgbClr val="000000"/>
-                </a:solidFill>
-                <a:latin typeface="Eastman Grotesque"/>
-                <a:ea typeface="Eastman Grotesque"/>
-                <a:cs typeface="Eastman Grotesque"/>
-                <a:sym typeface="Eastman Grotesque"/>
-              </a:rPr>
-              <a:t>Anything creative!</a:t>
-            </a:r>
-          </a:p>
-        </p:txBody>
-      </p:sp>
-      <p:sp>
-        <p:nvSpPr>
-          <p:cNvPr name="TextBox 4" id="4"/>
-          <p:cNvSpPr txBox="true"/>
-          <p:nvPr/>
-        </p:nvSpPr>
-        <p:spPr>
-          <a:xfrm rot="0">
-            <a:off x="480863" y="9484456"/>
-            <a:ext cx="17326273" cy="398780"/>
-          </a:xfrm>
-          <a:prstGeom prst="rect">
-            <a:avLst/>
-          </a:prstGeom>
-        </p:spPr>
-        <p:txBody>
-          <a:bodyPr anchor="t" rtlCol="false" tIns="0" lIns="0" bIns="0" rIns="0">
-            <a:spAutoFit/>
-          </a:bodyPr>
-          <a:lstStyle/>
-          <a:p>
-            <a:pPr algn="l">
-              <a:lnSpc>
-                <a:spcPts val="3220"/>
-              </a:lnSpc>
-            </a:pPr>
-            <a:r>
-              <a:rPr lang="en-US" sz="2300">
-                <a:solidFill>
-                  <a:srgbClr val="000000"/>
-                </a:solidFill>
-                <a:latin typeface="Eastman Grotesque"/>
-                <a:ea typeface="Eastman Grotesque"/>
-                <a:cs typeface="Eastman Grotesque"/>
-                <a:sym typeface="Eastman Grotesque"/>
-              </a:rPr>
-              <a:t>*If you would like to make art pieces that go with other people’s written pieces, the Visual Arts Board may be better suited for you.</a:t>
-            </a:r>
-          </a:p>
-        </p:txBody>
-      </p:sp>
-    </p:spTree>
-  </p:cSld>
-  <p:clrMapOvr>
-    <a:masterClrMapping/>
-  </p:clrMapOvr>
-</p:sld>
-</file>
-
-<file path=ppt/slides/slide9.xml><?xml version="1.0" encoding="utf-8"?>
-<p:sld xmlns:p="http://schemas.openxmlformats.org/presentationml/2006/main" xmlns:a="http://schemas.openxmlformats.org/drawingml/2006/main">
-  <p:cSld>
-    <p:spTree>
-      <p:nvGrpSpPr>
-        <p:cNvPr id="1" name=""/>
-        <p:cNvGrpSpPr/>
-        <p:nvPr/>
-      </p:nvGrpSpPr>
-      <p:grpSpPr>
-        <a:xfrm>
-          <a:off x="0" y="0"/>
-          <a:ext cx="0" cy="0"/>
-          <a:chOff x="0" y="0"/>
-          <a:chExt cx="0" cy="0"/>
-        </a:xfrm>
-      </p:grpSpPr>
-      <p:sp>
-        <p:nvSpPr>
-          <p:cNvPr name="TextBox 2" id="2"/>
-          <p:cNvSpPr txBox="true"/>
-          <p:nvPr/>
-        </p:nvSpPr>
-        <p:spPr>
-          <a:xfrm rot="0">
-            <a:off x="264146" y="290513"/>
-            <a:ext cx="9958391" cy="1409700"/>
-          </a:xfrm>
-          <a:prstGeom prst="rect">
-            <a:avLst/>
-          </a:prstGeom>
-        </p:spPr>
-        <p:txBody>
-          <a:bodyPr anchor="t" rtlCol="false" tIns="0" lIns="0" bIns="0" rIns="0">
-            <a:spAutoFit/>
-          </a:bodyPr>
-          <a:lstStyle/>
-          <a:p>
-            <a:pPr algn="l">
-              <a:lnSpc>
-                <a:spcPts val="11040"/>
-              </a:lnSpc>
-            </a:pPr>
-            <a:r>
-              <a:rPr lang="en-US" sz="9200">
-                <a:solidFill>
-                  <a:srgbClr val="000000"/>
-                </a:solidFill>
-                <a:latin typeface="Eastman Grotesque Bold"/>
-                <a:ea typeface="Eastman Grotesque Bold"/>
-                <a:cs typeface="Eastman Grotesque Bold"/>
-                <a:sym typeface="Eastman Grotesque Bold"/>
-              </a:rPr>
-              <a:t>Visual Arts Board</a:t>
-            </a:r>
-          </a:p>
-        </p:txBody>
-      </p:sp>
-      <p:sp>
-        <p:nvSpPr>
-          <p:cNvPr name="TextBox 3" id="3"/>
-          <p:cNvSpPr txBox="true"/>
-          <p:nvPr/>
-        </p:nvSpPr>
-        <p:spPr>
-          <a:xfrm rot="0">
-            <a:off x="264146" y="1786991"/>
-            <a:ext cx="17326273" cy="3580765"/>
-          </a:xfrm>
-          <a:prstGeom prst="rect">
-            <a:avLst/>
-          </a:prstGeom>
-        </p:spPr>
-        <p:txBody>
-          <a:bodyPr anchor="t" rtlCol="false" tIns="0" lIns="0" bIns="0" rIns="0">
-            <a:spAutoFit/>
-          </a:bodyPr>
-          <a:lstStyle/>
-          <a:p>
-            <a:pPr algn="l" marL="734059" indent="-367030" lvl="1">
-              <a:lnSpc>
-                <a:spcPts val="4759"/>
-              </a:lnSpc>
-              <a:buFont typeface="Arial"/>
-              <a:buChar char="•"/>
-            </a:pPr>
-            <a:r>
-              <a:rPr lang="en-US" sz="3399">
-                <a:solidFill>
-                  <a:srgbClr val="000000"/>
-                </a:solidFill>
-                <a:latin typeface="Eastman Grotesque"/>
-                <a:ea typeface="Eastman Grotesque"/>
-                <a:cs typeface="Eastman Grotesque"/>
-                <a:sym typeface="Eastman Grotesque"/>
-              </a:rPr>
-              <a:t>In charge of making visual pieces to go with written works</a:t>
-            </a:r>
-          </a:p>
-          <a:p>
-            <a:pPr algn="l" marL="734059" indent="-367030" lvl="1">
-              <a:lnSpc>
-                <a:spcPts val="4759"/>
-              </a:lnSpc>
-              <a:buFont typeface="Arial"/>
-              <a:buChar char="•"/>
-            </a:pPr>
-            <a:r>
-              <a:rPr lang="en-US" sz="3399">
-                <a:solidFill>
-                  <a:srgbClr val="000000"/>
-                </a:solidFill>
-                <a:latin typeface="Eastman Grotesque"/>
-                <a:ea typeface="Eastman Grotesque"/>
-                <a:cs typeface="Eastman Grotesque"/>
-                <a:sym typeface="Eastman Grotesque"/>
-              </a:rPr>
-              <a:t>Includes:</a:t>
-            </a:r>
-          </a:p>
-          <a:p>
-            <a:pPr algn="l" marL="1468119" indent="-489373" lvl="2">
-              <a:lnSpc>
-                <a:spcPts val="4759"/>
-              </a:lnSpc>
-              <a:buFont typeface="Arial"/>
-              <a:buChar char="⚬"/>
-            </a:pPr>
-            <a:r>
-              <a:rPr lang="en-US" sz="3399">
-                <a:solidFill>
-                  <a:srgbClr val="000000"/>
-                </a:solidFill>
-                <a:latin typeface="Eastman Grotesque"/>
-                <a:ea typeface="Eastman Grotesque"/>
-                <a:cs typeface="Eastman Grotesque"/>
-                <a:sym typeface="Eastman Grotesque"/>
-              </a:rPr>
-              <a:t>Photography</a:t>
-            </a:r>
-          </a:p>
-          <a:p>
-            <a:pPr algn="l" marL="1468119" indent="-489373" lvl="2">
-              <a:lnSpc>
-                <a:spcPts val="4759"/>
-              </a:lnSpc>
-              <a:buFont typeface="Arial"/>
-              <a:buChar char="⚬"/>
-            </a:pPr>
-            <a:r>
-              <a:rPr lang="en-US" sz="3399">
-                <a:solidFill>
-                  <a:srgbClr val="000000"/>
-                </a:solidFill>
-                <a:latin typeface="Eastman Grotesque"/>
-                <a:ea typeface="Eastman Grotesque"/>
-                <a:cs typeface="Eastman Grotesque"/>
-                <a:sym typeface="Eastman Grotesque"/>
-              </a:rPr>
-              <a:t>Drawings</a:t>
-            </a:r>
-          </a:p>
-          <a:p>
-            <a:pPr algn="l" marL="1468119" indent="-489373" lvl="2">
-              <a:lnSpc>
-                <a:spcPts val="4759"/>
-              </a:lnSpc>
-              <a:buFont typeface="Arial"/>
-              <a:buChar char="⚬"/>
-            </a:pPr>
-            <a:r>
-              <a:rPr lang="en-US" sz="3399">
-                <a:solidFill>
-                  <a:srgbClr val="000000"/>
-                </a:solidFill>
-                <a:latin typeface="Eastman Grotesque"/>
-                <a:ea typeface="Eastman Grotesque"/>
-                <a:cs typeface="Eastman Grotesque"/>
-                <a:sym typeface="Eastman Grotesque"/>
-              </a:rPr>
-              <a:t>Paintings</a:t>
-            </a:r>
-          </a:p>
-          <a:p>
-            <a:pPr algn="l" marL="1468119" indent="-489373" lvl="2">
-              <a:lnSpc>
-                <a:spcPts val="4759"/>
-              </a:lnSpc>
-              <a:buFont typeface="Arial"/>
-              <a:buChar char="⚬"/>
-            </a:pPr>
-            <a:r>
-              <a:rPr lang="en-US" sz="3399">
-                <a:solidFill>
-                  <a:srgbClr val="000000"/>
-                </a:solidFill>
-                <a:latin typeface="Eastman Grotesque"/>
-                <a:ea typeface="Eastman Grotesque"/>
-                <a:cs typeface="Eastman Grotesque"/>
-                <a:sym typeface="Eastman Grotesque"/>
-              </a:rPr>
-              <a:t>Anything creative!*</a:t>
-            </a:r>
-          </a:p>
-        </p:txBody>
-      </p:sp>
-      <p:sp>
-        <p:nvSpPr>
-          <p:cNvPr name="TextBox 4" id="4"/>
-          <p:cNvSpPr txBox="true"/>
-          <p:nvPr/>
-        </p:nvSpPr>
-        <p:spPr>
-          <a:xfrm rot="0">
-            <a:off x="480863" y="9484456"/>
-            <a:ext cx="17326273" cy="398780"/>
-          </a:xfrm>
-          <a:prstGeom prst="rect">
-            <a:avLst/>
-          </a:prstGeom>
-        </p:spPr>
-        <p:txBody>
-          <a:bodyPr anchor="t" rtlCol="false" tIns="0" lIns="0" bIns="0" rIns="0">
-            <a:spAutoFit/>
-          </a:bodyPr>
-          <a:lstStyle/>
-          <a:p>
-            <a:pPr algn="l">
-              <a:lnSpc>
-                <a:spcPts val="3220"/>
-              </a:lnSpc>
-            </a:pPr>
-            <a:r>
-              <a:rPr lang="en-US" sz="2300">
-                <a:solidFill>
-                  <a:srgbClr val="000000"/>
-                </a:solidFill>
-                <a:latin typeface="Eastman Grotesque"/>
-                <a:ea typeface="Eastman Grotesque"/>
-                <a:cs typeface="Eastman Grotesque"/>
-                <a:sym typeface="Eastman Grotesque"/>
-              </a:rPr>
-              <a:t>*If you would like to make art pieces that don’t go with other people’s written pieces, the Life Board may be better suited for you.</a:t>
+              <a:t>Debates</a:t>
             </a:r>
           </a:p>
         </p:txBody>
